--- a/final.pptx
+++ b/final.pptx
@@ -4,6 +4,9 @@
   <p:sldMasterIdLst>
     <p:sldMasterId id="2147483648" r:id="rId1"/>
   </p:sldMasterIdLst>
+  <p:notesMasterIdLst>
+    <p:notesMasterId r:id="rId27"/>
+  </p:notesMasterIdLst>
   <p:sldIdLst>
     <p:sldId id="256" r:id="rId2"/>
     <p:sldId id="265" r:id="rId3"/>
@@ -19,16 +22,17 @@
     <p:sldId id="329" r:id="rId13"/>
     <p:sldId id="323" r:id="rId14"/>
     <p:sldId id="324" r:id="rId15"/>
-    <p:sldId id="306" r:id="rId16"/>
-    <p:sldId id="330" r:id="rId17"/>
-    <p:sldId id="308" r:id="rId18"/>
-    <p:sldId id="307" r:id="rId19"/>
-    <p:sldId id="313" r:id="rId20"/>
-    <p:sldId id="315" r:id="rId21"/>
-    <p:sldId id="316" r:id="rId22"/>
-    <p:sldId id="318" r:id="rId23"/>
-    <p:sldId id="317" r:id="rId24"/>
-    <p:sldId id="321" r:id="rId25"/>
+    <p:sldId id="331" r:id="rId16"/>
+    <p:sldId id="306" r:id="rId17"/>
+    <p:sldId id="330" r:id="rId18"/>
+    <p:sldId id="308" r:id="rId19"/>
+    <p:sldId id="307" r:id="rId20"/>
+    <p:sldId id="313" r:id="rId21"/>
+    <p:sldId id="315" r:id="rId22"/>
+    <p:sldId id="316" r:id="rId23"/>
+    <p:sldId id="318" r:id="rId24"/>
+    <p:sldId id="317" r:id="rId25"/>
+    <p:sldId id="321" r:id="rId26"/>
   </p:sldIdLst>
   <p:sldSz cx="12192000" cy="6858000"/>
   <p:notesSz cx="6858000" cy="9144000"/>
@@ -131,8 +135,3903 @@
     <p:ext uri="{EFAFB233-063F-42B5-8137-9DF3F51BA10A}">
       <p15:sldGuideLst xmlns:p15="http://schemas.microsoft.com/office/powerpoint/2012/main"/>
     </p:ext>
+    <p:ext uri="{2D200454-40CA-4A62-9FC3-DE9A4176ACB9}">
+      <p15:notesGuideLst xmlns:p15="http://schemas.microsoft.com/office/powerpoint/2012/main"/>
+    </p:ext>
   </p:extLst>
 </p:presentation>
+</file>
+
+<file path=ppt/notesMasters/notesMaster1.xml><?xml version="1.0" encoding="utf-8"?>
+<p:notesMaster xmlns:a="http://schemas.openxmlformats.org/drawingml/2006/main" xmlns:r="http://schemas.openxmlformats.org/officeDocument/2006/relationships" xmlns:p="http://schemas.openxmlformats.org/presentationml/2006/main">
+  <p:cSld>
+    <p:bg>
+      <p:bgRef idx="1001">
+        <a:schemeClr val="bg1"/>
+      </p:bgRef>
+    </p:bg>
+    <p:spTree>
+      <p:nvGrpSpPr>
+        <p:cNvPr id="1" name=""/>
+        <p:cNvGrpSpPr/>
+        <p:nvPr/>
+      </p:nvGrpSpPr>
+      <p:grpSpPr>
+        <a:xfrm>
+          <a:off x="0" y="0"/>
+          <a:ext cx="0" cy="0"/>
+          <a:chOff x="0" y="0"/>
+          <a:chExt cx="0" cy="0"/>
+        </a:xfrm>
+      </p:grpSpPr>
+      <p:sp>
+        <p:nvSpPr>
+          <p:cNvPr id="2" name="Header Placeholder 1"/>
+          <p:cNvSpPr>
+            <a:spLocks noGrp="1"/>
+          </p:cNvSpPr>
+          <p:nvPr>
+            <p:ph type="hdr" sz="quarter"/>
+          </p:nvPr>
+        </p:nvSpPr>
+        <p:spPr>
+          <a:xfrm>
+            <a:off x="0" y="0"/>
+            <a:ext cx="2971800" cy="458788"/>
+          </a:xfrm>
+          <a:prstGeom prst="rect">
+            <a:avLst/>
+          </a:prstGeom>
+        </p:spPr>
+        <p:txBody>
+          <a:bodyPr vert="horz" lIns="91440" tIns="45720" rIns="91440" bIns="45720" rtlCol="0"/>
+          <a:lstStyle>
+            <a:lvl1pPr algn="l">
+              <a:defRPr sz="1200"/>
+            </a:lvl1pPr>
+          </a:lstStyle>
+          <a:p>
+            <a:endParaRPr lang="en-US"/>
+          </a:p>
+        </p:txBody>
+      </p:sp>
+      <p:sp>
+        <p:nvSpPr>
+          <p:cNvPr id="3" name="Date Placeholder 2"/>
+          <p:cNvSpPr>
+            <a:spLocks noGrp="1"/>
+          </p:cNvSpPr>
+          <p:nvPr>
+            <p:ph type="dt" idx="1"/>
+          </p:nvPr>
+        </p:nvSpPr>
+        <p:spPr>
+          <a:xfrm>
+            <a:off x="3884613" y="0"/>
+            <a:ext cx="2971800" cy="458788"/>
+          </a:xfrm>
+          <a:prstGeom prst="rect">
+            <a:avLst/>
+          </a:prstGeom>
+        </p:spPr>
+        <p:txBody>
+          <a:bodyPr vert="horz" lIns="91440" tIns="45720" rIns="91440" bIns="45720" rtlCol="0"/>
+          <a:lstStyle>
+            <a:lvl1pPr algn="r">
+              <a:defRPr sz="1200"/>
+            </a:lvl1pPr>
+          </a:lstStyle>
+          <a:p>
+            <a:fld id="{5921C402-D4C1-4E2E-9355-A2CE8848F82C}" type="datetimeFigureOut">
+              <a:rPr lang="en-US" smtClean="0"/>
+              <a:t>7/16/2020</a:t>
+            </a:fld>
+            <a:endParaRPr lang="en-US"/>
+          </a:p>
+        </p:txBody>
+      </p:sp>
+      <p:sp>
+        <p:nvSpPr>
+          <p:cNvPr id="4" name="Slide Image Placeholder 3"/>
+          <p:cNvSpPr>
+            <a:spLocks noGrp="1" noRot="1" noChangeAspect="1"/>
+          </p:cNvSpPr>
+          <p:nvPr>
+            <p:ph type="sldImg" idx="2"/>
+          </p:nvPr>
+        </p:nvSpPr>
+        <p:spPr>
+          <a:xfrm>
+            <a:off x="685800" y="1143000"/>
+            <a:ext cx="5486400" cy="3086100"/>
+          </a:xfrm>
+          <a:prstGeom prst="rect">
+            <a:avLst/>
+          </a:prstGeom>
+          <a:noFill/>
+          <a:ln w="12700">
+            <a:solidFill>
+              <a:prstClr val="black"/>
+            </a:solidFill>
+          </a:ln>
+        </p:spPr>
+        <p:txBody>
+          <a:bodyPr vert="horz" lIns="91440" tIns="45720" rIns="91440" bIns="45720" rtlCol="0" anchor="ctr"/>
+          <a:lstStyle/>
+          <a:p>
+            <a:endParaRPr lang="en-US"/>
+          </a:p>
+        </p:txBody>
+      </p:sp>
+      <p:sp>
+        <p:nvSpPr>
+          <p:cNvPr id="5" name="Notes Placeholder 4"/>
+          <p:cNvSpPr>
+            <a:spLocks noGrp="1"/>
+          </p:cNvSpPr>
+          <p:nvPr>
+            <p:ph type="body" sz="quarter" idx="3"/>
+          </p:nvPr>
+        </p:nvSpPr>
+        <p:spPr>
+          <a:xfrm>
+            <a:off x="685800" y="4400550"/>
+            <a:ext cx="5486400" cy="3600450"/>
+          </a:xfrm>
+          <a:prstGeom prst="rect">
+            <a:avLst/>
+          </a:prstGeom>
+        </p:spPr>
+        <p:txBody>
+          <a:bodyPr vert="horz" lIns="91440" tIns="45720" rIns="91440" bIns="45720" rtlCol="0"/>
+          <a:lstStyle/>
+          <a:p>
+            <a:pPr lvl="0"/>
+            <a:r>
+              <a:rPr lang="en-US"/>
+              <a:t>Click to edit Master text styles</a:t>
+            </a:r>
+          </a:p>
+          <a:p>
+            <a:pPr lvl="1"/>
+            <a:r>
+              <a:rPr lang="en-US"/>
+              <a:t>Second level</a:t>
+            </a:r>
+          </a:p>
+          <a:p>
+            <a:pPr lvl="2"/>
+            <a:r>
+              <a:rPr lang="en-US"/>
+              <a:t>Third level</a:t>
+            </a:r>
+          </a:p>
+          <a:p>
+            <a:pPr lvl="3"/>
+            <a:r>
+              <a:rPr lang="en-US"/>
+              <a:t>Fourth level</a:t>
+            </a:r>
+          </a:p>
+          <a:p>
+            <a:pPr lvl="4"/>
+            <a:r>
+              <a:rPr lang="en-US"/>
+              <a:t>Fifth level</a:t>
+            </a:r>
+          </a:p>
+        </p:txBody>
+      </p:sp>
+      <p:sp>
+        <p:nvSpPr>
+          <p:cNvPr id="6" name="Footer Placeholder 5"/>
+          <p:cNvSpPr>
+            <a:spLocks noGrp="1"/>
+          </p:cNvSpPr>
+          <p:nvPr>
+            <p:ph type="ftr" sz="quarter" idx="4"/>
+          </p:nvPr>
+        </p:nvSpPr>
+        <p:spPr>
+          <a:xfrm>
+            <a:off x="0" y="8685213"/>
+            <a:ext cx="2971800" cy="458787"/>
+          </a:xfrm>
+          <a:prstGeom prst="rect">
+            <a:avLst/>
+          </a:prstGeom>
+        </p:spPr>
+        <p:txBody>
+          <a:bodyPr vert="horz" lIns="91440" tIns="45720" rIns="91440" bIns="45720" rtlCol="0" anchor="b"/>
+          <a:lstStyle>
+            <a:lvl1pPr algn="l">
+              <a:defRPr sz="1200"/>
+            </a:lvl1pPr>
+          </a:lstStyle>
+          <a:p>
+            <a:endParaRPr lang="en-US"/>
+          </a:p>
+        </p:txBody>
+      </p:sp>
+      <p:sp>
+        <p:nvSpPr>
+          <p:cNvPr id="7" name="Slide Number Placeholder 6"/>
+          <p:cNvSpPr>
+            <a:spLocks noGrp="1"/>
+          </p:cNvSpPr>
+          <p:nvPr>
+            <p:ph type="sldNum" sz="quarter" idx="5"/>
+          </p:nvPr>
+        </p:nvSpPr>
+        <p:spPr>
+          <a:xfrm>
+            <a:off x="3884613" y="8685213"/>
+            <a:ext cx="2971800" cy="458787"/>
+          </a:xfrm>
+          <a:prstGeom prst="rect">
+            <a:avLst/>
+          </a:prstGeom>
+        </p:spPr>
+        <p:txBody>
+          <a:bodyPr vert="horz" lIns="91440" tIns="45720" rIns="91440" bIns="45720" rtlCol="0" anchor="b"/>
+          <a:lstStyle>
+            <a:lvl1pPr algn="r">
+              <a:defRPr sz="1200"/>
+            </a:lvl1pPr>
+          </a:lstStyle>
+          <a:p>
+            <a:fld id="{6BE2BF14-FE87-4A34-8ED9-2CD9352E6A79}" type="slidenum">
+              <a:rPr lang="en-US" smtClean="0"/>
+              <a:t>‹#›</a:t>
+            </a:fld>
+            <a:endParaRPr lang="en-US"/>
+          </a:p>
+        </p:txBody>
+      </p:sp>
+    </p:spTree>
+    <p:extLst>
+      <p:ext uri="{BB962C8B-B14F-4D97-AF65-F5344CB8AC3E}">
+        <p14:creationId xmlns:p14="http://schemas.microsoft.com/office/powerpoint/2010/main" val="239809135"/>
+      </p:ext>
+    </p:extLst>
+  </p:cSld>
+  <p:clrMap bg1="lt1" tx1="dk1" bg2="lt2" tx2="dk2" accent1="accent1" accent2="accent2" accent3="accent3" accent4="accent4" accent5="accent5" accent6="accent6" hlink="hlink" folHlink="folHlink"/>
+  <p:notesStyle>
+    <a:lvl1pPr marL="0" algn="l" defTabSz="914400" rtl="0" eaLnBrk="1" latinLnBrk="0" hangingPunct="1">
+      <a:defRPr sz="1200" kern="1200">
+        <a:solidFill>
+          <a:schemeClr val="tx1"/>
+        </a:solidFill>
+        <a:latin typeface="+mn-lt"/>
+        <a:ea typeface="+mn-ea"/>
+        <a:cs typeface="+mn-cs"/>
+      </a:defRPr>
+    </a:lvl1pPr>
+    <a:lvl2pPr marL="457200" algn="l" defTabSz="914400" rtl="0" eaLnBrk="1" latinLnBrk="0" hangingPunct="1">
+      <a:defRPr sz="1200" kern="1200">
+        <a:solidFill>
+          <a:schemeClr val="tx1"/>
+        </a:solidFill>
+        <a:latin typeface="+mn-lt"/>
+        <a:ea typeface="+mn-ea"/>
+        <a:cs typeface="+mn-cs"/>
+      </a:defRPr>
+    </a:lvl2pPr>
+    <a:lvl3pPr marL="914400" algn="l" defTabSz="914400" rtl="0" eaLnBrk="1" latinLnBrk="0" hangingPunct="1">
+      <a:defRPr sz="1200" kern="1200">
+        <a:solidFill>
+          <a:schemeClr val="tx1"/>
+        </a:solidFill>
+        <a:latin typeface="+mn-lt"/>
+        <a:ea typeface="+mn-ea"/>
+        <a:cs typeface="+mn-cs"/>
+      </a:defRPr>
+    </a:lvl3pPr>
+    <a:lvl4pPr marL="1371600" algn="l" defTabSz="914400" rtl="0" eaLnBrk="1" latinLnBrk="0" hangingPunct="1">
+      <a:defRPr sz="1200" kern="1200">
+        <a:solidFill>
+          <a:schemeClr val="tx1"/>
+        </a:solidFill>
+        <a:latin typeface="+mn-lt"/>
+        <a:ea typeface="+mn-ea"/>
+        <a:cs typeface="+mn-cs"/>
+      </a:defRPr>
+    </a:lvl4pPr>
+    <a:lvl5pPr marL="1828800" algn="l" defTabSz="914400" rtl="0" eaLnBrk="1" latinLnBrk="0" hangingPunct="1">
+      <a:defRPr sz="1200" kern="1200">
+        <a:solidFill>
+          <a:schemeClr val="tx1"/>
+        </a:solidFill>
+        <a:latin typeface="+mn-lt"/>
+        <a:ea typeface="+mn-ea"/>
+        <a:cs typeface="+mn-cs"/>
+      </a:defRPr>
+    </a:lvl5pPr>
+    <a:lvl6pPr marL="2286000" algn="l" defTabSz="914400" rtl="0" eaLnBrk="1" latinLnBrk="0" hangingPunct="1">
+      <a:defRPr sz="1200" kern="1200">
+        <a:solidFill>
+          <a:schemeClr val="tx1"/>
+        </a:solidFill>
+        <a:latin typeface="+mn-lt"/>
+        <a:ea typeface="+mn-ea"/>
+        <a:cs typeface="+mn-cs"/>
+      </a:defRPr>
+    </a:lvl6pPr>
+    <a:lvl7pPr marL="2743200" algn="l" defTabSz="914400" rtl="0" eaLnBrk="1" latinLnBrk="0" hangingPunct="1">
+      <a:defRPr sz="1200" kern="1200">
+        <a:solidFill>
+          <a:schemeClr val="tx1"/>
+        </a:solidFill>
+        <a:latin typeface="+mn-lt"/>
+        <a:ea typeface="+mn-ea"/>
+        <a:cs typeface="+mn-cs"/>
+      </a:defRPr>
+    </a:lvl7pPr>
+    <a:lvl8pPr marL="3200400" algn="l" defTabSz="914400" rtl="0" eaLnBrk="1" latinLnBrk="0" hangingPunct="1">
+      <a:defRPr sz="1200" kern="1200">
+        <a:solidFill>
+          <a:schemeClr val="tx1"/>
+        </a:solidFill>
+        <a:latin typeface="+mn-lt"/>
+        <a:ea typeface="+mn-ea"/>
+        <a:cs typeface="+mn-cs"/>
+      </a:defRPr>
+    </a:lvl8pPr>
+    <a:lvl9pPr marL="3657600" algn="l" defTabSz="914400" rtl="0" eaLnBrk="1" latinLnBrk="0" hangingPunct="1">
+      <a:defRPr sz="1200" kern="1200">
+        <a:solidFill>
+          <a:schemeClr val="tx1"/>
+        </a:solidFill>
+        <a:latin typeface="+mn-lt"/>
+        <a:ea typeface="+mn-ea"/>
+        <a:cs typeface="+mn-cs"/>
+      </a:defRPr>
+    </a:lvl9pPr>
+  </p:notesStyle>
+</p:notesMaster>
+</file>
+
+<file path=ppt/notesSlides/notesSlide1.xml><?xml version="1.0" encoding="utf-8"?>
+<p:notes xmlns:a="http://schemas.openxmlformats.org/drawingml/2006/main" xmlns:r="http://schemas.openxmlformats.org/officeDocument/2006/relationships" xmlns:p="http://schemas.openxmlformats.org/presentationml/2006/main">
+  <p:cSld>
+    <p:spTree>
+      <p:nvGrpSpPr>
+        <p:cNvPr id="1" name=""/>
+        <p:cNvGrpSpPr/>
+        <p:nvPr/>
+      </p:nvGrpSpPr>
+      <p:grpSpPr>
+        <a:xfrm>
+          <a:off x="0" y="0"/>
+          <a:ext cx="0" cy="0"/>
+          <a:chOff x="0" y="0"/>
+          <a:chExt cx="0" cy="0"/>
+        </a:xfrm>
+      </p:grpSpPr>
+      <p:sp>
+        <p:nvSpPr>
+          <p:cNvPr id="2" name="Slide Image Placeholder 1"/>
+          <p:cNvSpPr>
+            <a:spLocks noGrp="1" noRot="1" noChangeAspect="1"/>
+          </p:cNvSpPr>
+          <p:nvPr>
+            <p:ph type="sldImg"/>
+          </p:nvPr>
+        </p:nvSpPr>
+        <p:spPr/>
+      </p:sp>
+      <p:sp>
+        <p:nvSpPr>
+          <p:cNvPr id="3" name="Notes Placeholder 2"/>
+          <p:cNvSpPr>
+            <a:spLocks noGrp="1"/>
+          </p:cNvSpPr>
+          <p:nvPr>
+            <p:ph type="body" idx="1"/>
+          </p:nvPr>
+        </p:nvSpPr>
+        <p:spPr/>
+        <p:txBody>
+          <a:bodyPr/>
+          <a:lstStyle/>
+          <a:p>
+            <a:pPr rtl="0">
+              <a:spcBef>
+                <a:spcPts val="0"/>
+              </a:spcBef>
+              <a:spcAft>
+                <a:spcPts val="800"/>
+              </a:spcAft>
+            </a:pPr>
+            <a:r>
+              <a:rPr lang="en-US" sz="1800" b="1" i="0" u="none" strike="noStrike" dirty="0">
+                <a:solidFill>
+                  <a:srgbClr val="000000"/>
+                </a:solidFill>
+                <a:effectLst/>
+                <a:latin typeface="Calibri" panose="020F0502020204030204" pitchFamily="34" charset="0"/>
+              </a:rPr>
+              <a:t>DIMITRI (SLIDES 1 - 8)</a:t>
+            </a:r>
+            <a:endParaRPr lang="en-US" b="0" dirty="0">
+              <a:effectLst/>
+            </a:endParaRPr>
+          </a:p>
+          <a:p>
+            <a:pPr rtl="0">
+              <a:spcBef>
+                <a:spcPts val="0"/>
+              </a:spcBef>
+              <a:spcAft>
+                <a:spcPts val="800"/>
+              </a:spcAft>
+            </a:pPr>
+            <a:r>
+              <a:rPr lang="en-US" sz="1800" b="0" i="0" u="none" strike="noStrike" dirty="0">
+                <a:solidFill>
+                  <a:srgbClr val="000000"/>
+                </a:solidFill>
+                <a:effectLst/>
+                <a:latin typeface="Calibri" panose="020F0502020204030204" pitchFamily="34" charset="0"/>
+              </a:rPr>
+              <a:t>For the last project we decided to continue working with our first project’s data set from Peer to Peer loans.</a:t>
+            </a:r>
+            <a:endParaRPr lang="en-US" b="0" dirty="0">
+              <a:effectLst/>
+            </a:endParaRPr>
+          </a:p>
+          <a:p>
+            <a:pPr rtl="0">
+              <a:spcBef>
+                <a:spcPts val="0"/>
+              </a:spcBef>
+              <a:spcAft>
+                <a:spcPts val="800"/>
+              </a:spcAft>
+            </a:pPr>
+            <a:r>
+              <a:rPr lang="en-US" sz="1800" b="0" i="0" u="none" strike="noStrike" dirty="0">
+                <a:solidFill>
+                  <a:srgbClr val="000000"/>
+                </a:solidFill>
+                <a:effectLst/>
+                <a:latin typeface="Calibri" panose="020F0502020204030204" pitchFamily="34" charset="0"/>
+              </a:rPr>
+              <a:t>As a review, Peer to Peer is  a lending company providing unsecured loans. Unlike a traditional bank, it is individuals that loan the funds to other individuals as an investment. P2P lending club rates the risk of each investment.</a:t>
+            </a:r>
+            <a:endParaRPr lang="en-US" b="0" dirty="0">
+              <a:effectLst/>
+            </a:endParaRPr>
+          </a:p>
+          <a:p>
+            <a:pPr rtl="0">
+              <a:spcBef>
+                <a:spcPts val="0"/>
+              </a:spcBef>
+              <a:spcAft>
+                <a:spcPts val="800"/>
+              </a:spcAft>
+            </a:pPr>
+            <a:r>
+              <a:rPr lang="en-US" sz="1800" b="0" i="0" u="none" strike="noStrike" dirty="0">
+                <a:solidFill>
+                  <a:srgbClr val="000000"/>
+                </a:solidFill>
+                <a:effectLst/>
+                <a:latin typeface="Calibri" panose="020F0502020204030204" pitchFamily="34" charset="0"/>
+              </a:rPr>
+              <a:t>The dataset we have has multiple years of loan data and we characterize the loans as either good or bad based on a set of characteristics</a:t>
+            </a:r>
+            <a:endParaRPr lang="en-US" b="0" dirty="0">
+              <a:effectLst/>
+            </a:endParaRPr>
+          </a:p>
+          <a:p>
+            <a:br>
+              <a:rPr lang="en-US" dirty="0"/>
+            </a:br>
+            <a:endParaRPr lang="en-US" dirty="0"/>
+          </a:p>
+        </p:txBody>
+      </p:sp>
+      <p:sp>
+        <p:nvSpPr>
+          <p:cNvPr id="4" name="Slide Number Placeholder 3"/>
+          <p:cNvSpPr>
+            <a:spLocks noGrp="1"/>
+          </p:cNvSpPr>
+          <p:nvPr>
+            <p:ph type="sldNum" sz="quarter" idx="5"/>
+          </p:nvPr>
+        </p:nvSpPr>
+        <p:spPr/>
+        <p:txBody>
+          <a:bodyPr/>
+          <a:lstStyle/>
+          <a:p>
+            <a:fld id="{6BE2BF14-FE87-4A34-8ED9-2CD9352E6A79}" type="slidenum">
+              <a:rPr lang="en-US" smtClean="0"/>
+              <a:t>1</a:t>
+            </a:fld>
+            <a:endParaRPr lang="en-US"/>
+          </a:p>
+        </p:txBody>
+      </p:sp>
+    </p:spTree>
+    <p:extLst>
+      <p:ext uri="{BB962C8B-B14F-4D97-AF65-F5344CB8AC3E}">
+        <p14:creationId xmlns:p14="http://schemas.microsoft.com/office/powerpoint/2010/main" val="284518050"/>
+      </p:ext>
+    </p:extLst>
+  </p:cSld>
+  <p:clrMapOvr>
+    <a:masterClrMapping/>
+  </p:clrMapOvr>
+</p:notes>
+</file>
+
+<file path=ppt/notesSlides/notesSlide10.xml><?xml version="1.0" encoding="utf-8"?>
+<p:notes xmlns:a="http://schemas.openxmlformats.org/drawingml/2006/main" xmlns:r="http://schemas.openxmlformats.org/officeDocument/2006/relationships" xmlns:p="http://schemas.openxmlformats.org/presentationml/2006/main">
+  <p:cSld>
+    <p:spTree>
+      <p:nvGrpSpPr>
+        <p:cNvPr id="1" name=""/>
+        <p:cNvGrpSpPr/>
+        <p:nvPr/>
+      </p:nvGrpSpPr>
+      <p:grpSpPr>
+        <a:xfrm>
+          <a:off x="0" y="0"/>
+          <a:ext cx="0" cy="0"/>
+          <a:chOff x="0" y="0"/>
+          <a:chExt cx="0" cy="0"/>
+        </a:xfrm>
+      </p:grpSpPr>
+      <p:sp>
+        <p:nvSpPr>
+          <p:cNvPr id="2" name="Slide Image Placeholder 1"/>
+          <p:cNvSpPr>
+            <a:spLocks noGrp="1" noRot="1" noChangeAspect="1"/>
+          </p:cNvSpPr>
+          <p:nvPr>
+            <p:ph type="sldImg"/>
+          </p:nvPr>
+        </p:nvSpPr>
+        <p:spPr/>
+      </p:sp>
+      <p:sp>
+        <p:nvSpPr>
+          <p:cNvPr id="3" name="Notes Placeholder 2"/>
+          <p:cNvSpPr>
+            <a:spLocks noGrp="1"/>
+          </p:cNvSpPr>
+          <p:nvPr>
+            <p:ph type="body" idx="1"/>
+          </p:nvPr>
+        </p:nvSpPr>
+        <p:spPr/>
+        <p:txBody>
+          <a:bodyPr/>
+          <a:lstStyle/>
+          <a:p>
+            <a:pPr rtl="0">
+              <a:spcBef>
+                <a:spcPts val="0"/>
+              </a:spcBef>
+              <a:spcAft>
+                <a:spcPts val="800"/>
+              </a:spcAft>
+            </a:pPr>
+            <a:r>
+              <a:rPr lang="en-US" sz="1800" b="1" i="0" u="none" strike="noStrike" dirty="0">
+                <a:solidFill>
+                  <a:srgbClr val="000000"/>
+                </a:solidFill>
+                <a:effectLst/>
+                <a:latin typeface="Calibri" panose="020F0502020204030204" pitchFamily="34" charset="0"/>
+              </a:rPr>
+              <a:t>Here, it's pretty straight forward, the dependent and independent variables are assigned to  </a:t>
+            </a:r>
+            <a:r>
+              <a:rPr lang="en-US" sz="1800" b="1" i="0" u="none" strike="noStrike" dirty="0" err="1">
+                <a:solidFill>
+                  <a:srgbClr val="000000"/>
+                </a:solidFill>
+                <a:effectLst/>
+                <a:latin typeface="Calibri" panose="020F0502020204030204" pitchFamily="34" charset="0"/>
+              </a:rPr>
+              <a:t>X,y</a:t>
+            </a:r>
+            <a:r>
+              <a:rPr lang="en-US" sz="1800" b="1" i="0" u="none" strike="noStrike" dirty="0">
+                <a:solidFill>
+                  <a:srgbClr val="000000"/>
+                </a:solidFill>
+                <a:effectLst/>
+                <a:latin typeface="Calibri" panose="020F0502020204030204" pitchFamily="34" charset="0"/>
+              </a:rPr>
+              <a:t> respectively and both are passed to  </a:t>
+            </a:r>
+            <a:r>
+              <a:rPr lang="en-US" sz="1800" b="1" i="0" u="none" strike="noStrike" dirty="0" err="1">
+                <a:solidFill>
+                  <a:srgbClr val="000000"/>
+                </a:solidFill>
+                <a:effectLst/>
+                <a:latin typeface="Calibri" panose="020F0502020204030204" pitchFamily="34" charset="0"/>
+              </a:rPr>
+              <a:t>XGBoost’s</a:t>
+            </a:r>
+            <a:r>
+              <a:rPr lang="en-US" sz="1800" b="1" i="0" u="none" strike="noStrike" dirty="0">
+                <a:solidFill>
+                  <a:srgbClr val="000000"/>
+                </a:solidFill>
+                <a:effectLst/>
+                <a:latin typeface="Calibri" panose="020F0502020204030204" pitchFamily="34" charset="0"/>
+              </a:rPr>
+              <a:t> </a:t>
+            </a:r>
+            <a:r>
+              <a:rPr lang="en-US" sz="1800" b="1" i="0" u="none" strike="noStrike" dirty="0" err="1">
+                <a:solidFill>
+                  <a:srgbClr val="000000"/>
+                </a:solidFill>
+                <a:effectLst/>
+                <a:latin typeface="Calibri" panose="020F0502020204030204" pitchFamily="34" charset="0"/>
+              </a:rPr>
+              <a:t>data_dmatrix</a:t>
+            </a:r>
+            <a:r>
+              <a:rPr lang="en-US" sz="1800" b="1" i="0" u="none" strike="noStrike" dirty="0">
+                <a:solidFill>
+                  <a:srgbClr val="000000"/>
+                </a:solidFill>
+                <a:effectLst/>
+                <a:latin typeface="Calibri" panose="020F0502020204030204" pitchFamily="34" charset="0"/>
+              </a:rPr>
+              <a:t>. </a:t>
+            </a:r>
+            <a:r>
+              <a:rPr lang="en-US" sz="1800" b="0" i="0" u="none" strike="noStrike" dirty="0">
+                <a:solidFill>
+                  <a:srgbClr val="000000"/>
+                </a:solidFill>
+                <a:effectLst/>
+                <a:latin typeface="Calibri" panose="020F0502020204030204" pitchFamily="34" charset="0"/>
+              </a:rPr>
+              <a:t>Thereafter,  we initiate the </a:t>
+            </a:r>
+            <a:r>
+              <a:rPr lang="en-US" sz="1800" b="0" i="0" u="none" strike="noStrike" dirty="0" err="1">
+                <a:solidFill>
+                  <a:srgbClr val="000000"/>
+                </a:solidFill>
+                <a:effectLst/>
+                <a:latin typeface="Calibri" panose="020F0502020204030204" pitchFamily="34" charset="0"/>
+              </a:rPr>
+              <a:t>train_test_split</a:t>
+            </a:r>
+            <a:r>
+              <a:rPr lang="en-US" sz="1800" b="0" i="0" u="none" strike="noStrike" dirty="0">
+                <a:solidFill>
+                  <a:srgbClr val="000000"/>
+                </a:solidFill>
+                <a:effectLst/>
+                <a:latin typeface="Calibri" panose="020F0502020204030204" pitchFamily="34" charset="0"/>
+              </a:rPr>
+              <a:t> function. Below that, we include a couple of print statements detailing the training and test sample sizes to verify the split.</a:t>
+            </a:r>
+            <a:endParaRPr lang="en-US" b="0" dirty="0">
+              <a:effectLst/>
+            </a:endParaRPr>
+          </a:p>
+          <a:p>
+            <a:pPr rtl="0">
+              <a:spcBef>
+                <a:spcPts val="0"/>
+              </a:spcBef>
+              <a:spcAft>
+                <a:spcPts val="800"/>
+              </a:spcAft>
+            </a:pPr>
+            <a:r>
+              <a:rPr lang="en-US" sz="1800" b="0" i="0" u="none" strike="noStrike" dirty="0">
+                <a:solidFill>
+                  <a:srgbClr val="000000"/>
+                </a:solidFill>
+                <a:effectLst/>
+                <a:latin typeface="Calibri" panose="020F0502020204030204" pitchFamily="34" charset="0"/>
+              </a:rPr>
+              <a:t>The </a:t>
+            </a:r>
+            <a:r>
+              <a:rPr lang="en-US" sz="1800" b="0" i="0" u="none" strike="noStrike" dirty="0" err="1">
+                <a:solidFill>
+                  <a:srgbClr val="000000"/>
+                </a:solidFill>
+                <a:effectLst/>
+                <a:latin typeface="Calibri" panose="020F0502020204030204" pitchFamily="34" charset="0"/>
+              </a:rPr>
+              <a:t>y_train</a:t>
+            </a:r>
+            <a:r>
+              <a:rPr lang="en-US" sz="1800" b="0" i="0" u="none" strike="noStrike" dirty="0">
+                <a:solidFill>
+                  <a:srgbClr val="000000"/>
+                </a:solidFill>
+                <a:effectLst/>
+                <a:latin typeface="Calibri" panose="020F0502020204030204" pitchFamily="34" charset="0"/>
+              </a:rPr>
+              <a:t> values are shown to demonstrate the imbalance that we have to deal with.</a:t>
+            </a:r>
+            <a:endParaRPr lang="en-US" b="0" dirty="0">
+              <a:effectLst/>
+            </a:endParaRPr>
+          </a:p>
+          <a:p>
+            <a:br>
+              <a:rPr lang="en-US" dirty="0"/>
+            </a:br>
+            <a:endParaRPr lang="en-US" dirty="0"/>
+          </a:p>
+        </p:txBody>
+      </p:sp>
+      <p:sp>
+        <p:nvSpPr>
+          <p:cNvPr id="4" name="Slide Number Placeholder 3"/>
+          <p:cNvSpPr>
+            <a:spLocks noGrp="1"/>
+          </p:cNvSpPr>
+          <p:nvPr>
+            <p:ph type="sldNum" sz="quarter" idx="5"/>
+          </p:nvPr>
+        </p:nvSpPr>
+        <p:spPr/>
+        <p:txBody>
+          <a:bodyPr/>
+          <a:lstStyle/>
+          <a:p>
+            <a:fld id="{6BE2BF14-FE87-4A34-8ED9-2CD9352E6A79}" type="slidenum">
+              <a:rPr lang="en-US" smtClean="0"/>
+              <a:t>10</a:t>
+            </a:fld>
+            <a:endParaRPr lang="en-US"/>
+          </a:p>
+        </p:txBody>
+      </p:sp>
+    </p:spTree>
+    <p:extLst>
+      <p:ext uri="{BB962C8B-B14F-4D97-AF65-F5344CB8AC3E}">
+        <p14:creationId xmlns:p14="http://schemas.microsoft.com/office/powerpoint/2010/main" val="2505675242"/>
+      </p:ext>
+    </p:extLst>
+  </p:cSld>
+  <p:clrMapOvr>
+    <a:masterClrMapping/>
+  </p:clrMapOvr>
+</p:notes>
+</file>
+
+<file path=ppt/notesSlides/notesSlide11.xml><?xml version="1.0" encoding="utf-8"?>
+<p:notes xmlns:a="http://schemas.openxmlformats.org/drawingml/2006/main" xmlns:r="http://schemas.openxmlformats.org/officeDocument/2006/relationships" xmlns:p="http://schemas.openxmlformats.org/presentationml/2006/main">
+  <p:cSld>
+    <p:spTree>
+      <p:nvGrpSpPr>
+        <p:cNvPr id="1" name=""/>
+        <p:cNvGrpSpPr/>
+        <p:nvPr/>
+      </p:nvGrpSpPr>
+      <p:grpSpPr>
+        <a:xfrm>
+          <a:off x="0" y="0"/>
+          <a:ext cx="0" cy="0"/>
+          <a:chOff x="0" y="0"/>
+          <a:chExt cx="0" cy="0"/>
+        </a:xfrm>
+      </p:grpSpPr>
+      <p:sp>
+        <p:nvSpPr>
+          <p:cNvPr id="2" name="Slide Image Placeholder 1"/>
+          <p:cNvSpPr>
+            <a:spLocks noGrp="1" noRot="1" noChangeAspect="1"/>
+          </p:cNvSpPr>
+          <p:nvPr>
+            <p:ph type="sldImg"/>
+          </p:nvPr>
+        </p:nvSpPr>
+        <p:spPr/>
+      </p:sp>
+      <p:sp>
+        <p:nvSpPr>
+          <p:cNvPr id="3" name="Notes Placeholder 2"/>
+          <p:cNvSpPr>
+            <a:spLocks noGrp="1"/>
+          </p:cNvSpPr>
+          <p:nvPr>
+            <p:ph type="body" idx="1"/>
+          </p:nvPr>
+        </p:nvSpPr>
+        <p:spPr/>
+        <p:txBody>
+          <a:bodyPr/>
+          <a:lstStyle/>
+          <a:p>
+            <a:pPr rtl="0">
+              <a:spcBef>
+                <a:spcPts val="0"/>
+              </a:spcBef>
+              <a:spcAft>
+                <a:spcPts val="800"/>
+              </a:spcAft>
+            </a:pPr>
+            <a:r>
+              <a:rPr lang="en-US" sz="1400" b="1" i="0" u="none" strike="noStrike" dirty="0">
+                <a:solidFill>
+                  <a:srgbClr val="000000"/>
+                </a:solidFill>
+                <a:effectLst/>
+                <a:latin typeface="Calibri" panose="020F0502020204030204" pitchFamily="34" charset="0"/>
+              </a:rPr>
+              <a:t>In order to reduce the good loan’s influence in the set, we have to reduce its weight. </a:t>
+            </a:r>
+            <a:endParaRPr lang="en-US" sz="1400" b="0" dirty="0">
+              <a:effectLst/>
+            </a:endParaRPr>
+          </a:p>
+          <a:p>
+            <a:pPr rtl="0">
+              <a:spcBef>
+                <a:spcPts val="0"/>
+              </a:spcBef>
+              <a:spcAft>
+                <a:spcPts val="800"/>
+              </a:spcAft>
+            </a:pPr>
+            <a:r>
+              <a:rPr lang="en-US" sz="1400" b="1" i="0" u="none" strike="noStrike" dirty="0" err="1">
+                <a:solidFill>
+                  <a:srgbClr val="000000"/>
+                </a:solidFill>
+                <a:effectLst/>
+                <a:latin typeface="Calibri" panose="020F0502020204030204" pitchFamily="34" charset="0"/>
+              </a:rPr>
+              <a:t>XGBoost</a:t>
+            </a:r>
+            <a:r>
+              <a:rPr lang="en-US" sz="1400" b="1" i="0" u="none" strike="noStrike" dirty="0">
+                <a:solidFill>
+                  <a:srgbClr val="000000"/>
+                </a:solidFill>
+                <a:effectLst/>
+                <a:latin typeface="Calibri" panose="020F0502020204030204" pitchFamily="34" charset="0"/>
+              </a:rPr>
+              <a:t> has a</a:t>
+            </a:r>
+            <a:r>
+              <a:rPr lang="en-US" sz="1400" b="0" i="0" u="none" strike="noStrike" dirty="0">
+                <a:solidFill>
+                  <a:srgbClr val="000000"/>
+                </a:solidFill>
+                <a:effectLst/>
+                <a:latin typeface="Calibri" panose="020F0502020204030204" pitchFamily="34" charset="0"/>
+              </a:rPr>
+              <a:t>  parameter called </a:t>
+            </a:r>
+            <a:r>
+              <a:rPr lang="en-US" sz="1400" b="0" i="0" u="none" strike="noStrike" dirty="0" err="1">
+                <a:solidFill>
+                  <a:srgbClr val="000000"/>
+                </a:solidFill>
+                <a:effectLst/>
+                <a:latin typeface="Calibri" panose="020F0502020204030204" pitchFamily="34" charset="0"/>
+              </a:rPr>
+              <a:t>scale_pos_weight</a:t>
+            </a:r>
+            <a:r>
+              <a:rPr lang="en-US" sz="1400" b="0" i="0" u="none" strike="noStrike" dirty="0">
+                <a:solidFill>
+                  <a:srgbClr val="000000"/>
+                </a:solidFill>
+                <a:effectLst/>
+                <a:latin typeface="Calibri" panose="020F0502020204030204" pitchFamily="34" charset="0"/>
+              </a:rPr>
+              <a:t> which lets you provide a weight for an entire class of examples. In this case, the good loans.</a:t>
+            </a:r>
+            <a:endParaRPr lang="en-US" sz="1400" b="0" dirty="0">
+              <a:effectLst/>
+            </a:endParaRPr>
+          </a:p>
+          <a:p>
+            <a:pPr rtl="0">
+              <a:spcBef>
+                <a:spcPts val="0"/>
+              </a:spcBef>
+              <a:spcAft>
+                <a:spcPts val="800"/>
+              </a:spcAft>
+            </a:pPr>
+            <a:r>
+              <a:rPr lang="en-US" sz="1400" b="0" i="0" u="none" strike="noStrike" dirty="0">
+                <a:solidFill>
+                  <a:srgbClr val="000000"/>
+                </a:solidFill>
+                <a:effectLst/>
+                <a:latin typeface="Calibri" panose="020F0502020204030204" pitchFamily="34" charset="0"/>
+              </a:rPr>
+              <a:t>First, we take a baseline by calculating the ratio of bad loans over good loans. That gives us a starting point to set the parameter at .25</a:t>
+            </a:r>
+            <a:endParaRPr lang="en-US" sz="1400" b="0" dirty="0">
+              <a:effectLst/>
+            </a:endParaRPr>
+          </a:p>
+          <a:p>
+            <a:pPr rtl="0">
+              <a:spcBef>
+                <a:spcPts val="1200"/>
+              </a:spcBef>
+              <a:spcAft>
+                <a:spcPts val="1200"/>
+              </a:spcAft>
+            </a:pPr>
+            <a:r>
+              <a:rPr lang="en-US" sz="1400" b="0" i="0" u="none" strike="noStrike" dirty="0">
+                <a:solidFill>
+                  <a:srgbClr val="000000"/>
+                </a:solidFill>
+                <a:effectLst/>
+                <a:latin typeface="Calibri" panose="020F0502020204030204" pitchFamily="34" charset="0"/>
+              </a:rPr>
+              <a:t>We adjusted the ratio manually until a satisfactory result was achieved. After some experimentation we  settled on .29.</a:t>
+            </a:r>
+            <a:endParaRPr lang="en-US" sz="1400" b="0" dirty="0">
+              <a:effectLst/>
+            </a:endParaRPr>
+          </a:p>
+          <a:p>
+            <a:pPr rtl="0">
+              <a:spcBef>
+                <a:spcPts val="1200"/>
+              </a:spcBef>
+              <a:spcAft>
+                <a:spcPts val="1200"/>
+              </a:spcAft>
+            </a:pPr>
+            <a:r>
+              <a:rPr lang="en-US" sz="1400" b="0" i="0" u="none" strike="noStrike" dirty="0">
+                <a:solidFill>
+                  <a:srgbClr val="000000"/>
+                </a:solidFill>
+                <a:effectLst/>
+                <a:latin typeface="Calibri" panose="020F0502020204030204" pitchFamily="34" charset="0"/>
+              </a:rPr>
+              <a:t>The rest of the code fits the data, assigns the predictions to </a:t>
+            </a:r>
+            <a:r>
+              <a:rPr lang="en-US" sz="1400" b="0" i="0" u="none" strike="noStrike" dirty="0" err="1">
+                <a:solidFill>
+                  <a:srgbClr val="000000"/>
+                </a:solidFill>
+                <a:effectLst/>
+                <a:latin typeface="Calibri" panose="020F0502020204030204" pitchFamily="34" charset="0"/>
+              </a:rPr>
+              <a:t>y_pred</a:t>
+            </a:r>
+            <a:r>
+              <a:rPr lang="en-US" sz="1400" b="0" i="0" u="none" strike="noStrike" dirty="0">
+                <a:solidFill>
+                  <a:srgbClr val="000000"/>
+                </a:solidFill>
+                <a:effectLst/>
+                <a:latin typeface="Calibri" panose="020F0502020204030204" pitchFamily="34" charset="0"/>
+              </a:rPr>
+              <a:t> and calculates the mean squared error. Cell 204 is where we calculate and  store the </a:t>
+            </a:r>
+            <a:r>
+              <a:rPr lang="en-US" sz="1400" b="0" i="0" u="none" strike="noStrike" dirty="0" err="1">
+                <a:solidFill>
+                  <a:srgbClr val="000000"/>
+                </a:solidFill>
+                <a:effectLst/>
+                <a:latin typeface="Calibri" panose="020F0502020204030204" pitchFamily="34" charset="0"/>
+              </a:rPr>
+              <a:t>confustion_matrix</a:t>
+            </a:r>
+            <a:r>
+              <a:rPr lang="en-US" sz="1400" b="0" i="0" u="none" strike="noStrike" dirty="0">
+                <a:solidFill>
+                  <a:srgbClr val="000000"/>
+                </a:solidFill>
+                <a:effectLst/>
+                <a:latin typeface="Calibri" panose="020F0502020204030204" pitchFamily="34" charset="0"/>
+              </a:rPr>
+              <a:t> results</a:t>
+            </a:r>
+            <a:r>
+              <a:rPr lang="en-US" sz="1800" b="0" i="0" u="none" strike="noStrike" dirty="0">
+                <a:solidFill>
+                  <a:srgbClr val="000000"/>
+                </a:solidFill>
+                <a:effectLst/>
+                <a:latin typeface="Calibri" panose="020F0502020204030204" pitchFamily="34" charset="0"/>
+              </a:rPr>
+              <a:t>. </a:t>
+            </a:r>
+            <a:endParaRPr lang="en-US" b="0" dirty="0">
+              <a:effectLst/>
+            </a:endParaRPr>
+          </a:p>
+          <a:p>
+            <a:br>
+              <a:rPr lang="en-US" dirty="0"/>
+            </a:br>
+            <a:endParaRPr lang="en-US" dirty="0"/>
+          </a:p>
+        </p:txBody>
+      </p:sp>
+      <p:sp>
+        <p:nvSpPr>
+          <p:cNvPr id="4" name="Slide Number Placeholder 3"/>
+          <p:cNvSpPr>
+            <a:spLocks noGrp="1"/>
+          </p:cNvSpPr>
+          <p:nvPr>
+            <p:ph type="sldNum" sz="quarter" idx="5"/>
+          </p:nvPr>
+        </p:nvSpPr>
+        <p:spPr/>
+        <p:txBody>
+          <a:bodyPr/>
+          <a:lstStyle/>
+          <a:p>
+            <a:fld id="{6BE2BF14-FE87-4A34-8ED9-2CD9352E6A79}" type="slidenum">
+              <a:rPr lang="en-US" smtClean="0"/>
+              <a:t>11</a:t>
+            </a:fld>
+            <a:endParaRPr lang="en-US"/>
+          </a:p>
+        </p:txBody>
+      </p:sp>
+    </p:spTree>
+    <p:extLst>
+      <p:ext uri="{BB962C8B-B14F-4D97-AF65-F5344CB8AC3E}">
+        <p14:creationId xmlns:p14="http://schemas.microsoft.com/office/powerpoint/2010/main" val="1863153834"/>
+      </p:ext>
+    </p:extLst>
+  </p:cSld>
+  <p:clrMapOvr>
+    <a:masterClrMapping/>
+  </p:clrMapOvr>
+</p:notes>
+</file>
+
+<file path=ppt/notesSlides/notesSlide12.xml><?xml version="1.0" encoding="utf-8"?>
+<p:notes xmlns:a="http://schemas.openxmlformats.org/drawingml/2006/main" xmlns:r="http://schemas.openxmlformats.org/officeDocument/2006/relationships" xmlns:p="http://schemas.openxmlformats.org/presentationml/2006/main">
+  <p:cSld>
+    <p:spTree>
+      <p:nvGrpSpPr>
+        <p:cNvPr id="1" name=""/>
+        <p:cNvGrpSpPr/>
+        <p:nvPr/>
+      </p:nvGrpSpPr>
+      <p:grpSpPr>
+        <a:xfrm>
+          <a:off x="0" y="0"/>
+          <a:ext cx="0" cy="0"/>
+          <a:chOff x="0" y="0"/>
+          <a:chExt cx="0" cy="0"/>
+        </a:xfrm>
+      </p:grpSpPr>
+      <p:sp>
+        <p:nvSpPr>
+          <p:cNvPr id="2" name="Slide Image Placeholder 1"/>
+          <p:cNvSpPr>
+            <a:spLocks noGrp="1" noRot="1" noChangeAspect="1"/>
+          </p:cNvSpPr>
+          <p:nvPr>
+            <p:ph type="sldImg"/>
+          </p:nvPr>
+        </p:nvSpPr>
+        <p:spPr/>
+      </p:sp>
+      <p:sp>
+        <p:nvSpPr>
+          <p:cNvPr id="3" name="Notes Placeholder 2"/>
+          <p:cNvSpPr>
+            <a:spLocks noGrp="1"/>
+          </p:cNvSpPr>
+          <p:nvPr>
+            <p:ph type="body" idx="1"/>
+          </p:nvPr>
+        </p:nvSpPr>
+        <p:spPr/>
+        <p:txBody>
+          <a:bodyPr/>
+          <a:lstStyle/>
+          <a:p>
+            <a:r>
+              <a:rPr lang="en-US" sz="1800" b="0" i="0" u="none" strike="noStrike" dirty="0">
+                <a:solidFill>
+                  <a:srgbClr val="000000"/>
+                </a:solidFill>
+                <a:effectLst/>
+                <a:latin typeface="Calibri" panose="020F0502020204030204" pitchFamily="34" charset="0"/>
+              </a:rPr>
+              <a:t>In this section we call  two functions: one plots the confusion matrix results  and the other calculates a series of additional metrics to help interpret those results.  We will go into detail on these results in a moment.</a:t>
+            </a:r>
+            <a:endParaRPr lang="en-US" dirty="0"/>
+          </a:p>
+        </p:txBody>
+      </p:sp>
+      <p:sp>
+        <p:nvSpPr>
+          <p:cNvPr id="4" name="Slide Number Placeholder 3"/>
+          <p:cNvSpPr>
+            <a:spLocks noGrp="1"/>
+          </p:cNvSpPr>
+          <p:nvPr>
+            <p:ph type="sldNum" sz="quarter" idx="5"/>
+          </p:nvPr>
+        </p:nvSpPr>
+        <p:spPr/>
+        <p:txBody>
+          <a:bodyPr/>
+          <a:lstStyle/>
+          <a:p>
+            <a:fld id="{6BE2BF14-FE87-4A34-8ED9-2CD9352E6A79}" type="slidenum">
+              <a:rPr lang="en-US" smtClean="0"/>
+              <a:t>12</a:t>
+            </a:fld>
+            <a:endParaRPr lang="en-US"/>
+          </a:p>
+        </p:txBody>
+      </p:sp>
+    </p:spTree>
+    <p:extLst>
+      <p:ext uri="{BB962C8B-B14F-4D97-AF65-F5344CB8AC3E}">
+        <p14:creationId xmlns:p14="http://schemas.microsoft.com/office/powerpoint/2010/main" val="3718922177"/>
+      </p:ext>
+    </p:extLst>
+  </p:cSld>
+  <p:clrMapOvr>
+    <a:masterClrMapping/>
+  </p:clrMapOvr>
+</p:notes>
+</file>
+
+<file path=ppt/notesSlides/notesSlide13.xml><?xml version="1.0" encoding="utf-8"?>
+<p:notes xmlns:a="http://schemas.openxmlformats.org/drawingml/2006/main" xmlns:r="http://schemas.openxmlformats.org/officeDocument/2006/relationships" xmlns:p="http://schemas.openxmlformats.org/presentationml/2006/main">
+  <p:cSld>
+    <p:spTree>
+      <p:nvGrpSpPr>
+        <p:cNvPr id="1" name=""/>
+        <p:cNvGrpSpPr/>
+        <p:nvPr/>
+      </p:nvGrpSpPr>
+      <p:grpSpPr>
+        <a:xfrm>
+          <a:off x="0" y="0"/>
+          <a:ext cx="0" cy="0"/>
+          <a:chOff x="0" y="0"/>
+          <a:chExt cx="0" cy="0"/>
+        </a:xfrm>
+      </p:grpSpPr>
+      <p:sp>
+        <p:nvSpPr>
+          <p:cNvPr id="2" name="Slide Image Placeholder 1"/>
+          <p:cNvSpPr>
+            <a:spLocks noGrp="1" noRot="1" noChangeAspect="1"/>
+          </p:cNvSpPr>
+          <p:nvPr>
+            <p:ph type="sldImg"/>
+          </p:nvPr>
+        </p:nvSpPr>
+        <p:spPr/>
+      </p:sp>
+      <p:sp>
+        <p:nvSpPr>
+          <p:cNvPr id="3" name="Notes Placeholder 2"/>
+          <p:cNvSpPr>
+            <a:spLocks noGrp="1"/>
+          </p:cNvSpPr>
+          <p:nvPr>
+            <p:ph type="body" idx="1"/>
+          </p:nvPr>
+        </p:nvSpPr>
+        <p:spPr/>
+        <p:txBody>
+          <a:bodyPr/>
+          <a:lstStyle/>
+          <a:p>
+            <a:r>
+              <a:rPr lang="en-US" sz="1800" b="0" i="0" u="none" strike="noStrike" dirty="0">
+                <a:solidFill>
+                  <a:srgbClr val="1D1C1D"/>
+                </a:solidFill>
+                <a:effectLst/>
+                <a:latin typeface="Arial" panose="020B0604020202020204" pitchFamily="34" charset="0"/>
+              </a:rPr>
+              <a:t>In addition, we utilized a stratified K-fold cross validation procedure to improve predictive capabilities of our model. Cross-validation helps to achieve better testing accuracy by preventing  the overfitting of the training data. Stratified K-fold refers to a process where the data is split into </a:t>
+            </a:r>
+            <a:r>
+              <a:rPr lang="en-US" sz="1800" b="0" i="0" u="none" strike="noStrike">
+                <a:solidFill>
+                  <a:srgbClr val="1D1C1D"/>
+                </a:solidFill>
+                <a:effectLst/>
+                <a:latin typeface="Arial" panose="020B0604020202020204" pitchFamily="34" charset="0"/>
+              </a:rPr>
+              <a:t>a number of </a:t>
+            </a:r>
+            <a:r>
+              <a:rPr lang="en-US" sz="1800" b="0" i="0" u="none" strike="noStrike" dirty="0">
+                <a:solidFill>
+                  <a:srgbClr val="1D1C1D"/>
+                </a:solidFill>
+                <a:effectLst/>
+                <a:latin typeface="Arial" panose="020B0604020202020204" pitchFamily="34" charset="0"/>
+              </a:rPr>
+              <a:t>"class balanced" (k) "folds" each containing a training and a test set. The model is then trained and its accuracy is evaluated against the test set within each fold. The results allows one to evaluate the ability of the model to predict unseen data and  to measure the amount of testing error in each iteration produced by the model</a:t>
+            </a:r>
+            <a:endParaRPr lang="en-US" dirty="0"/>
+          </a:p>
+        </p:txBody>
+      </p:sp>
+      <p:sp>
+        <p:nvSpPr>
+          <p:cNvPr id="4" name="Slide Number Placeholder 3"/>
+          <p:cNvSpPr>
+            <a:spLocks noGrp="1"/>
+          </p:cNvSpPr>
+          <p:nvPr>
+            <p:ph type="sldNum" sz="quarter" idx="5"/>
+          </p:nvPr>
+        </p:nvSpPr>
+        <p:spPr/>
+        <p:txBody>
+          <a:bodyPr/>
+          <a:lstStyle/>
+          <a:p>
+            <a:fld id="{6BE2BF14-FE87-4A34-8ED9-2CD9352E6A79}" type="slidenum">
+              <a:rPr lang="en-US" smtClean="0"/>
+              <a:t>13</a:t>
+            </a:fld>
+            <a:endParaRPr lang="en-US"/>
+          </a:p>
+        </p:txBody>
+      </p:sp>
+    </p:spTree>
+    <p:extLst>
+      <p:ext uri="{BB962C8B-B14F-4D97-AF65-F5344CB8AC3E}">
+        <p14:creationId xmlns:p14="http://schemas.microsoft.com/office/powerpoint/2010/main" val="350123430"/>
+      </p:ext>
+    </p:extLst>
+  </p:cSld>
+  <p:clrMapOvr>
+    <a:masterClrMapping/>
+  </p:clrMapOvr>
+</p:notes>
+</file>
+
+<file path=ppt/notesSlides/notesSlide14.xml><?xml version="1.0" encoding="utf-8"?>
+<p:notes xmlns:a="http://schemas.openxmlformats.org/drawingml/2006/main" xmlns:r="http://schemas.openxmlformats.org/officeDocument/2006/relationships" xmlns:p="http://schemas.openxmlformats.org/presentationml/2006/main">
+  <p:cSld>
+    <p:spTree>
+      <p:nvGrpSpPr>
+        <p:cNvPr id="1" name=""/>
+        <p:cNvGrpSpPr/>
+        <p:nvPr/>
+      </p:nvGrpSpPr>
+      <p:grpSpPr>
+        <a:xfrm>
+          <a:off x="0" y="0"/>
+          <a:ext cx="0" cy="0"/>
+          <a:chOff x="0" y="0"/>
+          <a:chExt cx="0" cy="0"/>
+        </a:xfrm>
+      </p:grpSpPr>
+      <p:sp>
+        <p:nvSpPr>
+          <p:cNvPr id="2" name="Slide Image Placeholder 1"/>
+          <p:cNvSpPr>
+            <a:spLocks noGrp="1" noRot="1" noChangeAspect="1"/>
+          </p:cNvSpPr>
+          <p:nvPr>
+            <p:ph type="sldImg"/>
+          </p:nvPr>
+        </p:nvSpPr>
+        <p:spPr/>
+      </p:sp>
+      <p:sp>
+        <p:nvSpPr>
+          <p:cNvPr id="3" name="Notes Placeholder 2"/>
+          <p:cNvSpPr>
+            <a:spLocks noGrp="1"/>
+          </p:cNvSpPr>
+          <p:nvPr>
+            <p:ph type="body" idx="1"/>
+          </p:nvPr>
+        </p:nvSpPr>
+        <p:spPr/>
+        <p:txBody>
+          <a:bodyPr/>
+          <a:lstStyle/>
+          <a:p>
+            <a:pPr rtl="0">
+              <a:spcBef>
+                <a:spcPts val="1200"/>
+              </a:spcBef>
+              <a:spcAft>
+                <a:spcPts val="1200"/>
+              </a:spcAft>
+            </a:pPr>
+            <a:r>
+              <a:rPr lang="en-US" sz="1600" b="0" i="0" u="none" strike="noStrike" dirty="0">
+                <a:solidFill>
+                  <a:srgbClr val="000000"/>
+                </a:solidFill>
+                <a:effectLst/>
+                <a:latin typeface="Calibri" panose="020F0502020204030204" pitchFamily="34" charset="0"/>
+              </a:rPr>
+              <a:t>Here we can see it implemented. </a:t>
+            </a:r>
+            <a:r>
+              <a:rPr lang="en-US" sz="1600" b="0" i="0" u="none" strike="noStrike" dirty="0" err="1">
+                <a:solidFill>
+                  <a:srgbClr val="000000"/>
+                </a:solidFill>
+                <a:effectLst/>
+                <a:latin typeface="Calibri" panose="020F0502020204030204" pitchFamily="34" charset="0"/>
+              </a:rPr>
+              <a:t>n_splits</a:t>
+            </a:r>
+            <a:r>
+              <a:rPr lang="en-US" sz="1600" b="0" i="0" u="none" strike="noStrike" dirty="0">
+                <a:solidFill>
+                  <a:srgbClr val="000000"/>
+                </a:solidFill>
+                <a:effectLst/>
+                <a:latin typeface="Calibri" panose="020F0502020204030204" pitchFamily="34" charset="0"/>
+              </a:rPr>
+              <a:t> is set to the number of iterations or experiments to run. Instead of using the </a:t>
+            </a:r>
+            <a:r>
+              <a:rPr lang="en-US" sz="1600" b="0" i="0" u="none" strike="noStrike" dirty="0" err="1">
+                <a:solidFill>
+                  <a:srgbClr val="000000"/>
+                </a:solidFill>
+                <a:effectLst/>
+                <a:latin typeface="Calibri" panose="020F0502020204030204" pitchFamily="34" charset="0"/>
+              </a:rPr>
+              <a:t>train_test</a:t>
+            </a:r>
+            <a:r>
+              <a:rPr lang="en-US" sz="1600" b="0" i="0" u="none" strike="noStrike" dirty="0">
+                <a:solidFill>
+                  <a:srgbClr val="000000"/>
+                </a:solidFill>
+                <a:effectLst/>
+                <a:latin typeface="Calibri" panose="020F0502020204030204" pitchFamily="34" charset="0"/>
+              </a:rPr>
+              <a:t>_ </a:t>
+            </a:r>
+            <a:r>
+              <a:rPr lang="en-US" sz="1600" b="0" i="0" u="none" strike="noStrike" dirty="0" err="1">
+                <a:solidFill>
+                  <a:srgbClr val="000000"/>
+                </a:solidFill>
+                <a:effectLst/>
+                <a:latin typeface="Calibri" panose="020F0502020204030204" pitchFamily="34" charset="0"/>
+              </a:rPr>
+              <a:t>split_method</a:t>
+            </a:r>
+            <a:r>
+              <a:rPr lang="en-US" sz="1600" b="0" i="0" u="none" strike="noStrike" dirty="0">
+                <a:solidFill>
+                  <a:srgbClr val="000000"/>
+                </a:solidFill>
+                <a:effectLst/>
+                <a:latin typeface="Calibri" panose="020F0502020204030204" pitchFamily="34" charset="0"/>
+              </a:rPr>
+              <a:t> to split the data, we call the </a:t>
+            </a:r>
+            <a:r>
+              <a:rPr lang="en-US" sz="1600" b="1" i="0" u="none" strike="noStrike" dirty="0" err="1">
+                <a:solidFill>
+                  <a:srgbClr val="000000"/>
+                </a:solidFill>
+                <a:effectLst/>
+                <a:latin typeface="Calibri" panose="020F0502020204030204" pitchFamily="34" charset="0"/>
+              </a:rPr>
+              <a:t>stratifiedkfold</a:t>
+            </a:r>
+            <a:r>
+              <a:rPr lang="en-US" sz="1600" b="1" i="0" u="none" strike="noStrike" dirty="0">
+                <a:solidFill>
+                  <a:srgbClr val="000000"/>
+                </a:solidFill>
+                <a:effectLst/>
+                <a:latin typeface="Calibri" panose="020F0502020204030204" pitchFamily="34" charset="0"/>
+              </a:rPr>
+              <a:t> split</a:t>
+            </a:r>
+            <a:r>
+              <a:rPr lang="en-US" sz="1600" b="0" i="0" u="none" strike="noStrike" dirty="0">
+                <a:solidFill>
+                  <a:srgbClr val="000000"/>
+                </a:solidFill>
+                <a:effectLst/>
+                <a:latin typeface="Calibri" panose="020F0502020204030204" pitchFamily="34" charset="0"/>
+              </a:rPr>
+              <a:t> method which will go and actively pick out an equal amount of good and bad loans in each iteration. This is a  good choice for imbalanced datasets, like ours, and is used in tandem with other data balancing techniques. </a:t>
+            </a:r>
+            <a:endParaRPr lang="en-US" sz="1600" b="0" dirty="0">
+              <a:effectLst/>
+            </a:endParaRPr>
+          </a:p>
+          <a:p>
+            <a:pPr rtl="0">
+              <a:spcBef>
+                <a:spcPts val="1200"/>
+              </a:spcBef>
+              <a:spcAft>
+                <a:spcPts val="1200"/>
+              </a:spcAft>
+            </a:pPr>
+            <a:r>
+              <a:rPr lang="en-US" sz="1600" b="0" i="0" u="none" strike="noStrike" dirty="0">
+                <a:solidFill>
+                  <a:srgbClr val="000000"/>
+                </a:solidFill>
+                <a:effectLst/>
+                <a:latin typeface="Calibri" panose="020F0502020204030204" pitchFamily="34" charset="0"/>
+              </a:rPr>
+              <a:t>Toward the bottom, we can see each Training session and we print the accuracy results of each run. They are the numbers highlighted.  Now, Art will discuss our results and the related confusion matrix.</a:t>
+            </a:r>
+            <a:endParaRPr lang="en-US" sz="1600" b="0" dirty="0">
+              <a:effectLst/>
+            </a:endParaRPr>
+          </a:p>
+          <a:p>
+            <a:br>
+              <a:rPr lang="en-US" dirty="0"/>
+            </a:br>
+            <a:endParaRPr lang="en-US" dirty="0"/>
+          </a:p>
+        </p:txBody>
+      </p:sp>
+      <p:sp>
+        <p:nvSpPr>
+          <p:cNvPr id="4" name="Slide Number Placeholder 3"/>
+          <p:cNvSpPr>
+            <a:spLocks noGrp="1"/>
+          </p:cNvSpPr>
+          <p:nvPr>
+            <p:ph type="sldNum" sz="quarter" idx="5"/>
+          </p:nvPr>
+        </p:nvSpPr>
+        <p:spPr/>
+        <p:txBody>
+          <a:bodyPr/>
+          <a:lstStyle/>
+          <a:p>
+            <a:fld id="{6BE2BF14-FE87-4A34-8ED9-2CD9352E6A79}" type="slidenum">
+              <a:rPr lang="en-US" smtClean="0"/>
+              <a:t>14</a:t>
+            </a:fld>
+            <a:endParaRPr lang="en-US"/>
+          </a:p>
+        </p:txBody>
+      </p:sp>
+    </p:spTree>
+    <p:extLst>
+      <p:ext uri="{BB962C8B-B14F-4D97-AF65-F5344CB8AC3E}">
+        <p14:creationId xmlns:p14="http://schemas.microsoft.com/office/powerpoint/2010/main" val="602360243"/>
+      </p:ext>
+    </p:extLst>
+  </p:cSld>
+  <p:clrMapOvr>
+    <a:masterClrMapping/>
+  </p:clrMapOvr>
+</p:notes>
+</file>
+
+<file path=ppt/notesSlides/notesSlide15.xml><?xml version="1.0" encoding="utf-8"?>
+<p:notes xmlns:a="http://schemas.openxmlformats.org/drawingml/2006/main" xmlns:r="http://schemas.openxmlformats.org/officeDocument/2006/relationships" xmlns:p="http://schemas.openxmlformats.org/presentationml/2006/main">
+  <p:cSld>
+    <p:spTree>
+      <p:nvGrpSpPr>
+        <p:cNvPr id="1" name=""/>
+        <p:cNvGrpSpPr/>
+        <p:nvPr/>
+      </p:nvGrpSpPr>
+      <p:grpSpPr>
+        <a:xfrm>
+          <a:off x="0" y="0"/>
+          <a:ext cx="0" cy="0"/>
+          <a:chOff x="0" y="0"/>
+          <a:chExt cx="0" cy="0"/>
+        </a:xfrm>
+      </p:grpSpPr>
+      <p:sp>
+        <p:nvSpPr>
+          <p:cNvPr id="2" name="Slide Image Placeholder 1"/>
+          <p:cNvSpPr>
+            <a:spLocks noGrp="1" noRot="1" noChangeAspect="1"/>
+          </p:cNvSpPr>
+          <p:nvPr>
+            <p:ph type="sldImg"/>
+          </p:nvPr>
+        </p:nvSpPr>
+        <p:spPr/>
+      </p:sp>
+      <p:sp>
+        <p:nvSpPr>
+          <p:cNvPr id="3" name="Notes Placeholder 2"/>
+          <p:cNvSpPr>
+            <a:spLocks noGrp="1"/>
+          </p:cNvSpPr>
+          <p:nvPr>
+            <p:ph type="body" idx="1"/>
+          </p:nvPr>
+        </p:nvSpPr>
+        <p:spPr/>
+        <p:txBody>
+          <a:bodyPr/>
+          <a:lstStyle/>
+          <a:p>
+            <a:pPr rtl="0">
+              <a:spcBef>
+                <a:spcPts val="0"/>
+              </a:spcBef>
+              <a:spcAft>
+                <a:spcPts val="800"/>
+              </a:spcAft>
+            </a:pPr>
+            <a:r>
+              <a:rPr lang="en-US" sz="1800" b="0" i="0" u="none" strike="noStrike" dirty="0">
+                <a:solidFill>
+                  <a:srgbClr val="000000"/>
+                </a:solidFill>
+                <a:effectLst/>
+                <a:latin typeface="Calibri" panose="020F0502020204030204" pitchFamily="34" charset="0"/>
+              </a:rPr>
+              <a:t>A Confusion matrix is used to evaluate the accuracy of a classification. These results show the...</a:t>
+            </a:r>
+            <a:endParaRPr lang="en-US" b="0" dirty="0">
+              <a:effectLst/>
+            </a:endParaRPr>
+          </a:p>
+          <a:p>
+            <a:pPr rtl="0">
+              <a:spcBef>
+                <a:spcPts val="0"/>
+              </a:spcBef>
+              <a:spcAft>
+                <a:spcPts val="800"/>
+              </a:spcAft>
+            </a:pPr>
+            <a:r>
+              <a:rPr lang="en-US" sz="1800" b="1" i="0" u="none" strike="noStrike" dirty="0">
+                <a:solidFill>
+                  <a:srgbClr val="000000"/>
+                </a:solidFill>
+                <a:effectLst/>
+                <a:latin typeface="Calibri" panose="020F0502020204030204" pitchFamily="34" charset="0"/>
+              </a:rPr>
+              <a:t>False Positives</a:t>
+            </a:r>
+            <a:r>
+              <a:rPr lang="en-US" sz="1800" b="0" i="0" u="none" strike="noStrike" dirty="0">
+                <a:solidFill>
+                  <a:srgbClr val="000000"/>
+                </a:solidFill>
+                <a:effectLst/>
+                <a:latin typeface="Calibri" panose="020F0502020204030204" pitchFamily="34" charset="0"/>
+              </a:rPr>
+              <a:t> (Bad Loans predicated as Good), </a:t>
+            </a:r>
+            <a:r>
+              <a:rPr lang="en-US" sz="1800" b="1" i="0" u="none" strike="noStrike" dirty="0">
+                <a:solidFill>
+                  <a:srgbClr val="000000"/>
+                </a:solidFill>
+                <a:effectLst/>
+                <a:latin typeface="Calibri" panose="020F0502020204030204" pitchFamily="34" charset="0"/>
+              </a:rPr>
+              <a:t>False Negative</a:t>
+            </a:r>
+            <a:r>
+              <a:rPr lang="en-US" sz="1800" b="0" i="0" u="none" strike="noStrike" dirty="0">
+                <a:solidFill>
+                  <a:srgbClr val="000000"/>
+                </a:solidFill>
+                <a:effectLst/>
+                <a:latin typeface="Calibri" panose="020F0502020204030204" pitchFamily="34" charset="0"/>
+              </a:rPr>
+              <a:t>s (Good Loans predicted as Bad), </a:t>
+            </a:r>
+            <a:r>
+              <a:rPr lang="en-US" sz="1800" b="1" i="0" u="none" strike="noStrike" dirty="0">
+                <a:solidFill>
+                  <a:srgbClr val="000000"/>
+                </a:solidFill>
+                <a:effectLst/>
+                <a:latin typeface="Calibri" panose="020F0502020204030204" pitchFamily="34" charset="0"/>
+              </a:rPr>
+              <a:t>True Positive</a:t>
+            </a:r>
+            <a:r>
+              <a:rPr lang="en-US" sz="1800" b="0" i="0" u="none" strike="noStrike" dirty="0">
+                <a:solidFill>
+                  <a:srgbClr val="000000"/>
+                </a:solidFill>
+                <a:effectLst/>
+                <a:latin typeface="Calibri" panose="020F0502020204030204" pitchFamily="34" charset="0"/>
+              </a:rPr>
+              <a:t> (Good Loans predicated accurately) </a:t>
+            </a:r>
+            <a:endParaRPr lang="en-US" b="0" dirty="0">
+              <a:effectLst/>
+            </a:endParaRPr>
+          </a:p>
+          <a:p>
+            <a:pPr rtl="0">
+              <a:spcBef>
+                <a:spcPts val="0"/>
+              </a:spcBef>
+              <a:spcAft>
+                <a:spcPts val="800"/>
+              </a:spcAft>
+            </a:pPr>
+            <a:r>
+              <a:rPr lang="en-US" sz="1800" b="0" i="0" u="none" strike="noStrike" dirty="0">
+                <a:solidFill>
+                  <a:srgbClr val="000000"/>
+                </a:solidFill>
+                <a:effectLst/>
+                <a:latin typeface="Calibri" panose="020F0502020204030204" pitchFamily="34" charset="0"/>
+              </a:rPr>
+              <a:t>and </a:t>
+            </a:r>
+            <a:r>
+              <a:rPr lang="en-US" sz="1800" b="1" i="0" u="none" strike="noStrike" dirty="0">
+                <a:solidFill>
+                  <a:srgbClr val="000000"/>
+                </a:solidFill>
+                <a:effectLst/>
+                <a:latin typeface="Calibri" panose="020F0502020204030204" pitchFamily="34" charset="0"/>
+              </a:rPr>
+              <a:t>True Negative</a:t>
+            </a:r>
+            <a:r>
+              <a:rPr lang="en-US" sz="1800" b="0" i="0" u="none" strike="noStrike" dirty="0">
+                <a:solidFill>
+                  <a:srgbClr val="000000"/>
+                </a:solidFill>
+                <a:effectLst/>
+                <a:latin typeface="Calibri" panose="020F0502020204030204" pitchFamily="34" charset="0"/>
+              </a:rPr>
+              <a:t> where the model correctly detects and classifies a loan as bad. </a:t>
+            </a:r>
+            <a:endParaRPr lang="en-US" b="0" dirty="0">
+              <a:effectLst/>
+            </a:endParaRPr>
+          </a:p>
+          <a:p>
+            <a:r>
+              <a:rPr lang="en-US" sz="1800" b="0" i="0" u="none" strike="noStrike" dirty="0">
+                <a:solidFill>
+                  <a:srgbClr val="000000"/>
+                </a:solidFill>
+                <a:effectLst/>
+                <a:latin typeface="Calibri" panose="020F0502020204030204" pitchFamily="34" charset="0"/>
+              </a:rPr>
+              <a:t>Here is our most balanced result,  using </a:t>
+            </a:r>
+            <a:r>
+              <a:rPr lang="en-US" sz="1800" b="0" i="0" u="none" strike="noStrike" dirty="0" err="1">
+                <a:solidFill>
+                  <a:srgbClr val="000000"/>
+                </a:solidFill>
+                <a:effectLst/>
+                <a:latin typeface="Calibri" panose="020F0502020204030204" pitchFamily="34" charset="0"/>
+              </a:rPr>
+              <a:t>XGBoost</a:t>
+            </a:r>
+            <a:r>
+              <a:rPr lang="en-US" sz="1800" b="0" i="0" u="none" strike="noStrike" dirty="0">
+                <a:solidFill>
+                  <a:srgbClr val="000000"/>
+                </a:solidFill>
+                <a:effectLst/>
+                <a:latin typeface="Calibri" panose="020F0502020204030204" pitchFamily="34" charset="0"/>
+              </a:rPr>
+              <a:t> and </a:t>
+            </a:r>
+            <a:r>
+              <a:rPr lang="en-US" sz="1800" b="0" i="0" u="none" strike="noStrike" dirty="0" err="1">
+                <a:solidFill>
+                  <a:srgbClr val="000000"/>
+                </a:solidFill>
+                <a:effectLst/>
+                <a:latin typeface="Calibri" panose="020F0502020204030204" pitchFamily="34" charset="0"/>
+              </a:rPr>
+              <a:t>Kfold</a:t>
+            </a:r>
+            <a:r>
+              <a:rPr lang="en-US" sz="1800" b="0" i="0" u="none" strike="noStrike" dirty="0">
+                <a:solidFill>
+                  <a:srgbClr val="000000"/>
+                </a:solidFill>
+                <a:effectLst/>
+                <a:latin typeface="Calibri" panose="020F0502020204030204" pitchFamily="34" charset="0"/>
+              </a:rPr>
+              <a:t> </a:t>
+            </a:r>
+            <a:r>
+              <a:rPr lang="en-US" sz="1800" b="0" i="0" u="none" strike="noStrike" dirty="0" err="1">
+                <a:solidFill>
+                  <a:srgbClr val="000000"/>
+                </a:solidFill>
+                <a:effectLst/>
+                <a:latin typeface="Calibri" panose="020F0502020204030204" pitchFamily="34" charset="0"/>
+              </a:rPr>
+              <a:t>Stratifed</a:t>
+            </a:r>
+            <a:r>
+              <a:rPr lang="en-US" sz="1800" b="0" i="0" u="none" strike="noStrike" dirty="0">
+                <a:solidFill>
+                  <a:srgbClr val="000000"/>
+                </a:solidFill>
+                <a:effectLst/>
+                <a:latin typeface="Calibri" panose="020F0502020204030204" pitchFamily="34" charset="0"/>
+              </a:rPr>
+              <a:t> Cross Validation </a:t>
+            </a:r>
+            <a:r>
+              <a:rPr lang="en-US" sz="1800" b="0" i="1" u="none" strike="noStrike" dirty="0">
+                <a:solidFill>
+                  <a:srgbClr val="000000"/>
+                </a:solidFill>
+                <a:effectLst/>
+                <a:latin typeface="Calibri" panose="020F0502020204030204" pitchFamily="34" charset="0"/>
+              </a:rPr>
+              <a:t>(detail the numbers)</a:t>
+            </a:r>
+            <a:endParaRPr lang="en-US" dirty="0"/>
+          </a:p>
+        </p:txBody>
+      </p:sp>
+      <p:sp>
+        <p:nvSpPr>
+          <p:cNvPr id="4" name="Slide Number Placeholder 3"/>
+          <p:cNvSpPr>
+            <a:spLocks noGrp="1"/>
+          </p:cNvSpPr>
+          <p:nvPr>
+            <p:ph type="sldNum" sz="quarter" idx="5"/>
+          </p:nvPr>
+        </p:nvSpPr>
+        <p:spPr/>
+        <p:txBody>
+          <a:bodyPr/>
+          <a:lstStyle/>
+          <a:p>
+            <a:fld id="{6BE2BF14-FE87-4A34-8ED9-2CD9352E6A79}" type="slidenum">
+              <a:rPr lang="en-US" smtClean="0"/>
+              <a:t>16</a:t>
+            </a:fld>
+            <a:endParaRPr lang="en-US"/>
+          </a:p>
+        </p:txBody>
+      </p:sp>
+    </p:spTree>
+    <p:extLst>
+      <p:ext uri="{BB962C8B-B14F-4D97-AF65-F5344CB8AC3E}">
+        <p14:creationId xmlns:p14="http://schemas.microsoft.com/office/powerpoint/2010/main" val="1023296423"/>
+      </p:ext>
+    </p:extLst>
+  </p:cSld>
+  <p:clrMapOvr>
+    <a:masterClrMapping/>
+  </p:clrMapOvr>
+</p:notes>
+</file>
+
+<file path=ppt/notesSlides/notesSlide16.xml><?xml version="1.0" encoding="utf-8"?>
+<p:notes xmlns:a="http://schemas.openxmlformats.org/drawingml/2006/main" xmlns:r="http://schemas.openxmlformats.org/officeDocument/2006/relationships" xmlns:p="http://schemas.openxmlformats.org/presentationml/2006/main">
+  <p:cSld>
+    <p:spTree>
+      <p:nvGrpSpPr>
+        <p:cNvPr id="1" name=""/>
+        <p:cNvGrpSpPr/>
+        <p:nvPr/>
+      </p:nvGrpSpPr>
+      <p:grpSpPr>
+        <a:xfrm>
+          <a:off x="0" y="0"/>
+          <a:ext cx="0" cy="0"/>
+          <a:chOff x="0" y="0"/>
+          <a:chExt cx="0" cy="0"/>
+        </a:xfrm>
+      </p:grpSpPr>
+      <p:sp>
+        <p:nvSpPr>
+          <p:cNvPr id="2" name="Slide Image Placeholder 1"/>
+          <p:cNvSpPr>
+            <a:spLocks noGrp="1" noRot="1" noChangeAspect="1"/>
+          </p:cNvSpPr>
+          <p:nvPr>
+            <p:ph type="sldImg"/>
+          </p:nvPr>
+        </p:nvSpPr>
+        <p:spPr/>
+      </p:sp>
+      <p:sp>
+        <p:nvSpPr>
+          <p:cNvPr id="3" name="Notes Placeholder 2"/>
+          <p:cNvSpPr>
+            <a:spLocks noGrp="1"/>
+          </p:cNvSpPr>
+          <p:nvPr>
+            <p:ph type="body" idx="1"/>
+          </p:nvPr>
+        </p:nvSpPr>
+        <p:spPr/>
+        <p:txBody>
+          <a:bodyPr/>
+          <a:lstStyle/>
+          <a:p>
+            <a:pPr rtl="0">
+              <a:spcBef>
+                <a:spcPts val="0"/>
+              </a:spcBef>
+              <a:spcAft>
+                <a:spcPts val="800"/>
+              </a:spcAft>
+            </a:pPr>
+            <a:r>
+              <a:rPr lang="en-US" sz="1800" b="0" i="0" u="none" strike="noStrike" dirty="0">
+                <a:solidFill>
+                  <a:srgbClr val="000000"/>
+                </a:solidFill>
+                <a:effectLst/>
+                <a:latin typeface="Calibri" panose="020F0502020204030204" pitchFamily="34" charset="0"/>
+              </a:rPr>
+              <a:t>Here is the most conservative result. </a:t>
+            </a:r>
+            <a:endParaRPr lang="en-US" b="0" dirty="0">
+              <a:effectLst/>
+            </a:endParaRPr>
+          </a:p>
+          <a:p>
+            <a:pPr rtl="0">
+              <a:spcBef>
+                <a:spcPts val="0"/>
+              </a:spcBef>
+              <a:spcAft>
+                <a:spcPts val="800"/>
+              </a:spcAft>
+            </a:pPr>
+            <a:r>
+              <a:rPr lang="en-US" sz="1800" b="0" i="0" u="none" strike="noStrike" dirty="0">
+                <a:solidFill>
+                  <a:srgbClr val="000000"/>
+                </a:solidFill>
+                <a:effectLst/>
+                <a:latin typeface="Calibri" panose="020F0502020204030204" pitchFamily="34" charset="0"/>
+              </a:rPr>
+              <a:t>For a loan institution, having False Negatives would be preferable over False Positives. The reason being is that False Positive cost you money! You’re willing to allow a Few False Negatives.</a:t>
+            </a:r>
+            <a:endParaRPr lang="en-US" b="0" dirty="0">
+              <a:effectLst/>
+            </a:endParaRPr>
+          </a:p>
+          <a:p>
+            <a:br>
+              <a:rPr lang="en-US" dirty="0"/>
+            </a:br>
+            <a:endParaRPr lang="en-US" dirty="0"/>
+          </a:p>
+        </p:txBody>
+      </p:sp>
+      <p:sp>
+        <p:nvSpPr>
+          <p:cNvPr id="4" name="Slide Number Placeholder 3"/>
+          <p:cNvSpPr>
+            <a:spLocks noGrp="1"/>
+          </p:cNvSpPr>
+          <p:nvPr>
+            <p:ph type="sldNum" sz="quarter" idx="5"/>
+          </p:nvPr>
+        </p:nvSpPr>
+        <p:spPr/>
+        <p:txBody>
+          <a:bodyPr/>
+          <a:lstStyle/>
+          <a:p>
+            <a:fld id="{6BE2BF14-FE87-4A34-8ED9-2CD9352E6A79}" type="slidenum">
+              <a:rPr lang="en-US" smtClean="0"/>
+              <a:t>17</a:t>
+            </a:fld>
+            <a:endParaRPr lang="en-US"/>
+          </a:p>
+        </p:txBody>
+      </p:sp>
+    </p:spTree>
+    <p:extLst>
+      <p:ext uri="{BB962C8B-B14F-4D97-AF65-F5344CB8AC3E}">
+        <p14:creationId xmlns:p14="http://schemas.microsoft.com/office/powerpoint/2010/main" val="1805680510"/>
+      </p:ext>
+    </p:extLst>
+  </p:cSld>
+  <p:clrMapOvr>
+    <a:masterClrMapping/>
+  </p:clrMapOvr>
+</p:notes>
+</file>
+
+<file path=ppt/notesSlides/notesSlide17.xml><?xml version="1.0" encoding="utf-8"?>
+<p:notes xmlns:a="http://schemas.openxmlformats.org/drawingml/2006/main" xmlns:r="http://schemas.openxmlformats.org/officeDocument/2006/relationships" xmlns:p="http://schemas.openxmlformats.org/presentationml/2006/main">
+  <p:cSld>
+    <p:spTree>
+      <p:nvGrpSpPr>
+        <p:cNvPr id="1" name=""/>
+        <p:cNvGrpSpPr/>
+        <p:nvPr/>
+      </p:nvGrpSpPr>
+      <p:grpSpPr>
+        <a:xfrm>
+          <a:off x="0" y="0"/>
+          <a:ext cx="0" cy="0"/>
+          <a:chOff x="0" y="0"/>
+          <a:chExt cx="0" cy="0"/>
+        </a:xfrm>
+      </p:grpSpPr>
+      <p:sp>
+        <p:nvSpPr>
+          <p:cNvPr id="2" name="Slide Image Placeholder 1"/>
+          <p:cNvSpPr>
+            <a:spLocks noGrp="1" noRot="1" noChangeAspect="1"/>
+          </p:cNvSpPr>
+          <p:nvPr>
+            <p:ph type="sldImg"/>
+          </p:nvPr>
+        </p:nvSpPr>
+        <p:spPr/>
+      </p:sp>
+      <p:sp>
+        <p:nvSpPr>
+          <p:cNvPr id="3" name="Notes Placeholder 2"/>
+          <p:cNvSpPr>
+            <a:spLocks noGrp="1"/>
+          </p:cNvSpPr>
+          <p:nvPr>
+            <p:ph type="body" idx="1"/>
+          </p:nvPr>
+        </p:nvSpPr>
+        <p:spPr/>
+        <p:txBody>
+          <a:bodyPr/>
+          <a:lstStyle/>
+          <a:p>
+            <a:r>
+              <a:rPr lang="en-US" sz="1800" b="0" i="0" u="none" strike="noStrike" dirty="0" err="1">
+                <a:solidFill>
+                  <a:srgbClr val="000000"/>
+                </a:solidFill>
+                <a:effectLst/>
+                <a:latin typeface="Calibri" panose="020F0502020204030204" pitchFamily="34" charset="0"/>
+              </a:rPr>
+              <a:t>Kfold</a:t>
+            </a:r>
+            <a:r>
+              <a:rPr lang="en-US" sz="1800" b="0" i="0" u="none" strike="noStrike" dirty="0">
+                <a:solidFill>
+                  <a:srgbClr val="000000"/>
+                </a:solidFill>
+                <a:effectLst/>
+                <a:latin typeface="Calibri" panose="020F0502020204030204" pitchFamily="34" charset="0"/>
+              </a:rPr>
+              <a:t> vs </a:t>
+            </a:r>
+            <a:r>
+              <a:rPr lang="en-US" sz="1800" b="0" i="0" u="none" strike="noStrike" dirty="0" err="1">
+                <a:solidFill>
+                  <a:srgbClr val="000000"/>
+                </a:solidFill>
+                <a:effectLst/>
+                <a:latin typeface="Calibri" panose="020F0502020204030204" pitchFamily="34" charset="0"/>
+              </a:rPr>
+              <a:t>NoKfold</a:t>
+            </a:r>
+            <a:endParaRPr lang="en-US" dirty="0"/>
+          </a:p>
+        </p:txBody>
+      </p:sp>
+      <p:sp>
+        <p:nvSpPr>
+          <p:cNvPr id="4" name="Slide Number Placeholder 3"/>
+          <p:cNvSpPr>
+            <a:spLocks noGrp="1"/>
+          </p:cNvSpPr>
+          <p:nvPr>
+            <p:ph type="sldNum" sz="quarter" idx="5"/>
+          </p:nvPr>
+        </p:nvSpPr>
+        <p:spPr/>
+        <p:txBody>
+          <a:bodyPr/>
+          <a:lstStyle/>
+          <a:p>
+            <a:fld id="{6BE2BF14-FE87-4A34-8ED9-2CD9352E6A79}" type="slidenum">
+              <a:rPr lang="en-US" smtClean="0"/>
+              <a:t>18</a:t>
+            </a:fld>
+            <a:endParaRPr lang="en-US"/>
+          </a:p>
+        </p:txBody>
+      </p:sp>
+    </p:spTree>
+    <p:extLst>
+      <p:ext uri="{BB962C8B-B14F-4D97-AF65-F5344CB8AC3E}">
+        <p14:creationId xmlns:p14="http://schemas.microsoft.com/office/powerpoint/2010/main" val="4106495377"/>
+      </p:ext>
+    </p:extLst>
+  </p:cSld>
+  <p:clrMapOvr>
+    <a:masterClrMapping/>
+  </p:clrMapOvr>
+</p:notes>
+</file>
+
+<file path=ppt/notesSlides/notesSlide18.xml><?xml version="1.0" encoding="utf-8"?>
+<p:notes xmlns:a="http://schemas.openxmlformats.org/drawingml/2006/main" xmlns:r="http://schemas.openxmlformats.org/officeDocument/2006/relationships" xmlns:p="http://schemas.openxmlformats.org/presentationml/2006/main">
+  <p:cSld>
+    <p:spTree>
+      <p:nvGrpSpPr>
+        <p:cNvPr id="1" name=""/>
+        <p:cNvGrpSpPr/>
+        <p:nvPr/>
+      </p:nvGrpSpPr>
+      <p:grpSpPr>
+        <a:xfrm>
+          <a:off x="0" y="0"/>
+          <a:ext cx="0" cy="0"/>
+          <a:chOff x="0" y="0"/>
+          <a:chExt cx="0" cy="0"/>
+        </a:xfrm>
+      </p:grpSpPr>
+      <p:sp>
+        <p:nvSpPr>
+          <p:cNvPr id="2" name="Slide Image Placeholder 1"/>
+          <p:cNvSpPr>
+            <a:spLocks noGrp="1" noRot="1" noChangeAspect="1"/>
+          </p:cNvSpPr>
+          <p:nvPr>
+            <p:ph type="sldImg"/>
+          </p:nvPr>
+        </p:nvSpPr>
+        <p:spPr/>
+      </p:sp>
+      <p:sp>
+        <p:nvSpPr>
+          <p:cNvPr id="3" name="Notes Placeholder 2"/>
+          <p:cNvSpPr>
+            <a:spLocks noGrp="1"/>
+          </p:cNvSpPr>
+          <p:nvPr>
+            <p:ph type="body" idx="1"/>
+          </p:nvPr>
+        </p:nvSpPr>
+        <p:spPr/>
+        <p:txBody>
+          <a:bodyPr/>
+          <a:lstStyle/>
+          <a:p>
+            <a:pPr rtl="0">
+              <a:spcBef>
+                <a:spcPts val="0"/>
+              </a:spcBef>
+              <a:spcAft>
+                <a:spcPts val="800"/>
+              </a:spcAft>
+            </a:pPr>
+            <a:r>
+              <a:rPr lang="en-US" sz="1800" b="0" i="0" u="none" strike="noStrike" dirty="0">
+                <a:solidFill>
+                  <a:srgbClr val="000000"/>
+                </a:solidFill>
+                <a:effectLst/>
+                <a:latin typeface="Calibri" panose="020F0502020204030204" pitchFamily="34" charset="0"/>
+              </a:rPr>
+              <a:t>In Conclusion, despite our efforts, the accuracy of the model is too low for a loan institution, even for one as unique as Peer 2 Peer loans which relies on good risk assessment. The imbalances in our initial training set may have affected the model’s ability to identify bad loans as indicated by the number of false positives and low specificity score. Balance mitigation and  Cross-validation did improve the results marginally but not enough.</a:t>
+            </a:r>
+            <a:endParaRPr lang="en-US" b="0" dirty="0">
+              <a:effectLst/>
+            </a:endParaRPr>
+          </a:p>
+          <a:p>
+            <a:pPr rtl="0">
+              <a:spcBef>
+                <a:spcPts val="0"/>
+              </a:spcBef>
+              <a:spcAft>
+                <a:spcPts val="800"/>
+              </a:spcAft>
+            </a:pPr>
+            <a:r>
+              <a:rPr lang="en-US" sz="1800" b="0" i="1" u="none" strike="noStrike" dirty="0">
+                <a:solidFill>
+                  <a:srgbClr val="000000"/>
+                </a:solidFill>
+                <a:effectLst/>
+                <a:latin typeface="Calibri" panose="020F0502020204030204" pitchFamily="34" charset="0"/>
+              </a:rPr>
+              <a:t>(discuss how we can improve our results?)</a:t>
+            </a:r>
+            <a:endParaRPr lang="en-US" b="0" dirty="0">
+              <a:effectLst/>
+            </a:endParaRPr>
+          </a:p>
+          <a:p>
+            <a:pPr rtl="0">
+              <a:spcBef>
+                <a:spcPts val="0"/>
+              </a:spcBef>
+              <a:spcAft>
+                <a:spcPts val="800"/>
+              </a:spcAft>
+            </a:pPr>
+            <a:r>
+              <a:rPr lang="en-US" sz="1800" b="0" i="0" u="none" strike="noStrike" dirty="0">
+                <a:solidFill>
+                  <a:srgbClr val="000000"/>
+                </a:solidFill>
+                <a:effectLst/>
+                <a:latin typeface="Calibri" panose="020F0502020204030204" pitchFamily="34" charset="0"/>
+              </a:rPr>
+              <a:t>Improvement such as enhanced feature engineering and model tweaking may further improve results.</a:t>
+            </a:r>
+            <a:endParaRPr lang="en-US" b="0" dirty="0">
+              <a:effectLst/>
+            </a:endParaRPr>
+          </a:p>
+          <a:p>
+            <a:br>
+              <a:rPr lang="en-US" dirty="0"/>
+            </a:br>
+            <a:endParaRPr lang="en-US" dirty="0"/>
+          </a:p>
+        </p:txBody>
+      </p:sp>
+      <p:sp>
+        <p:nvSpPr>
+          <p:cNvPr id="4" name="Slide Number Placeholder 3"/>
+          <p:cNvSpPr>
+            <a:spLocks noGrp="1"/>
+          </p:cNvSpPr>
+          <p:nvPr>
+            <p:ph type="sldNum" sz="quarter" idx="5"/>
+          </p:nvPr>
+        </p:nvSpPr>
+        <p:spPr/>
+        <p:txBody>
+          <a:bodyPr/>
+          <a:lstStyle/>
+          <a:p>
+            <a:fld id="{6BE2BF14-FE87-4A34-8ED9-2CD9352E6A79}" type="slidenum">
+              <a:rPr lang="en-US" smtClean="0"/>
+              <a:t>19</a:t>
+            </a:fld>
+            <a:endParaRPr lang="en-US"/>
+          </a:p>
+        </p:txBody>
+      </p:sp>
+    </p:spTree>
+    <p:extLst>
+      <p:ext uri="{BB962C8B-B14F-4D97-AF65-F5344CB8AC3E}">
+        <p14:creationId xmlns:p14="http://schemas.microsoft.com/office/powerpoint/2010/main" val="1860029748"/>
+      </p:ext>
+    </p:extLst>
+  </p:cSld>
+  <p:clrMapOvr>
+    <a:masterClrMapping/>
+  </p:clrMapOvr>
+</p:notes>
+</file>
+
+<file path=ppt/notesSlides/notesSlide19.xml><?xml version="1.0" encoding="utf-8"?>
+<p:notes xmlns:a="http://schemas.openxmlformats.org/drawingml/2006/main" xmlns:r="http://schemas.openxmlformats.org/officeDocument/2006/relationships" xmlns:p="http://schemas.openxmlformats.org/presentationml/2006/main">
+  <p:cSld>
+    <p:spTree>
+      <p:nvGrpSpPr>
+        <p:cNvPr id="1" name=""/>
+        <p:cNvGrpSpPr/>
+        <p:nvPr/>
+      </p:nvGrpSpPr>
+      <p:grpSpPr>
+        <a:xfrm>
+          <a:off x="0" y="0"/>
+          <a:ext cx="0" cy="0"/>
+          <a:chOff x="0" y="0"/>
+          <a:chExt cx="0" cy="0"/>
+        </a:xfrm>
+      </p:grpSpPr>
+      <p:sp>
+        <p:nvSpPr>
+          <p:cNvPr id="2" name="Slide Image Placeholder 1"/>
+          <p:cNvSpPr>
+            <a:spLocks noGrp="1" noRot="1" noChangeAspect="1"/>
+          </p:cNvSpPr>
+          <p:nvPr>
+            <p:ph type="sldImg"/>
+          </p:nvPr>
+        </p:nvSpPr>
+        <p:spPr/>
+      </p:sp>
+      <p:sp>
+        <p:nvSpPr>
+          <p:cNvPr id="3" name="Notes Placeholder 2"/>
+          <p:cNvSpPr>
+            <a:spLocks noGrp="1"/>
+          </p:cNvSpPr>
+          <p:nvPr>
+            <p:ph type="body" idx="1"/>
+          </p:nvPr>
+        </p:nvSpPr>
+        <p:spPr/>
+        <p:txBody>
+          <a:bodyPr/>
+          <a:lstStyle/>
+          <a:p>
+            <a:r>
+              <a:rPr lang="en-US" sz="1800" b="0" i="0" u="none" strike="noStrike" dirty="0">
+                <a:solidFill>
+                  <a:srgbClr val="000000"/>
+                </a:solidFill>
+                <a:effectLst/>
+                <a:latin typeface="Calibri" panose="020F0502020204030204" pitchFamily="34" charset="0"/>
+              </a:rPr>
+              <a:t>Our Second Question relates to whether we can predict future loan amounts issued? We will plot the data, analyze and use ARIMA to forecast.</a:t>
+            </a:r>
+            <a:endParaRPr lang="en-US" dirty="0"/>
+          </a:p>
+        </p:txBody>
+      </p:sp>
+      <p:sp>
+        <p:nvSpPr>
+          <p:cNvPr id="4" name="Slide Number Placeholder 3"/>
+          <p:cNvSpPr>
+            <a:spLocks noGrp="1"/>
+          </p:cNvSpPr>
+          <p:nvPr>
+            <p:ph type="sldNum" sz="quarter" idx="5"/>
+          </p:nvPr>
+        </p:nvSpPr>
+        <p:spPr/>
+        <p:txBody>
+          <a:bodyPr/>
+          <a:lstStyle/>
+          <a:p>
+            <a:fld id="{6BE2BF14-FE87-4A34-8ED9-2CD9352E6A79}" type="slidenum">
+              <a:rPr lang="en-US" smtClean="0"/>
+              <a:t>20</a:t>
+            </a:fld>
+            <a:endParaRPr lang="en-US"/>
+          </a:p>
+        </p:txBody>
+      </p:sp>
+    </p:spTree>
+    <p:extLst>
+      <p:ext uri="{BB962C8B-B14F-4D97-AF65-F5344CB8AC3E}">
+        <p14:creationId xmlns:p14="http://schemas.microsoft.com/office/powerpoint/2010/main" val="3200926703"/>
+      </p:ext>
+    </p:extLst>
+  </p:cSld>
+  <p:clrMapOvr>
+    <a:masterClrMapping/>
+  </p:clrMapOvr>
+</p:notes>
+</file>
+
+<file path=ppt/notesSlides/notesSlide2.xml><?xml version="1.0" encoding="utf-8"?>
+<p:notes xmlns:a="http://schemas.openxmlformats.org/drawingml/2006/main" xmlns:r="http://schemas.openxmlformats.org/officeDocument/2006/relationships" xmlns:p="http://schemas.openxmlformats.org/presentationml/2006/main">
+  <p:cSld>
+    <p:spTree>
+      <p:nvGrpSpPr>
+        <p:cNvPr id="1" name=""/>
+        <p:cNvGrpSpPr/>
+        <p:nvPr/>
+      </p:nvGrpSpPr>
+      <p:grpSpPr>
+        <a:xfrm>
+          <a:off x="0" y="0"/>
+          <a:ext cx="0" cy="0"/>
+          <a:chOff x="0" y="0"/>
+          <a:chExt cx="0" cy="0"/>
+        </a:xfrm>
+      </p:grpSpPr>
+      <p:sp>
+        <p:nvSpPr>
+          <p:cNvPr id="2" name="Slide Image Placeholder 1"/>
+          <p:cNvSpPr>
+            <a:spLocks noGrp="1" noRot="1" noChangeAspect="1"/>
+          </p:cNvSpPr>
+          <p:nvPr>
+            <p:ph type="sldImg"/>
+          </p:nvPr>
+        </p:nvSpPr>
+        <p:spPr/>
+      </p:sp>
+      <p:sp>
+        <p:nvSpPr>
+          <p:cNvPr id="3" name="Notes Placeholder 2"/>
+          <p:cNvSpPr>
+            <a:spLocks noGrp="1"/>
+          </p:cNvSpPr>
+          <p:nvPr>
+            <p:ph type="body" idx="1"/>
+          </p:nvPr>
+        </p:nvSpPr>
+        <p:spPr/>
+        <p:txBody>
+          <a:bodyPr/>
+          <a:lstStyle/>
+          <a:p>
+            <a:pPr rtl="0">
+              <a:spcBef>
+                <a:spcPts val="0"/>
+              </a:spcBef>
+              <a:spcAft>
+                <a:spcPts val="800"/>
+              </a:spcAft>
+            </a:pPr>
+            <a:r>
+              <a:rPr lang="en-US" sz="1800" b="0" i="0" u="none" strike="noStrike" dirty="0">
+                <a:solidFill>
+                  <a:srgbClr val="000000"/>
+                </a:solidFill>
+                <a:effectLst/>
+                <a:latin typeface="Calibri" panose="020F0502020204030204" pitchFamily="34" charset="0"/>
+              </a:rPr>
+              <a:t>For the last project we decided to continue working with our first project’s data set from Peer to Peer loans.</a:t>
+            </a:r>
+            <a:endParaRPr lang="en-US" b="0" dirty="0">
+              <a:effectLst/>
+            </a:endParaRPr>
+          </a:p>
+          <a:p>
+            <a:pPr rtl="0">
+              <a:spcBef>
+                <a:spcPts val="0"/>
+              </a:spcBef>
+              <a:spcAft>
+                <a:spcPts val="800"/>
+              </a:spcAft>
+            </a:pPr>
+            <a:r>
+              <a:rPr lang="en-US" sz="1800" b="0" i="0" u="none" strike="noStrike" dirty="0">
+                <a:solidFill>
+                  <a:srgbClr val="000000"/>
+                </a:solidFill>
+                <a:effectLst/>
+                <a:latin typeface="Calibri" panose="020F0502020204030204" pitchFamily="34" charset="0"/>
+              </a:rPr>
+              <a:t>As a review, Peer to Peer is  a lending company providing unsecured loans. Unlike a traditional bank, it is individuals that loan the funds to other individuals as an investment. P2P lending club rates the risk of each investment.</a:t>
+            </a:r>
+            <a:endParaRPr lang="en-US" b="0" dirty="0">
+              <a:effectLst/>
+            </a:endParaRPr>
+          </a:p>
+          <a:p>
+            <a:pPr rtl="0">
+              <a:spcBef>
+                <a:spcPts val="0"/>
+              </a:spcBef>
+              <a:spcAft>
+                <a:spcPts val="800"/>
+              </a:spcAft>
+            </a:pPr>
+            <a:r>
+              <a:rPr lang="en-US" sz="1800" b="0" i="0" u="none" strike="noStrike" dirty="0">
+                <a:solidFill>
+                  <a:srgbClr val="000000"/>
+                </a:solidFill>
+                <a:effectLst/>
+                <a:latin typeface="Calibri" panose="020F0502020204030204" pitchFamily="34" charset="0"/>
+              </a:rPr>
+              <a:t>The dataset we have has multiple years of loan data and we characterize the loans as either good or bad based on a set of characteristics</a:t>
+            </a:r>
+            <a:endParaRPr lang="en-US" b="0" dirty="0">
+              <a:effectLst/>
+            </a:endParaRPr>
+          </a:p>
+          <a:p>
+            <a:br>
+              <a:rPr lang="en-US" dirty="0"/>
+            </a:br>
+            <a:endParaRPr lang="en-US" dirty="0"/>
+          </a:p>
+        </p:txBody>
+      </p:sp>
+      <p:sp>
+        <p:nvSpPr>
+          <p:cNvPr id="4" name="Slide Number Placeholder 3"/>
+          <p:cNvSpPr>
+            <a:spLocks noGrp="1"/>
+          </p:cNvSpPr>
+          <p:nvPr>
+            <p:ph type="sldNum" sz="quarter" idx="5"/>
+          </p:nvPr>
+        </p:nvSpPr>
+        <p:spPr/>
+        <p:txBody>
+          <a:bodyPr/>
+          <a:lstStyle/>
+          <a:p>
+            <a:fld id="{6BE2BF14-FE87-4A34-8ED9-2CD9352E6A79}" type="slidenum">
+              <a:rPr lang="en-US" smtClean="0"/>
+              <a:t>2</a:t>
+            </a:fld>
+            <a:endParaRPr lang="en-US"/>
+          </a:p>
+        </p:txBody>
+      </p:sp>
+    </p:spTree>
+    <p:extLst>
+      <p:ext uri="{BB962C8B-B14F-4D97-AF65-F5344CB8AC3E}">
+        <p14:creationId xmlns:p14="http://schemas.microsoft.com/office/powerpoint/2010/main" val="2572823091"/>
+      </p:ext>
+    </p:extLst>
+  </p:cSld>
+  <p:clrMapOvr>
+    <a:masterClrMapping/>
+  </p:clrMapOvr>
+</p:notes>
+</file>
+
+<file path=ppt/notesSlides/notesSlide20.xml><?xml version="1.0" encoding="utf-8"?>
+<p:notes xmlns:a="http://schemas.openxmlformats.org/drawingml/2006/main" xmlns:r="http://schemas.openxmlformats.org/officeDocument/2006/relationships" xmlns:p="http://schemas.openxmlformats.org/presentationml/2006/main">
+  <p:cSld>
+    <p:spTree>
+      <p:nvGrpSpPr>
+        <p:cNvPr id="1" name=""/>
+        <p:cNvGrpSpPr/>
+        <p:nvPr/>
+      </p:nvGrpSpPr>
+      <p:grpSpPr>
+        <a:xfrm>
+          <a:off x="0" y="0"/>
+          <a:ext cx="0" cy="0"/>
+          <a:chOff x="0" y="0"/>
+          <a:chExt cx="0" cy="0"/>
+        </a:xfrm>
+      </p:grpSpPr>
+      <p:sp>
+        <p:nvSpPr>
+          <p:cNvPr id="2" name="Slide Image Placeholder 1"/>
+          <p:cNvSpPr>
+            <a:spLocks noGrp="1" noRot="1" noChangeAspect="1"/>
+          </p:cNvSpPr>
+          <p:nvPr>
+            <p:ph type="sldImg"/>
+          </p:nvPr>
+        </p:nvSpPr>
+        <p:spPr/>
+      </p:sp>
+      <p:sp>
+        <p:nvSpPr>
+          <p:cNvPr id="3" name="Notes Placeholder 2"/>
+          <p:cNvSpPr>
+            <a:spLocks noGrp="1"/>
+          </p:cNvSpPr>
+          <p:nvPr>
+            <p:ph type="body" idx="1"/>
+          </p:nvPr>
+        </p:nvSpPr>
+        <p:spPr/>
+        <p:txBody>
+          <a:bodyPr/>
+          <a:lstStyle/>
+          <a:p>
+            <a:r>
+              <a:rPr lang="en-US" sz="1800" b="0" i="0" u="none" strike="noStrike" dirty="0">
+                <a:solidFill>
+                  <a:srgbClr val="000000"/>
+                </a:solidFill>
+                <a:effectLst/>
+                <a:latin typeface="Calibri" panose="020F0502020204030204" pitchFamily="34" charset="0"/>
+              </a:rPr>
+              <a:t>As we Decompose the data, we see the overall   average loan amount plotted over the entire time frame. We also see the Trend line and Seasonality data. The trend data ,as observed ,begins to flatten while the Seasonal data fluctuates between amounts of -500 and +500. Residuals below show data it couldn’t understand.</a:t>
+            </a:r>
+            <a:endParaRPr lang="en-US" dirty="0"/>
+          </a:p>
+        </p:txBody>
+      </p:sp>
+      <p:sp>
+        <p:nvSpPr>
+          <p:cNvPr id="4" name="Slide Number Placeholder 3"/>
+          <p:cNvSpPr>
+            <a:spLocks noGrp="1"/>
+          </p:cNvSpPr>
+          <p:nvPr>
+            <p:ph type="sldNum" sz="quarter" idx="5"/>
+          </p:nvPr>
+        </p:nvSpPr>
+        <p:spPr/>
+        <p:txBody>
+          <a:bodyPr/>
+          <a:lstStyle/>
+          <a:p>
+            <a:fld id="{6BE2BF14-FE87-4A34-8ED9-2CD9352E6A79}" type="slidenum">
+              <a:rPr lang="en-US" smtClean="0"/>
+              <a:t>21</a:t>
+            </a:fld>
+            <a:endParaRPr lang="en-US"/>
+          </a:p>
+        </p:txBody>
+      </p:sp>
+    </p:spTree>
+    <p:extLst>
+      <p:ext uri="{BB962C8B-B14F-4D97-AF65-F5344CB8AC3E}">
+        <p14:creationId xmlns:p14="http://schemas.microsoft.com/office/powerpoint/2010/main" val="627289983"/>
+      </p:ext>
+    </p:extLst>
+  </p:cSld>
+  <p:clrMapOvr>
+    <a:masterClrMapping/>
+  </p:clrMapOvr>
+</p:notes>
+</file>
+
+<file path=ppt/notesSlides/notesSlide21.xml><?xml version="1.0" encoding="utf-8"?>
+<p:notes xmlns:a="http://schemas.openxmlformats.org/drawingml/2006/main" xmlns:r="http://schemas.openxmlformats.org/officeDocument/2006/relationships" xmlns:p="http://schemas.openxmlformats.org/presentationml/2006/main">
+  <p:cSld>
+    <p:spTree>
+      <p:nvGrpSpPr>
+        <p:cNvPr id="1" name=""/>
+        <p:cNvGrpSpPr/>
+        <p:nvPr/>
+      </p:nvGrpSpPr>
+      <p:grpSpPr>
+        <a:xfrm>
+          <a:off x="0" y="0"/>
+          <a:ext cx="0" cy="0"/>
+          <a:chOff x="0" y="0"/>
+          <a:chExt cx="0" cy="0"/>
+        </a:xfrm>
+      </p:grpSpPr>
+      <p:sp>
+        <p:nvSpPr>
+          <p:cNvPr id="2" name="Slide Image Placeholder 1"/>
+          <p:cNvSpPr>
+            <a:spLocks noGrp="1" noRot="1" noChangeAspect="1"/>
+          </p:cNvSpPr>
+          <p:nvPr>
+            <p:ph type="sldImg"/>
+          </p:nvPr>
+        </p:nvSpPr>
+        <p:spPr/>
+      </p:sp>
+      <p:sp>
+        <p:nvSpPr>
+          <p:cNvPr id="3" name="Notes Placeholder 2"/>
+          <p:cNvSpPr>
+            <a:spLocks noGrp="1"/>
+          </p:cNvSpPr>
+          <p:nvPr>
+            <p:ph type="body" idx="1"/>
+          </p:nvPr>
+        </p:nvSpPr>
+        <p:spPr/>
+        <p:txBody>
+          <a:bodyPr/>
+          <a:lstStyle/>
+          <a:p>
+            <a:endParaRPr lang="en-US"/>
+          </a:p>
+        </p:txBody>
+      </p:sp>
+      <p:sp>
+        <p:nvSpPr>
+          <p:cNvPr id="4" name="Slide Number Placeholder 3"/>
+          <p:cNvSpPr>
+            <a:spLocks noGrp="1"/>
+          </p:cNvSpPr>
+          <p:nvPr>
+            <p:ph type="sldNum" sz="quarter" idx="5"/>
+          </p:nvPr>
+        </p:nvSpPr>
+        <p:spPr/>
+        <p:txBody>
+          <a:bodyPr/>
+          <a:lstStyle/>
+          <a:p>
+            <a:fld id="{6BE2BF14-FE87-4A34-8ED9-2CD9352E6A79}" type="slidenum">
+              <a:rPr lang="en-US" smtClean="0"/>
+              <a:t>22</a:t>
+            </a:fld>
+            <a:endParaRPr lang="en-US"/>
+          </a:p>
+        </p:txBody>
+      </p:sp>
+    </p:spTree>
+    <p:extLst>
+      <p:ext uri="{BB962C8B-B14F-4D97-AF65-F5344CB8AC3E}">
+        <p14:creationId xmlns:p14="http://schemas.microsoft.com/office/powerpoint/2010/main" val="3105775856"/>
+      </p:ext>
+    </p:extLst>
+  </p:cSld>
+  <p:clrMapOvr>
+    <a:masterClrMapping/>
+  </p:clrMapOvr>
+</p:notes>
+</file>
+
+<file path=ppt/notesSlides/notesSlide22.xml><?xml version="1.0" encoding="utf-8"?>
+<p:notes xmlns:a="http://schemas.openxmlformats.org/drawingml/2006/main" xmlns:r="http://schemas.openxmlformats.org/officeDocument/2006/relationships" xmlns:p="http://schemas.openxmlformats.org/presentationml/2006/main">
+  <p:cSld>
+    <p:spTree>
+      <p:nvGrpSpPr>
+        <p:cNvPr id="1" name=""/>
+        <p:cNvGrpSpPr/>
+        <p:nvPr/>
+      </p:nvGrpSpPr>
+      <p:grpSpPr>
+        <a:xfrm>
+          <a:off x="0" y="0"/>
+          <a:ext cx="0" cy="0"/>
+          <a:chOff x="0" y="0"/>
+          <a:chExt cx="0" cy="0"/>
+        </a:xfrm>
+      </p:grpSpPr>
+      <p:sp>
+        <p:nvSpPr>
+          <p:cNvPr id="2" name="Slide Image Placeholder 1"/>
+          <p:cNvSpPr>
+            <a:spLocks noGrp="1" noRot="1" noChangeAspect="1"/>
+          </p:cNvSpPr>
+          <p:nvPr>
+            <p:ph type="sldImg"/>
+          </p:nvPr>
+        </p:nvSpPr>
+        <p:spPr/>
+      </p:sp>
+      <p:sp>
+        <p:nvSpPr>
+          <p:cNvPr id="3" name="Notes Placeholder 2"/>
+          <p:cNvSpPr>
+            <a:spLocks noGrp="1"/>
+          </p:cNvSpPr>
+          <p:nvPr>
+            <p:ph type="body" idx="1"/>
+          </p:nvPr>
+        </p:nvSpPr>
+        <p:spPr/>
+        <p:txBody>
+          <a:bodyPr/>
+          <a:lstStyle/>
+          <a:p>
+            <a:endParaRPr lang="en-US"/>
+          </a:p>
+        </p:txBody>
+      </p:sp>
+      <p:sp>
+        <p:nvSpPr>
+          <p:cNvPr id="4" name="Slide Number Placeholder 3"/>
+          <p:cNvSpPr>
+            <a:spLocks noGrp="1"/>
+          </p:cNvSpPr>
+          <p:nvPr>
+            <p:ph type="sldNum" sz="quarter" idx="5"/>
+          </p:nvPr>
+        </p:nvSpPr>
+        <p:spPr/>
+        <p:txBody>
+          <a:bodyPr/>
+          <a:lstStyle/>
+          <a:p>
+            <a:fld id="{6BE2BF14-FE87-4A34-8ED9-2CD9352E6A79}" type="slidenum">
+              <a:rPr lang="en-US" smtClean="0"/>
+              <a:t>23</a:t>
+            </a:fld>
+            <a:endParaRPr lang="en-US"/>
+          </a:p>
+        </p:txBody>
+      </p:sp>
+    </p:spTree>
+    <p:extLst>
+      <p:ext uri="{BB962C8B-B14F-4D97-AF65-F5344CB8AC3E}">
+        <p14:creationId xmlns:p14="http://schemas.microsoft.com/office/powerpoint/2010/main" val="3392991874"/>
+      </p:ext>
+    </p:extLst>
+  </p:cSld>
+  <p:clrMapOvr>
+    <a:masterClrMapping/>
+  </p:clrMapOvr>
+</p:notes>
+</file>
+
+<file path=ppt/notesSlides/notesSlide23.xml><?xml version="1.0" encoding="utf-8"?>
+<p:notes xmlns:a="http://schemas.openxmlformats.org/drawingml/2006/main" xmlns:r="http://schemas.openxmlformats.org/officeDocument/2006/relationships" xmlns:p="http://schemas.openxmlformats.org/presentationml/2006/main">
+  <p:cSld>
+    <p:spTree>
+      <p:nvGrpSpPr>
+        <p:cNvPr id="1" name=""/>
+        <p:cNvGrpSpPr/>
+        <p:nvPr/>
+      </p:nvGrpSpPr>
+      <p:grpSpPr>
+        <a:xfrm>
+          <a:off x="0" y="0"/>
+          <a:ext cx="0" cy="0"/>
+          <a:chOff x="0" y="0"/>
+          <a:chExt cx="0" cy="0"/>
+        </a:xfrm>
+      </p:grpSpPr>
+      <p:sp>
+        <p:nvSpPr>
+          <p:cNvPr id="2" name="Slide Image Placeholder 1"/>
+          <p:cNvSpPr>
+            <a:spLocks noGrp="1" noRot="1" noChangeAspect="1"/>
+          </p:cNvSpPr>
+          <p:nvPr>
+            <p:ph type="sldImg"/>
+          </p:nvPr>
+        </p:nvSpPr>
+        <p:spPr/>
+      </p:sp>
+      <p:sp>
+        <p:nvSpPr>
+          <p:cNvPr id="3" name="Notes Placeholder 2"/>
+          <p:cNvSpPr>
+            <a:spLocks noGrp="1"/>
+          </p:cNvSpPr>
+          <p:nvPr>
+            <p:ph type="body" idx="1"/>
+          </p:nvPr>
+        </p:nvSpPr>
+        <p:spPr/>
+        <p:txBody>
+          <a:bodyPr/>
+          <a:lstStyle/>
+          <a:p>
+            <a:r>
+              <a:rPr lang="en-US" sz="1800" b="0" i="0" u="none" strike="noStrike" dirty="0">
+                <a:solidFill>
+                  <a:srgbClr val="000000"/>
+                </a:solidFill>
+                <a:effectLst/>
+                <a:latin typeface="Calibri" panose="020F0502020204030204" pitchFamily="34" charset="0"/>
+              </a:rPr>
+              <a:t>After performing ARIMA, we plot the forecast. In this case, we based the start year as 2017 and the end year to 2020.  The further out in the future you go, the wider the cone of possible values you have in your forecast. In conclusion, you have a generally upward trend but with a high degree variability. </a:t>
+            </a:r>
+            <a:endParaRPr lang="en-US" dirty="0"/>
+          </a:p>
+        </p:txBody>
+      </p:sp>
+      <p:sp>
+        <p:nvSpPr>
+          <p:cNvPr id="4" name="Slide Number Placeholder 3"/>
+          <p:cNvSpPr>
+            <a:spLocks noGrp="1"/>
+          </p:cNvSpPr>
+          <p:nvPr>
+            <p:ph type="sldNum" sz="quarter" idx="5"/>
+          </p:nvPr>
+        </p:nvSpPr>
+        <p:spPr/>
+        <p:txBody>
+          <a:bodyPr/>
+          <a:lstStyle/>
+          <a:p>
+            <a:fld id="{6BE2BF14-FE87-4A34-8ED9-2CD9352E6A79}" type="slidenum">
+              <a:rPr lang="en-US" smtClean="0"/>
+              <a:t>24</a:t>
+            </a:fld>
+            <a:endParaRPr lang="en-US"/>
+          </a:p>
+        </p:txBody>
+      </p:sp>
+    </p:spTree>
+    <p:extLst>
+      <p:ext uri="{BB962C8B-B14F-4D97-AF65-F5344CB8AC3E}">
+        <p14:creationId xmlns:p14="http://schemas.microsoft.com/office/powerpoint/2010/main" val="1505613242"/>
+      </p:ext>
+    </p:extLst>
+  </p:cSld>
+  <p:clrMapOvr>
+    <a:masterClrMapping/>
+  </p:clrMapOvr>
+</p:notes>
+</file>
+
+<file path=ppt/notesSlides/notesSlide24.xml><?xml version="1.0" encoding="utf-8"?>
+<p:notes xmlns:a="http://schemas.openxmlformats.org/drawingml/2006/main" xmlns:r="http://schemas.openxmlformats.org/officeDocument/2006/relationships" xmlns:p="http://schemas.openxmlformats.org/presentationml/2006/main">
+  <p:cSld>
+    <p:spTree>
+      <p:nvGrpSpPr>
+        <p:cNvPr id="1" name=""/>
+        <p:cNvGrpSpPr/>
+        <p:nvPr/>
+      </p:nvGrpSpPr>
+      <p:grpSpPr>
+        <a:xfrm>
+          <a:off x="0" y="0"/>
+          <a:ext cx="0" cy="0"/>
+          <a:chOff x="0" y="0"/>
+          <a:chExt cx="0" cy="0"/>
+        </a:xfrm>
+      </p:grpSpPr>
+      <p:sp>
+        <p:nvSpPr>
+          <p:cNvPr id="2" name="Slide Image Placeholder 1"/>
+          <p:cNvSpPr>
+            <a:spLocks noGrp="1" noRot="1" noChangeAspect="1"/>
+          </p:cNvSpPr>
+          <p:nvPr>
+            <p:ph type="sldImg"/>
+          </p:nvPr>
+        </p:nvSpPr>
+        <p:spPr/>
+      </p:sp>
+      <p:sp>
+        <p:nvSpPr>
+          <p:cNvPr id="3" name="Notes Placeholder 2"/>
+          <p:cNvSpPr>
+            <a:spLocks noGrp="1"/>
+          </p:cNvSpPr>
+          <p:nvPr>
+            <p:ph type="body" idx="1"/>
+          </p:nvPr>
+        </p:nvSpPr>
+        <p:spPr/>
+        <p:txBody>
+          <a:bodyPr/>
+          <a:lstStyle/>
+          <a:p>
+            <a:endParaRPr lang="en-US"/>
+          </a:p>
+        </p:txBody>
+      </p:sp>
+      <p:sp>
+        <p:nvSpPr>
+          <p:cNvPr id="4" name="Slide Number Placeholder 3"/>
+          <p:cNvSpPr>
+            <a:spLocks noGrp="1"/>
+          </p:cNvSpPr>
+          <p:nvPr>
+            <p:ph type="sldNum" sz="quarter" idx="5"/>
+          </p:nvPr>
+        </p:nvSpPr>
+        <p:spPr/>
+        <p:txBody>
+          <a:bodyPr/>
+          <a:lstStyle/>
+          <a:p>
+            <a:fld id="{6BE2BF14-FE87-4A34-8ED9-2CD9352E6A79}" type="slidenum">
+              <a:rPr lang="en-US" smtClean="0"/>
+              <a:t>25</a:t>
+            </a:fld>
+            <a:endParaRPr lang="en-US"/>
+          </a:p>
+        </p:txBody>
+      </p:sp>
+    </p:spTree>
+    <p:extLst>
+      <p:ext uri="{BB962C8B-B14F-4D97-AF65-F5344CB8AC3E}">
+        <p14:creationId xmlns:p14="http://schemas.microsoft.com/office/powerpoint/2010/main" val="3764162167"/>
+      </p:ext>
+    </p:extLst>
+  </p:cSld>
+  <p:clrMapOvr>
+    <a:masterClrMapping/>
+  </p:clrMapOvr>
+</p:notes>
+</file>
+
+<file path=ppt/notesSlides/notesSlide3.xml><?xml version="1.0" encoding="utf-8"?>
+<p:notes xmlns:a="http://schemas.openxmlformats.org/drawingml/2006/main" xmlns:r="http://schemas.openxmlformats.org/officeDocument/2006/relationships" xmlns:p="http://schemas.openxmlformats.org/presentationml/2006/main">
+  <p:cSld>
+    <p:spTree>
+      <p:nvGrpSpPr>
+        <p:cNvPr id="1" name=""/>
+        <p:cNvGrpSpPr/>
+        <p:nvPr/>
+      </p:nvGrpSpPr>
+      <p:grpSpPr>
+        <a:xfrm>
+          <a:off x="0" y="0"/>
+          <a:ext cx="0" cy="0"/>
+          <a:chOff x="0" y="0"/>
+          <a:chExt cx="0" cy="0"/>
+        </a:xfrm>
+      </p:grpSpPr>
+      <p:sp>
+        <p:nvSpPr>
+          <p:cNvPr id="2" name="Slide Image Placeholder 1"/>
+          <p:cNvSpPr>
+            <a:spLocks noGrp="1" noRot="1" noChangeAspect="1"/>
+          </p:cNvSpPr>
+          <p:nvPr>
+            <p:ph type="sldImg"/>
+          </p:nvPr>
+        </p:nvSpPr>
+        <p:spPr/>
+      </p:sp>
+      <p:sp>
+        <p:nvSpPr>
+          <p:cNvPr id="3" name="Notes Placeholder 2"/>
+          <p:cNvSpPr>
+            <a:spLocks noGrp="1"/>
+          </p:cNvSpPr>
+          <p:nvPr>
+            <p:ph type="body" idx="1"/>
+          </p:nvPr>
+        </p:nvSpPr>
+        <p:spPr/>
+        <p:txBody>
+          <a:bodyPr/>
+          <a:lstStyle/>
+          <a:p>
+            <a:pPr rtl="0">
+              <a:spcBef>
+                <a:spcPts val="0"/>
+              </a:spcBef>
+              <a:spcAft>
+                <a:spcPts val="800"/>
+              </a:spcAft>
+            </a:pPr>
+            <a:r>
+              <a:rPr lang="en-US" sz="1800" b="0" i="0" u="none" strike="noStrike" dirty="0">
+                <a:solidFill>
+                  <a:srgbClr val="000000"/>
+                </a:solidFill>
+                <a:effectLst/>
+                <a:latin typeface="Calibri" panose="020F0502020204030204" pitchFamily="34" charset="0"/>
+              </a:rPr>
+              <a:t>SLIDE 3</a:t>
+            </a:r>
+            <a:endParaRPr lang="en-US" b="0" dirty="0">
+              <a:effectLst/>
+            </a:endParaRPr>
+          </a:p>
+          <a:p>
+            <a:pPr rtl="0">
+              <a:spcBef>
+                <a:spcPts val="0"/>
+              </a:spcBef>
+              <a:spcAft>
+                <a:spcPts val="800"/>
+              </a:spcAft>
+            </a:pPr>
+            <a:r>
+              <a:rPr lang="en-US" sz="1800" b="0" i="0" u="none" strike="noStrike" dirty="0">
+                <a:solidFill>
+                  <a:srgbClr val="000000"/>
+                </a:solidFill>
+                <a:effectLst/>
+                <a:latin typeface="Calibri" panose="020F0502020204030204" pitchFamily="34" charset="0"/>
+              </a:rPr>
+              <a:t>Our goal is to use Machine Learning to answer two questions</a:t>
+            </a:r>
+            <a:endParaRPr lang="en-US" b="0" dirty="0">
+              <a:effectLst/>
+            </a:endParaRPr>
+          </a:p>
+          <a:p>
+            <a:pPr rtl="0" fontAlgn="base">
+              <a:spcBef>
+                <a:spcPts val="0"/>
+              </a:spcBef>
+              <a:spcAft>
+                <a:spcPts val="0"/>
+              </a:spcAft>
+              <a:buFont typeface="+mj-lt"/>
+              <a:buAutoNum type="arabicPeriod"/>
+            </a:pPr>
+            <a:r>
+              <a:rPr lang="en-US" sz="1800" b="0" i="0" u="none" strike="noStrike" dirty="0">
+                <a:solidFill>
+                  <a:srgbClr val="000000"/>
+                </a:solidFill>
+                <a:effectLst/>
+                <a:latin typeface="Calibri" panose="020F0502020204030204" pitchFamily="34" charset="0"/>
+              </a:rPr>
+              <a:t>Can we classify a loan as good or bad based on our parameters?</a:t>
+            </a:r>
+          </a:p>
+          <a:p>
+            <a:r>
+              <a:rPr lang="en-US" sz="1800" b="1" i="0" u="none" strike="noStrike" dirty="0">
+                <a:solidFill>
+                  <a:srgbClr val="000000"/>
+                </a:solidFill>
+                <a:effectLst/>
+                <a:latin typeface="Calibri" panose="020F0502020204030204" pitchFamily="34" charset="0"/>
+              </a:rPr>
+              <a:t>(And if time permits)</a:t>
+            </a:r>
+            <a:br>
+              <a:rPr lang="en-US" sz="1800" b="0" i="0" u="none" strike="noStrike" dirty="0">
+                <a:solidFill>
+                  <a:srgbClr val="000000"/>
+                </a:solidFill>
+                <a:effectLst/>
+                <a:latin typeface="Calibri" panose="020F0502020204030204" pitchFamily="34" charset="0"/>
+              </a:rPr>
+            </a:br>
+            <a:r>
+              <a:rPr lang="en-US" sz="1800" b="0" i="0" u="none" strike="noStrike" dirty="0">
+                <a:solidFill>
+                  <a:srgbClr val="000000"/>
+                </a:solidFill>
+                <a:effectLst/>
+                <a:latin typeface="Calibri" panose="020F0502020204030204" pitchFamily="34" charset="0"/>
+              </a:rPr>
+              <a:t>Can we successfully  forecast the average loan amounts  issued on the P2P platform?</a:t>
+            </a:r>
+            <a:endParaRPr lang="en-US" dirty="0"/>
+          </a:p>
+        </p:txBody>
+      </p:sp>
+      <p:sp>
+        <p:nvSpPr>
+          <p:cNvPr id="4" name="Slide Number Placeholder 3"/>
+          <p:cNvSpPr>
+            <a:spLocks noGrp="1"/>
+          </p:cNvSpPr>
+          <p:nvPr>
+            <p:ph type="sldNum" sz="quarter" idx="5"/>
+          </p:nvPr>
+        </p:nvSpPr>
+        <p:spPr/>
+        <p:txBody>
+          <a:bodyPr/>
+          <a:lstStyle/>
+          <a:p>
+            <a:fld id="{6BE2BF14-FE87-4A34-8ED9-2CD9352E6A79}" type="slidenum">
+              <a:rPr lang="en-US" smtClean="0"/>
+              <a:t>3</a:t>
+            </a:fld>
+            <a:endParaRPr lang="en-US"/>
+          </a:p>
+        </p:txBody>
+      </p:sp>
+    </p:spTree>
+    <p:extLst>
+      <p:ext uri="{BB962C8B-B14F-4D97-AF65-F5344CB8AC3E}">
+        <p14:creationId xmlns:p14="http://schemas.microsoft.com/office/powerpoint/2010/main" val="3838473682"/>
+      </p:ext>
+    </p:extLst>
+  </p:cSld>
+  <p:clrMapOvr>
+    <a:masterClrMapping/>
+  </p:clrMapOvr>
+</p:notes>
+</file>
+
+<file path=ppt/notesSlides/notesSlide4.xml><?xml version="1.0" encoding="utf-8"?>
+<p:notes xmlns:a="http://schemas.openxmlformats.org/drawingml/2006/main" xmlns:r="http://schemas.openxmlformats.org/officeDocument/2006/relationships" xmlns:p="http://schemas.openxmlformats.org/presentationml/2006/main">
+  <p:cSld>
+    <p:spTree>
+      <p:nvGrpSpPr>
+        <p:cNvPr id="1" name=""/>
+        <p:cNvGrpSpPr/>
+        <p:nvPr/>
+      </p:nvGrpSpPr>
+      <p:grpSpPr>
+        <a:xfrm>
+          <a:off x="0" y="0"/>
+          <a:ext cx="0" cy="0"/>
+          <a:chOff x="0" y="0"/>
+          <a:chExt cx="0" cy="0"/>
+        </a:xfrm>
+      </p:grpSpPr>
+      <p:sp>
+        <p:nvSpPr>
+          <p:cNvPr id="2" name="Slide Image Placeholder 1"/>
+          <p:cNvSpPr>
+            <a:spLocks noGrp="1" noRot="1" noChangeAspect="1"/>
+          </p:cNvSpPr>
+          <p:nvPr>
+            <p:ph type="sldImg"/>
+          </p:nvPr>
+        </p:nvSpPr>
+        <p:spPr/>
+      </p:sp>
+      <p:sp>
+        <p:nvSpPr>
+          <p:cNvPr id="3" name="Notes Placeholder 2"/>
+          <p:cNvSpPr>
+            <a:spLocks noGrp="1"/>
+          </p:cNvSpPr>
+          <p:nvPr>
+            <p:ph type="body" idx="1"/>
+          </p:nvPr>
+        </p:nvSpPr>
+        <p:spPr/>
+        <p:txBody>
+          <a:bodyPr/>
+          <a:lstStyle/>
+          <a:p>
+            <a:r>
+              <a:rPr lang="en-US" sz="1800" b="0" i="0" u="none" strike="noStrike" dirty="0">
+                <a:solidFill>
+                  <a:srgbClr val="000000"/>
+                </a:solidFill>
+                <a:effectLst/>
+                <a:latin typeface="Calibri" panose="020F0502020204030204" pitchFamily="34" charset="0"/>
+              </a:rPr>
+              <a:t>As we’ve done before, we narrowed the number of  columns,  classified the loans, added new columns like the Debt Service Ratio  and converted the date column to the proper datatype. We also made an integer representation of the 35 loan subgrades.</a:t>
+            </a:r>
+            <a:endParaRPr lang="en-US" dirty="0"/>
+          </a:p>
+        </p:txBody>
+      </p:sp>
+      <p:sp>
+        <p:nvSpPr>
+          <p:cNvPr id="4" name="Slide Number Placeholder 3"/>
+          <p:cNvSpPr>
+            <a:spLocks noGrp="1"/>
+          </p:cNvSpPr>
+          <p:nvPr>
+            <p:ph type="sldNum" sz="quarter" idx="5"/>
+          </p:nvPr>
+        </p:nvSpPr>
+        <p:spPr/>
+        <p:txBody>
+          <a:bodyPr/>
+          <a:lstStyle/>
+          <a:p>
+            <a:fld id="{6BE2BF14-FE87-4A34-8ED9-2CD9352E6A79}" type="slidenum">
+              <a:rPr lang="en-US" smtClean="0"/>
+              <a:t>4</a:t>
+            </a:fld>
+            <a:endParaRPr lang="en-US"/>
+          </a:p>
+        </p:txBody>
+      </p:sp>
+    </p:spTree>
+    <p:extLst>
+      <p:ext uri="{BB962C8B-B14F-4D97-AF65-F5344CB8AC3E}">
+        <p14:creationId xmlns:p14="http://schemas.microsoft.com/office/powerpoint/2010/main" val="3655309146"/>
+      </p:ext>
+    </p:extLst>
+  </p:cSld>
+  <p:clrMapOvr>
+    <a:masterClrMapping/>
+  </p:clrMapOvr>
+</p:notes>
+</file>
+
+<file path=ppt/notesSlides/notesSlide5.xml><?xml version="1.0" encoding="utf-8"?>
+<p:notes xmlns:a="http://schemas.openxmlformats.org/drawingml/2006/main" xmlns:r="http://schemas.openxmlformats.org/officeDocument/2006/relationships" xmlns:p="http://schemas.openxmlformats.org/presentationml/2006/main">
+  <p:cSld>
+    <p:spTree>
+      <p:nvGrpSpPr>
+        <p:cNvPr id="1" name=""/>
+        <p:cNvGrpSpPr/>
+        <p:nvPr/>
+      </p:nvGrpSpPr>
+      <p:grpSpPr>
+        <a:xfrm>
+          <a:off x="0" y="0"/>
+          <a:ext cx="0" cy="0"/>
+          <a:chOff x="0" y="0"/>
+          <a:chExt cx="0" cy="0"/>
+        </a:xfrm>
+      </p:grpSpPr>
+      <p:sp>
+        <p:nvSpPr>
+          <p:cNvPr id="2" name="Slide Image Placeholder 1"/>
+          <p:cNvSpPr>
+            <a:spLocks noGrp="1" noRot="1" noChangeAspect="1"/>
+          </p:cNvSpPr>
+          <p:nvPr>
+            <p:ph type="sldImg"/>
+          </p:nvPr>
+        </p:nvSpPr>
+        <p:spPr/>
+      </p:sp>
+      <p:sp>
+        <p:nvSpPr>
+          <p:cNvPr id="3" name="Notes Placeholder 2"/>
+          <p:cNvSpPr>
+            <a:spLocks noGrp="1"/>
+          </p:cNvSpPr>
+          <p:nvPr>
+            <p:ph type="body" idx="1"/>
+          </p:nvPr>
+        </p:nvSpPr>
+        <p:spPr/>
+        <p:txBody>
+          <a:bodyPr/>
+          <a:lstStyle/>
+          <a:p>
+            <a:r>
+              <a:rPr lang="en-US" sz="1800" b="0" i="0" u="none" strike="noStrike" dirty="0">
+                <a:solidFill>
+                  <a:srgbClr val="000000"/>
+                </a:solidFill>
+                <a:effectLst/>
+                <a:latin typeface="Calibri" panose="020F0502020204030204" pitchFamily="34" charset="0"/>
+              </a:rPr>
+              <a:t>This an overview of the data with respect to good and bad loans. Plotting the counts of each type, we can see a potential balance issue, resulting in sampling bias.</a:t>
+            </a:r>
+            <a:endParaRPr lang="en-US" dirty="0"/>
+          </a:p>
+        </p:txBody>
+      </p:sp>
+      <p:sp>
+        <p:nvSpPr>
+          <p:cNvPr id="4" name="Slide Number Placeholder 3"/>
+          <p:cNvSpPr>
+            <a:spLocks noGrp="1"/>
+          </p:cNvSpPr>
+          <p:nvPr>
+            <p:ph type="sldNum" sz="quarter" idx="5"/>
+          </p:nvPr>
+        </p:nvSpPr>
+        <p:spPr/>
+        <p:txBody>
+          <a:bodyPr/>
+          <a:lstStyle/>
+          <a:p>
+            <a:fld id="{6BE2BF14-FE87-4A34-8ED9-2CD9352E6A79}" type="slidenum">
+              <a:rPr lang="en-US" smtClean="0"/>
+              <a:t>5</a:t>
+            </a:fld>
+            <a:endParaRPr lang="en-US"/>
+          </a:p>
+        </p:txBody>
+      </p:sp>
+    </p:spTree>
+    <p:extLst>
+      <p:ext uri="{BB962C8B-B14F-4D97-AF65-F5344CB8AC3E}">
+        <p14:creationId xmlns:p14="http://schemas.microsoft.com/office/powerpoint/2010/main" val="290103543"/>
+      </p:ext>
+    </p:extLst>
+  </p:cSld>
+  <p:clrMapOvr>
+    <a:masterClrMapping/>
+  </p:clrMapOvr>
+</p:notes>
+</file>
+
+<file path=ppt/notesSlides/notesSlide6.xml><?xml version="1.0" encoding="utf-8"?>
+<p:notes xmlns:a="http://schemas.openxmlformats.org/drawingml/2006/main" xmlns:r="http://schemas.openxmlformats.org/officeDocument/2006/relationships" xmlns:p="http://schemas.openxmlformats.org/presentationml/2006/main">
+  <p:cSld>
+    <p:spTree>
+      <p:nvGrpSpPr>
+        <p:cNvPr id="1" name=""/>
+        <p:cNvGrpSpPr/>
+        <p:nvPr/>
+      </p:nvGrpSpPr>
+      <p:grpSpPr>
+        <a:xfrm>
+          <a:off x="0" y="0"/>
+          <a:ext cx="0" cy="0"/>
+          <a:chOff x="0" y="0"/>
+          <a:chExt cx="0" cy="0"/>
+        </a:xfrm>
+      </p:grpSpPr>
+      <p:sp>
+        <p:nvSpPr>
+          <p:cNvPr id="2" name="Slide Image Placeholder 1"/>
+          <p:cNvSpPr>
+            <a:spLocks noGrp="1" noRot="1" noChangeAspect="1"/>
+          </p:cNvSpPr>
+          <p:nvPr>
+            <p:ph type="sldImg"/>
+          </p:nvPr>
+        </p:nvSpPr>
+        <p:spPr/>
+      </p:sp>
+      <p:sp>
+        <p:nvSpPr>
+          <p:cNvPr id="3" name="Notes Placeholder 2"/>
+          <p:cNvSpPr>
+            <a:spLocks noGrp="1"/>
+          </p:cNvSpPr>
+          <p:nvPr>
+            <p:ph type="body" idx="1"/>
+          </p:nvPr>
+        </p:nvSpPr>
+        <p:spPr/>
+        <p:txBody>
+          <a:bodyPr/>
+          <a:lstStyle/>
+          <a:p>
+            <a:pPr rtl="0">
+              <a:spcBef>
+                <a:spcPts val="0"/>
+              </a:spcBef>
+              <a:spcAft>
+                <a:spcPts val="800"/>
+              </a:spcAft>
+            </a:pPr>
+            <a:r>
+              <a:rPr lang="en-US" sz="1800" b="0" i="0" u="none" strike="noStrike" dirty="0">
+                <a:solidFill>
+                  <a:srgbClr val="000000"/>
+                </a:solidFill>
+                <a:effectLst/>
+                <a:latin typeface="Calibri" panose="020F0502020204030204" pitchFamily="34" charset="0"/>
+              </a:rPr>
+              <a:t>In order to address the datasets imbalance, two approaches were attempted:</a:t>
+            </a:r>
+            <a:endParaRPr lang="en-US" b="0" dirty="0">
+              <a:effectLst/>
+            </a:endParaRPr>
+          </a:p>
+          <a:p>
+            <a:pPr rtl="0">
+              <a:spcBef>
+                <a:spcPts val="0"/>
+              </a:spcBef>
+              <a:spcAft>
+                <a:spcPts val="800"/>
+              </a:spcAft>
+            </a:pPr>
+            <a:r>
+              <a:rPr lang="en-US" sz="1800" b="0" i="0" u="none" strike="noStrike" dirty="0">
+                <a:solidFill>
+                  <a:srgbClr val="000000"/>
+                </a:solidFill>
+                <a:effectLst/>
+                <a:latin typeface="Calibri" panose="020F0502020204030204" pitchFamily="34" charset="0"/>
+              </a:rPr>
+              <a:t>- We either filtered out the bad loans and appended the dataset to itself  enough times to equal the good loans</a:t>
+            </a:r>
+            <a:endParaRPr lang="en-US" b="0" dirty="0">
+              <a:effectLst/>
+            </a:endParaRPr>
+          </a:p>
+          <a:p>
+            <a:pPr rtl="0">
+              <a:spcBef>
+                <a:spcPts val="0"/>
+              </a:spcBef>
+              <a:spcAft>
+                <a:spcPts val="800"/>
+              </a:spcAft>
+            </a:pPr>
+            <a:r>
+              <a:rPr lang="en-US" sz="1800" b="0" i="0" u="none" strike="noStrike" dirty="0">
+                <a:solidFill>
+                  <a:srgbClr val="000000"/>
+                </a:solidFill>
+                <a:effectLst/>
+                <a:latin typeface="Calibri" panose="020F0502020204030204" pitchFamily="34" charset="0"/>
+              </a:rPr>
+              <a:t>- or -</a:t>
+            </a:r>
+            <a:endParaRPr lang="en-US" b="0" dirty="0">
+              <a:effectLst/>
+            </a:endParaRPr>
+          </a:p>
+          <a:p>
+            <a:pPr rtl="0">
+              <a:spcBef>
+                <a:spcPts val="0"/>
+              </a:spcBef>
+              <a:spcAft>
+                <a:spcPts val="800"/>
+              </a:spcAft>
+            </a:pPr>
+            <a:r>
+              <a:rPr lang="en-US" sz="1800" b="0" i="0" u="none" strike="noStrike" dirty="0">
+                <a:solidFill>
+                  <a:srgbClr val="000000"/>
+                </a:solidFill>
+                <a:effectLst/>
+                <a:latin typeface="Calibri" panose="020F0502020204030204" pitchFamily="34" charset="0"/>
+              </a:rPr>
+              <a:t>- we used a classifier’s built in parameter to deal with the imbalance.</a:t>
+            </a:r>
+            <a:endParaRPr lang="en-US" b="0" dirty="0">
+              <a:effectLst/>
+            </a:endParaRPr>
+          </a:p>
+          <a:p>
+            <a:br>
+              <a:rPr lang="en-US" dirty="0"/>
+            </a:br>
+            <a:endParaRPr lang="en-US" dirty="0"/>
+          </a:p>
+        </p:txBody>
+      </p:sp>
+      <p:sp>
+        <p:nvSpPr>
+          <p:cNvPr id="4" name="Slide Number Placeholder 3"/>
+          <p:cNvSpPr>
+            <a:spLocks noGrp="1"/>
+          </p:cNvSpPr>
+          <p:nvPr>
+            <p:ph type="sldNum" sz="quarter" idx="5"/>
+          </p:nvPr>
+        </p:nvSpPr>
+        <p:spPr/>
+        <p:txBody>
+          <a:bodyPr/>
+          <a:lstStyle/>
+          <a:p>
+            <a:fld id="{6BE2BF14-FE87-4A34-8ED9-2CD9352E6A79}" type="slidenum">
+              <a:rPr lang="en-US" smtClean="0"/>
+              <a:t>6</a:t>
+            </a:fld>
+            <a:endParaRPr lang="en-US"/>
+          </a:p>
+        </p:txBody>
+      </p:sp>
+    </p:spTree>
+    <p:extLst>
+      <p:ext uri="{BB962C8B-B14F-4D97-AF65-F5344CB8AC3E}">
+        <p14:creationId xmlns:p14="http://schemas.microsoft.com/office/powerpoint/2010/main" val="4038728073"/>
+      </p:ext>
+    </p:extLst>
+  </p:cSld>
+  <p:clrMapOvr>
+    <a:masterClrMapping/>
+  </p:clrMapOvr>
+</p:notes>
+</file>
+
+<file path=ppt/notesSlides/notesSlide7.xml><?xml version="1.0" encoding="utf-8"?>
+<p:notes xmlns:a="http://schemas.openxmlformats.org/drawingml/2006/main" xmlns:r="http://schemas.openxmlformats.org/officeDocument/2006/relationships" xmlns:p="http://schemas.openxmlformats.org/presentationml/2006/main">
+  <p:cSld>
+    <p:spTree>
+      <p:nvGrpSpPr>
+        <p:cNvPr id="1" name=""/>
+        <p:cNvGrpSpPr/>
+        <p:nvPr/>
+      </p:nvGrpSpPr>
+      <p:grpSpPr>
+        <a:xfrm>
+          <a:off x="0" y="0"/>
+          <a:ext cx="0" cy="0"/>
+          <a:chOff x="0" y="0"/>
+          <a:chExt cx="0" cy="0"/>
+        </a:xfrm>
+      </p:grpSpPr>
+      <p:sp>
+        <p:nvSpPr>
+          <p:cNvPr id="2" name="Slide Image Placeholder 1"/>
+          <p:cNvSpPr>
+            <a:spLocks noGrp="1" noRot="1" noChangeAspect="1"/>
+          </p:cNvSpPr>
+          <p:nvPr>
+            <p:ph type="sldImg"/>
+          </p:nvPr>
+        </p:nvSpPr>
+        <p:spPr/>
+      </p:sp>
+      <p:sp>
+        <p:nvSpPr>
+          <p:cNvPr id="3" name="Notes Placeholder 2"/>
+          <p:cNvSpPr>
+            <a:spLocks noGrp="1"/>
+          </p:cNvSpPr>
+          <p:nvPr>
+            <p:ph type="body" idx="1"/>
+          </p:nvPr>
+        </p:nvSpPr>
+        <p:spPr>
+          <a:xfrm>
+            <a:off x="685800" y="4400549"/>
+            <a:ext cx="5486400" cy="3742423"/>
+          </a:xfrm>
+        </p:spPr>
+        <p:txBody>
+          <a:bodyPr/>
+          <a:lstStyle/>
+          <a:p>
+            <a:pPr rtl="0">
+              <a:spcBef>
+                <a:spcPts val="0"/>
+              </a:spcBef>
+              <a:spcAft>
+                <a:spcPts val="800"/>
+              </a:spcAft>
+            </a:pPr>
+            <a:r>
+              <a:rPr lang="en-US" sz="1800" b="0" i="0" u="none" strike="noStrike" dirty="0">
+                <a:solidFill>
+                  <a:srgbClr val="000000"/>
+                </a:solidFill>
+                <a:effectLst/>
+                <a:latin typeface="Calibri" panose="020F0502020204030204" pitchFamily="34" charset="0"/>
+              </a:rPr>
+              <a:t>We attempted a few machine learning models to answer our question.</a:t>
+            </a:r>
+            <a:endParaRPr lang="en-US" b="0" dirty="0">
+              <a:effectLst/>
+            </a:endParaRPr>
+          </a:p>
+          <a:p>
+            <a:pPr rtl="0">
+              <a:spcBef>
+                <a:spcPts val="0"/>
+              </a:spcBef>
+              <a:spcAft>
+                <a:spcPts val="800"/>
+              </a:spcAft>
+            </a:pPr>
+            <a:r>
+              <a:rPr lang="en-US" sz="1800" b="0" i="0" u="none" strike="noStrike" dirty="0">
+                <a:solidFill>
+                  <a:srgbClr val="000000"/>
+                </a:solidFill>
+                <a:effectLst/>
+                <a:latin typeface="Calibri" panose="020F0502020204030204" pitchFamily="34" charset="0"/>
+              </a:rPr>
+              <a:t>After analyzing the data and identifying our classification problem we attempted  a logistic regression model but we were unsatisfied by the results.</a:t>
+            </a:r>
+            <a:endParaRPr lang="en-US" b="0" dirty="0">
+              <a:effectLst/>
+            </a:endParaRPr>
+          </a:p>
+          <a:p>
+            <a:pPr rtl="0">
+              <a:spcBef>
+                <a:spcPts val="0"/>
+              </a:spcBef>
+              <a:spcAft>
+                <a:spcPts val="800"/>
+              </a:spcAft>
+            </a:pPr>
+            <a:r>
+              <a:rPr lang="en-US" sz="1800" b="0" i="0" u="none" strike="noStrike" dirty="0">
+                <a:solidFill>
+                  <a:srgbClr val="000000"/>
+                </a:solidFill>
+                <a:effectLst/>
+                <a:latin typeface="Calibri" panose="020F0502020204030204" pitchFamily="34" charset="0"/>
+              </a:rPr>
+              <a:t> A Decision Tree was attempted but it was slow and its results were no better.</a:t>
+            </a:r>
+            <a:endParaRPr lang="en-US" b="0" dirty="0">
+              <a:effectLst/>
+            </a:endParaRPr>
+          </a:p>
+          <a:p>
+            <a:pPr rtl="0">
+              <a:spcBef>
+                <a:spcPts val="0"/>
+              </a:spcBef>
+              <a:spcAft>
+                <a:spcPts val="800"/>
+              </a:spcAft>
+            </a:pPr>
+            <a:r>
+              <a:rPr lang="en-US" sz="1800" b="0" i="0" u="none" strike="noStrike" dirty="0">
+                <a:solidFill>
+                  <a:srgbClr val="000000"/>
+                </a:solidFill>
+                <a:effectLst/>
+                <a:latin typeface="Calibri" panose="020F0502020204030204" pitchFamily="34" charset="0"/>
+              </a:rPr>
+              <a:t> Thereafter, we tried a Random Forrest, and while the  results were slight improvement, it was still  too slow.</a:t>
+            </a:r>
+            <a:endParaRPr lang="en-US" b="0" dirty="0">
+              <a:effectLst/>
+            </a:endParaRPr>
+          </a:p>
+          <a:p>
+            <a:pPr rtl="0">
+              <a:spcBef>
+                <a:spcPts val="0"/>
+              </a:spcBef>
+              <a:spcAft>
+                <a:spcPts val="800"/>
+              </a:spcAft>
+            </a:pPr>
+            <a:r>
+              <a:rPr lang="en-US" sz="1800" b="0" i="0" u="none" strike="noStrike" dirty="0">
+                <a:solidFill>
+                  <a:srgbClr val="000000"/>
+                </a:solidFill>
+                <a:effectLst/>
+                <a:latin typeface="Calibri" panose="020F0502020204030204" pitchFamily="34" charset="0"/>
+              </a:rPr>
+              <a:t>In the end,  we chose XG Boost since  it was fast, flexible and gave us the best results.</a:t>
+            </a:r>
+            <a:endParaRPr lang="en-US" b="0" dirty="0">
+              <a:effectLst/>
+            </a:endParaRPr>
+          </a:p>
+          <a:p>
+            <a:br>
+              <a:rPr lang="en-US" dirty="0"/>
+            </a:br>
+            <a:endParaRPr lang="en-US" dirty="0"/>
+          </a:p>
+        </p:txBody>
+      </p:sp>
+      <p:sp>
+        <p:nvSpPr>
+          <p:cNvPr id="4" name="Slide Number Placeholder 3"/>
+          <p:cNvSpPr>
+            <a:spLocks noGrp="1"/>
+          </p:cNvSpPr>
+          <p:nvPr>
+            <p:ph type="sldNum" sz="quarter" idx="5"/>
+          </p:nvPr>
+        </p:nvSpPr>
+        <p:spPr/>
+        <p:txBody>
+          <a:bodyPr/>
+          <a:lstStyle/>
+          <a:p>
+            <a:fld id="{6BE2BF14-FE87-4A34-8ED9-2CD9352E6A79}" type="slidenum">
+              <a:rPr lang="en-US" smtClean="0"/>
+              <a:t>7</a:t>
+            </a:fld>
+            <a:endParaRPr lang="en-US"/>
+          </a:p>
+        </p:txBody>
+      </p:sp>
+    </p:spTree>
+    <p:extLst>
+      <p:ext uri="{BB962C8B-B14F-4D97-AF65-F5344CB8AC3E}">
+        <p14:creationId xmlns:p14="http://schemas.microsoft.com/office/powerpoint/2010/main" val="1694392044"/>
+      </p:ext>
+    </p:extLst>
+  </p:cSld>
+  <p:clrMapOvr>
+    <a:masterClrMapping/>
+  </p:clrMapOvr>
+</p:notes>
+</file>
+
+<file path=ppt/notesSlides/notesSlide8.xml><?xml version="1.0" encoding="utf-8"?>
+<p:notes xmlns:a="http://schemas.openxmlformats.org/drawingml/2006/main" xmlns:r="http://schemas.openxmlformats.org/officeDocument/2006/relationships" xmlns:p="http://schemas.openxmlformats.org/presentationml/2006/main">
+  <p:cSld>
+    <p:spTree>
+      <p:nvGrpSpPr>
+        <p:cNvPr id="1" name=""/>
+        <p:cNvGrpSpPr/>
+        <p:nvPr/>
+      </p:nvGrpSpPr>
+      <p:grpSpPr>
+        <a:xfrm>
+          <a:off x="0" y="0"/>
+          <a:ext cx="0" cy="0"/>
+          <a:chOff x="0" y="0"/>
+          <a:chExt cx="0" cy="0"/>
+        </a:xfrm>
+      </p:grpSpPr>
+      <p:sp>
+        <p:nvSpPr>
+          <p:cNvPr id="2" name="Slide Image Placeholder 1"/>
+          <p:cNvSpPr>
+            <a:spLocks noGrp="1" noRot="1" noChangeAspect="1"/>
+          </p:cNvSpPr>
+          <p:nvPr>
+            <p:ph type="sldImg"/>
+          </p:nvPr>
+        </p:nvSpPr>
+        <p:spPr/>
+      </p:sp>
+      <p:sp>
+        <p:nvSpPr>
+          <p:cNvPr id="3" name="Notes Placeholder 2"/>
+          <p:cNvSpPr>
+            <a:spLocks noGrp="1"/>
+          </p:cNvSpPr>
+          <p:nvPr>
+            <p:ph type="body" idx="1"/>
+          </p:nvPr>
+        </p:nvSpPr>
+        <p:spPr/>
+        <p:txBody>
+          <a:bodyPr/>
+          <a:lstStyle/>
+          <a:p>
+            <a:pPr rtl="0">
+              <a:spcBef>
+                <a:spcPts val="0"/>
+              </a:spcBef>
+              <a:spcAft>
+                <a:spcPts val="800"/>
+              </a:spcAft>
+            </a:pPr>
+            <a:r>
+              <a:rPr lang="en-US" sz="1800" b="0" i="0" u="none" strike="noStrike" dirty="0">
+                <a:solidFill>
+                  <a:srgbClr val="000000"/>
+                </a:solidFill>
+                <a:effectLst/>
+                <a:latin typeface="Calibri" panose="020F0502020204030204" pitchFamily="34" charset="0"/>
+              </a:rPr>
+              <a:t>Before modeling we had to decide which features to use. To help us decide, we created a correlation matrix….</a:t>
+            </a:r>
+            <a:endParaRPr lang="en-US" b="0" dirty="0">
+              <a:effectLst/>
+            </a:endParaRPr>
+          </a:p>
+          <a:p>
+            <a:pPr rtl="0">
+              <a:spcBef>
+                <a:spcPts val="0"/>
+              </a:spcBef>
+              <a:spcAft>
+                <a:spcPts val="800"/>
+              </a:spcAft>
+            </a:pPr>
+            <a:r>
+              <a:rPr lang="en-US" sz="1800" b="0" i="1" u="none" strike="noStrike" dirty="0">
+                <a:solidFill>
+                  <a:srgbClr val="000000"/>
+                </a:solidFill>
+                <a:effectLst/>
+                <a:latin typeface="Calibri" panose="020F0502020204030204" pitchFamily="34" charset="0"/>
+              </a:rPr>
+              <a:t>WHATEVER YOU WANT, READ THE SLIDE FOR GUIDANCE</a:t>
+            </a:r>
+            <a:endParaRPr lang="en-US" b="0" dirty="0">
+              <a:effectLst/>
+            </a:endParaRPr>
+          </a:p>
+          <a:p>
+            <a:br>
+              <a:rPr lang="en-US" dirty="0"/>
+            </a:br>
+            <a:endParaRPr lang="en-US" dirty="0"/>
+          </a:p>
+        </p:txBody>
+      </p:sp>
+      <p:sp>
+        <p:nvSpPr>
+          <p:cNvPr id="4" name="Slide Number Placeholder 3"/>
+          <p:cNvSpPr>
+            <a:spLocks noGrp="1"/>
+          </p:cNvSpPr>
+          <p:nvPr>
+            <p:ph type="sldNum" sz="quarter" idx="5"/>
+          </p:nvPr>
+        </p:nvSpPr>
+        <p:spPr/>
+        <p:txBody>
+          <a:bodyPr/>
+          <a:lstStyle/>
+          <a:p>
+            <a:fld id="{6BE2BF14-FE87-4A34-8ED9-2CD9352E6A79}" type="slidenum">
+              <a:rPr lang="en-US" smtClean="0"/>
+              <a:t>8</a:t>
+            </a:fld>
+            <a:endParaRPr lang="en-US"/>
+          </a:p>
+        </p:txBody>
+      </p:sp>
+    </p:spTree>
+    <p:extLst>
+      <p:ext uri="{BB962C8B-B14F-4D97-AF65-F5344CB8AC3E}">
+        <p14:creationId xmlns:p14="http://schemas.microsoft.com/office/powerpoint/2010/main" val="554749991"/>
+      </p:ext>
+    </p:extLst>
+  </p:cSld>
+  <p:clrMapOvr>
+    <a:masterClrMapping/>
+  </p:clrMapOvr>
+</p:notes>
+</file>
+
+<file path=ppt/notesSlides/notesSlide9.xml><?xml version="1.0" encoding="utf-8"?>
+<p:notes xmlns:a="http://schemas.openxmlformats.org/drawingml/2006/main" xmlns:r="http://schemas.openxmlformats.org/officeDocument/2006/relationships" xmlns:p="http://schemas.openxmlformats.org/presentationml/2006/main">
+  <p:cSld>
+    <p:spTree>
+      <p:nvGrpSpPr>
+        <p:cNvPr id="1" name=""/>
+        <p:cNvGrpSpPr/>
+        <p:nvPr/>
+      </p:nvGrpSpPr>
+      <p:grpSpPr>
+        <a:xfrm>
+          <a:off x="0" y="0"/>
+          <a:ext cx="0" cy="0"/>
+          <a:chOff x="0" y="0"/>
+          <a:chExt cx="0" cy="0"/>
+        </a:xfrm>
+      </p:grpSpPr>
+      <p:sp>
+        <p:nvSpPr>
+          <p:cNvPr id="2" name="Slide Image Placeholder 1"/>
+          <p:cNvSpPr>
+            <a:spLocks noGrp="1" noRot="1" noChangeAspect="1"/>
+          </p:cNvSpPr>
+          <p:nvPr>
+            <p:ph type="sldImg"/>
+          </p:nvPr>
+        </p:nvSpPr>
+        <p:spPr/>
+      </p:sp>
+      <p:sp>
+        <p:nvSpPr>
+          <p:cNvPr id="3" name="Notes Placeholder 2"/>
+          <p:cNvSpPr>
+            <a:spLocks noGrp="1"/>
+          </p:cNvSpPr>
+          <p:nvPr>
+            <p:ph type="body" idx="1"/>
+          </p:nvPr>
+        </p:nvSpPr>
+        <p:spPr/>
+        <p:txBody>
+          <a:bodyPr/>
+          <a:lstStyle/>
+          <a:p>
+            <a:r>
+              <a:rPr lang="en-US" sz="1800" b="1" i="0" u="none" strike="noStrike" dirty="0">
+                <a:solidFill>
+                  <a:srgbClr val="000000"/>
+                </a:solidFill>
+                <a:effectLst/>
+                <a:latin typeface="Calibri" panose="020F0502020204030204" pitchFamily="34" charset="0"/>
+              </a:rPr>
+              <a:t>We begin the code by importing libraries, defining the model and selected features. IN this particular case shown, ‘</a:t>
+            </a:r>
+            <a:r>
+              <a:rPr lang="en-US" sz="1800" b="1" i="0" u="none" strike="noStrike" dirty="0" err="1">
+                <a:solidFill>
+                  <a:srgbClr val="000000"/>
+                </a:solidFill>
+                <a:effectLst/>
+                <a:latin typeface="Calibri" panose="020F0502020204030204" pitchFamily="34" charset="0"/>
+              </a:rPr>
+              <a:t>dti</a:t>
+            </a:r>
+            <a:r>
+              <a:rPr lang="en-US" sz="1800" b="1" i="0" u="none" strike="noStrike" dirty="0">
+                <a:solidFill>
+                  <a:srgbClr val="000000"/>
+                </a:solidFill>
+                <a:effectLst/>
+                <a:latin typeface="Calibri" panose="020F0502020204030204" pitchFamily="34" charset="0"/>
+              </a:rPr>
+              <a:t>’ is selected.</a:t>
+            </a:r>
+            <a:endParaRPr lang="en-US" dirty="0"/>
+          </a:p>
+        </p:txBody>
+      </p:sp>
+      <p:sp>
+        <p:nvSpPr>
+          <p:cNvPr id="4" name="Slide Number Placeholder 3"/>
+          <p:cNvSpPr>
+            <a:spLocks noGrp="1"/>
+          </p:cNvSpPr>
+          <p:nvPr>
+            <p:ph type="sldNum" sz="quarter" idx="5"/>
+          </p:nvPr>
+        </p:nvSpPr>
+        <p:spPr/>
+        <p:txBody>
+          <a:bodyPr/>
+          <a:lstStyle/>
+          <a:p>
+            <a:fld id="{6BE2BF14-FE87-4A34-8ED9-2CD9352E6A79}" type="slidenum">
+              <a:rPr lang="en-US" smtClean="0"/>
+              <a:t>9</a:t>
+            </a:fld>
+            <a:endParaRPr lang="en-US"/>
+          </a:p>
+        </p:txBody>
+      </p:sp>
+    </p:spTree>
+    <p:extLst>
+      <p:ext uri="{BB962C8B-B14F-4D97-AF65-F5344CB8AC3E}">
+        <p14:creationId xmlns:p14="http://schemas.microsoft.com/office/powerpoint/2010/main" val="1063777234"/>
+      </p:ext>
+    </p:extLst>
+  </p:cSld>
+  <p:clrMapOvr>
+    <a:masterClrMapping/>
+  </p:clrMapOvr>
+</p:notes>
 </file>
 
 <file path=ppt/slideLayouts/slideLayout1.xml><?xml version="1.0" encoding="utf-8"?>
@@ -6184,7 +10083,7 @@
           <p:nvPr/>
         </p:nvPicPr>
         <p:blipFill>
-          <a:blip r:embed="rId2">
+          <a:blip r:embed="rId3">
             <a:extLst>
               <a:ext uri="{28A0092B-C50C-407E-A947-70E740481C1C}">
                 <a14:useLocalDpi xmlns:a14="http://schemas.microsoft.com/office/drawing/2010/main" val="0"/>
@@ -6261,7 +10160,7 @@
           <p:nvPr/>
         </p:nvPicPr>
         <p:blipFill>
-          <a:blip r:embed="rId2"/>
+          <a:blip r:embed="rId3"/>
           <a:stretch>
             <a:fillRect/>
           </a:stretch>
@@ -6291,7 +10190,7 @@
           <p:nvPr/>
         </p:nvPicPr>
         <p:blipFill>
-          <a:blip r:embed="rId3">
+          <a:blip r:embed="rId4">
             <a:extLst>
               <a:ext uri="{28A0092B-C50C-407E-A947-70E740481C1C}">
                 <a14:useLocalDpi xmlns:a14="http://schemas.microsoft.com/office/drawing/2010/main" val="0"/>
@@ -6370,7 +10269,7 @@
           </p:nvPr>
         </p:nvPicPr>
         <p:blipFill>
-          <a:blip r:embed="rId2"/>
+          <a:blip r:embed="rId3"/>
           <a:stretch>
             <a:fillRect/>
           </a:stretch>
@@ -6513,7 +10412,7 @@
           <p:nvPr/>
         </p:nvPicPr>
         <p:blipFill>
-          <a:blip r:embed="rId2"/>
+          <a:blip r:embed="rId3"/>
           <a:stretch>
             <a:fillRect/>
           </a:stretch>
@@ -6609,7 +10508,7 @@
           <p:nvPr/>
         </p:nvPicPr>
         <p:blipFill>
-          <a:blip r:embed="rId2"/>
+          <a:blip r:embed="rId3"/>
           <a:stretch>
             <a:fillRect/>
           </a:stretch>
@@ -6641,7 +10540,7 @@
           </p:nvPr>
         </p:nvPicPr>
         <p:blipFill>
-          <a:blip r:embed="rId3">
+          <a:blip r:embed="rId4">
             <a:extLst>
               <a:ext uri="{28A0092B-C50C-407E-A947-70E740481C1C}">
                 <a14:useLocalDpi xmlns:a14="http://schemas.microsoft.com/office/drawing/2010/main" val="0"/>
@@ -6708,6 +10607,102 @@
           <p:cNvPr id="2" name="Title 1">
             <a:extLst>
               <a:ext uri="{FF2B5EF4-FFF2-40B4-BE49-F238E27FC236}">
+                <a16:creationId xmlns:a16="http://schemas.microsoft.com/office/drawing/2014/main" id="{E1A4DBAF-1511-4A9D-8416-62019F50B2F4}"/>
+              </a:ext>
+            </a:extLst>
+          </p:cNvPr>
+          <p:cNvSpPr>
+            <a:spLocks noGrp="1"/>
+          </p:cNvSpPr>
+          <p:nvPr>
+            <p:ph type="title"/>
+          </p:nvPr>
+        </p:nvSpPr>
+        <p:spPr>
+          <a:xfrm>
+            <a:off x="288759" y="452718"/>
+            <a:ext cx="9762076" cy="1400530"/>
+          </a:xfrm>
+        </p:spPr>
+        <p:txBody>
+          <a:bodyPr/>
+          <a:lstStyle/>
+          <a:p>
+            <a:r>
+              <a:rPr lang="en-US" dirty="0"/>
+              <a:t>Confusion Matrix </a:t>
+            </a:r>
+            <a:r>
+              <a:rPr lang="en-US" sz="3600" dirty="0"/>
+              <a:t>(logistics/unbalanced)</a:t>
+            </a:r>
+          </a:p>
+        </p:txBody>
+      </p:sp>
+      <p:pic>
+        <p:nvPicPr>
+          <p:cNvPr id="4" name="Picture 3">
+            <a:extLst>
+              <a:ext uri="{FF2B5EF4-FFF2-40B4-BE49-F238E27FC236}">
+                <a16:creationId xmlns:a16="http://schemas.microsoft.com/office/drawing/2014/main" id="{3AC0FBEF-0193-490C-8195-82C45247AF99}"/>
+              </a:ext>
+            </a:extLst>
+          </p:cNvPr>
+          <p:cNvPicPr>
+            <a:picLocks noChangeAspect="1"/>
+          </p:cNvPicPr>
+          <p:nvPr/>
+        </p:nvPicPr>
+        <p:blipFill rotWithShape="1">
+          <a:blip r:embed="rId2"/>
+          <a:srcRect l="15005" t="13420" r="12101" b="552"/>
+          <a:stretch/>
+        </p:blipFill>
+        <p:spPr>
+          <a:xfrm>
+            <a:off x="3874168" y="1355558"/>
+            <a:ext cx="4026569" cy="5178062"/>
+          </a:xfrm>
+          <a:prstGeom prst="rect">
+            <a:avLst/>
+          </a:prstGeom>
+        </p:spPr>
+      </p:pic>
+    </p:spTree>
+    <p:extLst>
+      <p:ext uri="{BB962C8B-B14F-4D97-AF65-F5344CB8AC3E}">
+        <p14:creationId xmlns:p14="http://schemas.microsoft.com/office/powerpoint/2010/main" val="3450920154"/>
+      </p:ext>
+    </p:extLst>
+  </p:cSld>
+  <p:clrMapOvr>
+    <a:masterClrMapping/>
+  </p:clrMapOvr>
+</p:sld>
+</file>
+
+<file path=ppt/slides/slide16.xml><?xml version="1.0" encoding="utf-8"?>
+<p:sld xmlns:a="http://schemas.openxmlformats.org/drawingml/2006/main" xmlns:r="http://schemas.openxmlformats.org/officeDocument/2006/relationships" xmlns:p="http://schemas.openxmlformats.org/presentationml/2006/main">
+  <p:cSld>
+    <p:spTree>
+      <p:nvGrpSpPr>
+        <p:cNvPr id="1" name=""/>
+        <p:cNvGrpSpPr/>
+        <p:nvPr/>
+      </p:nvGrpSpPr>
+      <p:grpSpPr>
+        <a:xfrm>
+          <a:off x="0" y="0"/>
+          <a:ext cx="0" cy="0"/>
+          <a:chOff x="0" y="0"/>
+          <a:chExt cx="0" cy="0"/>
+        </a:xfrm>
+      </p:grpSpPr>
+      <p:sp>
+        <p:nvSpPr>
+          <p:cNvPr id="2" name="Title 1">
+            <a:extLst>
+              <a:ext uri="{FF2B5EF4-FFF2-40B4-BE49-F238E27FC236}">
                 <a16:creationId xmlns:a16="http://schemas.microsoft.com/office/drawing/2014/main" id="{2ED2BA0B-A1AF-4F89-AF0A-97614E6ABCA7}"/>
               </a:ext>
             </a:extLst>
@@ -6751,7 +10746,7 @@
           <p:nvPr/>
         </p:nvPicPr>
         <p:blipFill>
-          <a:blip r:embed="rId2">
+          <a:blip r:embed="rId3">
             <a:extLst>
               <a:ext uri="{28A0092B-C50C-407E-A947-70E740481C1C}">
                 <a14:useLocalDpi xmlns:a14="http://schemas.microsoft.com/office/drawing/2010/main" val="0"/>
@@ -6798,7 +10793,7 @@
           <p:nvPr/>
         </p:nvPicPr>
         <p:blipFill>
-          <a:blip r:embed="rId3"/>
+          <a:blip r:embed="rId4"/>
           <a:stretch>
             <a:fillRect/>
           </a:stretch>
@@ -6826,7 +10821,7 @@
 </p:sld>
 </file>
 
-<file path=ppt/slides/slide16.xml><?xml version="1.0" encoding="utf-8"?>
+<file path=ppt/slides/slide17.xml><?xml version="1.0" encoding="utf-8"?>
 <p:sld xmlns:a="http://schemas.openxmlformats.org/drawingml/2006/main" xmlns:r="http://schemas.openxmlformats.org/officeDocument/2006/relationships" xmlns:p="http://schemas.openxmlformats.org/presentationml/2006/main">
   <p:cSld>
     <p:spTree>
@@ -6958,7 +10953,7 @@
           <p:nvPr/>
         </p:nvPicPr>
         <p:blipFill>
-          <a:blip r:embed="rId2">
+          <a:blip r:embed="rId3">
             <a:extLst>
               <a:ext uri="{28A0092B-C50C-407E-A947-70E740481C1C}">
                 <a14:useLocalDpi xmlns:a14="http://schemas.microsoft.com/office/drawing/2010/main" val="0"/>
@@ -7005,7 +11000,7 @@
           <p:nvPr/>
         </p:nvPicPr>
         <p:blipFill>
-          <a:blip r:embed="rId3"/>
+          <a:blip r:embed="rId4"/>
           <a:stretch>
             <a:fillRect/>
           </a:stretch>
@@ -7033,275 +11028,6 @@
 </p:sld>
 </file>
 
-<file path=ppt/slides/slide17.xml><?xml version="1.0" encoding="utf-8"?>
-<p:sld xmlns:a="http://schemas.openxmlformats.org/drawingml/2006/main" xmlns:r="http://schemas.openxmlformats.org/officeDocument/2006/relationships" xmlns:p="http://schemas.openxmlformats.org/presentationml/2006/main">
-  <p:cSld>
-    <p:spTree>
-      <p:nvGrpSpPr>
-        <p:cNvPr id="1" name=""/>
-        <p:cNvGrpSpPr/>
-        <p:nvPr/>
-      </p:nvGrpSpPr>
-      <p:grpSpPr>
-        <a:xfrm>
-          <a:off x="0" y="0"/>
-          <a:ext cx="0" cy="0"/>
-          <a:chOff x="0" y="0"/>
-          <a:chExt cx="0" cy="0"/>
-        </a:xfrm>
-      </p:grpSpPr>
-      <p:sp>
-        <p:nvSpPr>
-          <p:cNvPr id="2" name="Title 1">
-            <a:extLst>
-              <a:ext uri="{FF2B5EF4-FFF2-40B4-BE49-F238E27FC236}">
-                <a16:creationId xmlns:a16="http://schemas.microsoft.com/office/drawing/2014/main" id="{2ED2BA0B-A1AF-4F89-AF0A-97614E6ABCA7}"/>
-              </a:ext>
-            </a:extLst>
-          </p:cNvPr>
-          <p:cNvSpPr>
-            <a:spLocks noGrp="1"/>
-          </p:cNvSpPr>
-          <p:nvPr>
-            <p:ph type="title"/>
-          </p:nvPr>
-        </p:nvSpPr>
-        <p:spPr>
-          <a:xfrm>
-            <a:off x="646111" y="452718"/>
-            <a:ext cx="9964739" cy="1400530"/>
-          </a:xfrm>
-        </p:spPr>
-        <p:txBody>
-          <a:bodyPr/>
-          <a:lstStyle/>
-          <a:p>
-            <a:r>
-              <a:rPr lang="en-US" dirty="0" err="1"/>
-              <a:t>Kfold</a:t>
-            </a:r>
-            <a:r>
-              <a:rPr lang="en-US" dirty="0"/>
-              <a:t> vs </a:t>
-            </a:r>
-            <a:r>
-              <a:rPr lang="en-US" dirty="0" err="1"/>
-              <a:t>NoKfold</a:t>
-            </a:r>
-            <a:endParaRPr lang="en-US" dirty="0"/>
-          </a:p>
-        </p:txBody>
-      </p:sp>
-      <p:sp>
-        <p:nvSpPr>
-          <p:cNvPr id="8" name="Content Placeholder 2">
-            <a:extLst>
-              <a:ext uri="{FF2B5EF4-FFF2-40B4-BE49-F238E27FC236}">
-                <a16:creationId xmlns:a16="http://schemas.microsoft.com/office/drawing/2014/main" id="{C1EB0DFE-30E3-4676-ADE0-8849B5732D15}"/>
-              </a:ext>
-            </a:extLst>
-          </p:cNvPr>
-          <p:cNvSpPr>
-            <a:spLocks noGrp="1"/>
-          </p:cNvSpPr>
-          <p:nvPr>
-            <p:ph idx="1"/>
-          </p:nvPr>
-        </p:nvSpPr>
-        <p:spPr>
-          <a:xfrm>
-            <a:off x="4893869" y="1203158"/>
-            <a:ext cx="5526479" cy="5202124"/>
-          </a:xfrm>
-        </p:spPr>
-        <p:txBody>
-          <a:bodyPr>
-            <a:noAutofit/>
-          </a:bodyPr>
-          <a:lstStyle/>
-          <a:p>
-            <a:pPr lvl="1">
-              <a:lnSpc>
-                <a:spcPct val="150000"/>
-              </a:lnSpc>
-            </a:pPr>
-            <a:r>
-              <a:rPr lang="en-US" dirty="0"/>
-              <a:t>Accuracy: 69% vs 71% with </a:t>
-            </a:r>
-            <a:r>
-              <a:rPr lang="en-US" dirty="0" err="1"/>
-              <a:t>Kfold</a:t>
-            </a:r>
-            <a:endParaRPr lang="en-US" dirty="0"/>
-          </a:p>
-          <a:p>
-            <a:pPr lvl="1">
-              <a:lnSpc>
-                <a:spcPct val="150000"/>
-              </a:lnSpc>
-            </a:pPr>
-            <a:r>
-              <a:rPr lang="en-US" dirty="0"/>
-              <a:t>FP affect Precision measure</a:t>
-            </a:r>
-          </a:p>
-          <a:p>
-            <a:pPr lvl="1">
-              <a:lnSpc>
-                <a:spcPct val="150000"/>
-              </a:lnSpc>
-            </a:pPr>
-            <a:r>
-              <a:rPr lang="en-US" dirty="0"/>
-              <a:t>FN affect Recall Measure</a:t>
-            </a:r>
-          </a:p>
-          <a:p>
-            <a:pPr lvl="1">
-              <a:lnSpc>
-                <a:spcPct val="150000"/>
-              </a:lnSpc>
-            </a:pPr>
-            <a:r>
-              <a:rPr lang="en-US" dirty="0"/>
-              <a:t>Specificity is the True Negative Rate.</a:t>
-            </a:r>
-            <a:br>
-              <a:rPr lang="en-US" dirty="0"/>
-            </a:br>
-            <a:r>
-              <a:rPr lang="en-US" dirty="0"/>
-              <a:t>The model has trouble predicting true negative (Bad Loans)</a:t>
-            </a:r>
-          </a:p>
-          <a:p>
-            <a:pPr lvl="1">
-              <a:lnSpc>
-                <a:spcPct val="150000"/>
-              </a:lnSpc>
-            </a:pPr>
-            <a:r>
-              <a:rPr lang="en-US" dirty="0"/>
-              <a:t>Best compromise is using </a:t>
-            </a:r>
-            <a:r>
-              <a:rPr lang="en-US" dirty="0" err="1"/>
-              <a:t>XGBoost</a:t>
-            </a:r>
-            <a:r>
-              <a:rPr lang="en-US" dirty="0"/>
-              <a:t>, applying a weight to the data and using Cross </a:t>
-            </a:r>
-            <a:r>
-              <a:rPr lang="en-US" dirty="0" err="1"/>
-              <a:t>Validiation</a:t>
-            </a:r>
-            <a:r>
-              <a:rPr lang="en-US" dirty="0"/>
-              <a:t> w/</a:t>
-            </a:r>
-            <a:r>
-              <a:rPr lang="en-US" dirty="0" err="1"/>
-              <a:t>Kfold</a:t>
-            </a:r>
-            <a:r>
-              <a:rPr lang="en-US" dirty="0"/>
-              <a:t> Stratified</a:t>
-            </a:r>
-          </a:p>
-        </p:txBody>
-      </p:sp>
-      <p:pic>
-        <p:nvPicPr>
-          <p:cNvPr id="3074" name="Picture 2">
-            <a:extLst>
-              <a:ext uri="{FF2B5EF4-FFF2-40B4-BE49-F238E27FC236}">
-                <a16:creationId xmlns:a16="http://schemas.microsoft.com/office/drawing/2014/main" id="{D144FF69-0CE2-460F-9FAD-5A20EDD61E58}"/>
-              </a:ext>
-            </a:extLst>
-          </p:cNvPr>
-          <p:cNvPicPr>
-            <a:picLocks noChangeAspect="1" noChangeArrowheads="1"/>
-          </p:cNvPicPr>
-          <p:nvPr/>
-        </p:nvPicPr>
-        <p:blipFill>
-          <a:blip r:embed="rId2">
-            <a:extLst>
-              <a:ext uri="{28A0092B-C50C-407E-A947-70E740481C1C}">
-                <a14:useLocalDpi xmlns:a14="http://schemas.microsoft.com/office/drawing/2010/main" val="0"/>
-              </a:ext>
-            </a:extLst>
-          </a:blip>
-          <a:srcRect/>
-          <a:stretch>
-            <a:fillRect/>
-          </a:stretch>
-        </p:blipFill>
-        <p:spPr bwMode="auto">
-          <a:xfrm>
-            <a:off x="948474" y="1613706"/>
-            <a:ext cx="3914775" cy="2305050"/>
-          </a:xfrm>
-          <a:prstGeom prst="rect">
-            <a:avLst/>
-          </a:prstGeom>
-          <a:noFill/>
-          <a:extLst>
-            <a:ext uri="{909E8E84-426E-40DD-AFC4-6F175D3DCCD1}">
-              <a14:hiddenFill xmlns:a14="http://schemas.microsoft.com/office/drawing/2010/main">
-                <a:solidFill>
-                  <a:srgbClr val="FFFFFF"/>
-                </a:solidFill>
-              </a14:hiddenFill>
-            </a:ext>
-          </a:extLst>
-        </p:spPr>
-      </p:pic>
-      <p:pic>
-        <p:nvPicPr>
-          <p:cNvPr id="9" name="Picture 8">
-            <a:extLst>
-              <a:ext uri="{FF2B5EF4-FFF2-40B4-BE49-F238E27FC236}">
-                <a16:creationId xmlns:a16="http://schemas.microsoft.com/office/drawing/2014/main" id="{EDC10178-E223-4DE6-B5E7-254622AB0499}"/>
-              </a:ext>
-            </a:extLst>
-          </p:cNvPr>
-          <p:cNvPicPr>
-            <a:picLocks noChangeAspect="1"/>
-          </p:cNvPicPr>
-          <p:nvPr/>
-        </p:nvPicPr>
-        <p:blipFill>
-          <a:blip r:embed="rId3"/>
-          <a:stretch>
-            <a:fillRect/>
-          </a:stretch>
-        </p:blipFill>
-        <p:spPr>
-          <a:xfrm>
-            <a:off x="1039194" y="3919038"/>
-            <a:ext cx="3733333" cy="2171429"/>
-          </a:xfrm>
-          <a:prstGeom prst="rect">
-            <a:avLst/>
-          </a:prstGeom>
-        </p:spPr>
-      </p:pic>
-    </p:spTree>
-    <p:extLst>
-      <p:ext uri="{BB962C8B-B14F-4D97-AF65-F5344CB8AC3E}">
-        <p14:creationId xmlns:p14="http://schemas.microsoft.com/office/powerpoint/2010/main" val="159090288"/>
-      </p:ext>
-    </p:extLst>
-  </p:cSld>
-  <p:clrMapOvr>
-    <a:masterClrMapping/>
-  </p:clrMapOvr>
-</p:sld>
-</file>
-
 <file path=ppt/slides/slide18.xml><?xml version="1.0" encoding="utf-8"?>
 <p:sld xmlns:a="http://schemas.openxmlformats.org/drawingml/2006/main" xmlns:r="http://schemas.openxmlformats.org/officeDocument/2006/relationships" xmlns:p="http://schemas.openxmlformats.org/presentationml/2006/main">
   <p:cSld>
@@ -7346,18 +11072,27 @@
           <a:lstStyle/>
           <a:p>
             <a:r>
+              <a:rPr lang="en-US" dirty="0" err="1"/>
+              <a:t>Kfold</a:t>
+            </a:r>
+            <a:r>
               <a:rPr lang="en-US" dirty="0"/>
-              <a:t>Conclusion</a:t>
-            </a:r>
-          </a:p>
-        </p:txBody>
-      </p:sp>
-      <p:sp>
-        <p:nvSpPr>
-          <p:cNvPr id="5" name="Content Placeholder 4">
+              <a:t> vs </a:t>
+            </a:r>
+            <a:r>
+              <a:rPr lang="en-US" dirty="0" err="1"/>
+              <a:t>NoKfold</a:t>
+            </a:r>
+            <a:endParaRPr lang="en-US" dirty="0"/>
+          </a:p>
+        </p:txBody>
+      </p:sp>
+      <p:sp>
+        <p:nvSpPr>
+          <p:cNvPr id="8" name="Content Placeholder 2">
             <a:extLst>
               <a:ext uri="{FF2B5EF4-FFF2-40B4-BE49-F238E27FC236}">
-                <a16:creationId xmlns:a16="http://schemas.microsoft.com/office/drawing/2014/main" id="{0B7464C9-88D5-4DD0-A7E8-1C1F69C8547C}"/>
+                <a16:creationId xmlns:a16="http://schemas.microsoft.com/office/drawing/2014/main" id="{C1EB0DFE-30E3-4676-ADE0-8849B5732D15}"/>
               </a:ext>
             </a:extLst>
           </p:cNvPr>
@@ -7368,57 +11103,115 @@
             <p:ph idx="1"/>
           </p:nvPr>
         </p:nvSpPr>
-        <p:spPr/>
+        <p:spPr>
+          <a:xfrm>
+            <a:off x="5017766" y="2883181"/>
+            <a:ext cx="5526479" cy="1520377"/>
+          </a:xfrm>
+        </p:spPr>
         <p:txBody>
           <a:bodyPr>
-            <a:normAutofit/>
+            <a:noAutofit/>
           </a:bodyPr>
           <a:lstStyle/>
           <a:p>
+            <a:pPr lvl="1">
+              <a:lnSpc>
+                <a:spcPct val="150000"/>
+              </a:lnSpc>
+            </a:pPr>
             <a:r>
               <a:rPr lang="en-US" dirty="0"/>
-              <a:t>Accuracy  is not high enough for a financial loan institutions</a:t>
-            </a:r>
-          </a:p>
-          <a:p>
+              <a:t>Accuracy: 64% vs 62% with </a:t>
+            </a:r>
+            <a:r>
+              <a:rPr lang="en-US" dirty="0" err="1"/>
+              <a:t>Kfold</a:t>
+            </a:r>
+            <a:endParaRPr lang="en-US" dirty="0"/>
+          </a:p>
+          <a:p>
+            <a:pPr lvl="1">
+              <a:lnSpc>
+                <a:spcPct val="150000"/>
+              </a:lnSpc>
+            </a:pPr>
             <a:r>
               <a:rPr lang="en-US" dirty="0"/>
-              <a:t>Based on Precision, Recall and Specificity scores, the model can not sufficiently label enough bad loans correctly. </a:t>
-            </a:r>
-          </a:p>
-          <a:p>
-            <a:r>
-              <a:rPr lang="en-US" dirty="0"/>
-              <a:t>The dataset’s imbalanced ratio between good and bad loans had to be mitigated to avoid bias</a:t>
-            </a:r>
-          </a:p>
-          <a:p>
-            <a:pPr lvl="1"/>
-            <a:r>
-              <a:rPr lang="en-US" dirty="0"/>
-              <a:t>Was it successful?</a:t>
-            </a:r>
-          </a:p>
-          <a:p>
-            <a:r>
-              <a:rPr lang="en-US" dirty="0"/>
-              <a:t>The model’s results were moderately improved by cross-validation </a:t>
+              <a:t>Specificity: 63% vs 66% with </a:t>
             </a:r>
             <a:r>
               <a:rPr lang="en-US" dirty="0" err="1"/>
               <a:t>KFold</a:t>
             </a:r>
-            <a:r>
-              <a:rPr lang="en-US" dirty="0"/>
-              <a:t> Stratified.</a:t>
-            </a:r>
-          </a:p>
-        </p:txBody>
-      </p:sp>
+            <a:endParaRPr lang="en-US" dirty="0"/>
+          </a:p>
+        </p:txBody>
+      </p:sp>
+      <p:pic>
+        <p:nvPicPr>
+          <p:cNvPr id="3" name="Picture 2">
+            <a:extLst>
+              <a:ext uri="{FF2B5EF4-FFF2-40B4-BE49-F238E27FC236}">
+                <a16:creationId xmlns:a16="http://schemas.microsoft.com/office/drawing/2014/main" id="{2C2E46A4-1B9F-414C-99E4-51F81C25ED4D}"/>
+              </a:ext>
+            </a:extLst>
+          </p:cNvPr>
+          <p:cNvPicPr>
+            <a:picLocks noChangeAspect="1"/>
+          </p:cNvPicPr>
+          <p:nvPr/>
+        </p:nvPicPr>
+        <p:blipFill>
+          <a:blip r:embed="rId3"/>
+          <a:stretch>
+            <a:fillRect/>
+          </a:stretch>
+        </p:blipFill>
+        <p:spPr>
+          <a:xfrm>
+            <a:off x="960510" y="1392040"/>
+            <a:ext cx="3742857" cy="2180952"/>
+          </a:xfrm>
+          <a:prstGeom prst="rect">
+            <a:avLst/>
+          </a:prstGeom>
+        </p:spPr>
+      </p:pic>
+      <p:pic>
+        <p:nvPicPr>
+          <p:cNvPr id="4" name="Picture 3">
+            <a:extLst>
+              <a:ext uri="{FF2B5EF4-FFF2-40B4-BE49-F238E27FC236}">
+                <a16:creationId xmlns:a16="http://schemas.microsoft.com/office/drawing/2014/main" id="{52C0D48C-04CA-4BB6-AD78-098AF90F6D34}"/>
+              </a:ext>
+            </a:extLst>
+          </p:cNvPr>
+          <p:cNvPicPr>
+            <a:picLocks noChangeAspect="1"/>
+          </p:cNvPicPr>
+          <p:nvPr/>
+        </p:nvPicPr>
+        <p:blipFill>
+          <a:blip r:embed="rId4"/>
+          <a:stretch>
+            <a:fillRect/>
+          </a:stretch>
+        </p:blipFill>
+        <p:spPr>
+          <a:xfrm>
+            <a:off x="1017653" y="3715988"/>
+            <a:ext cx="3685714" cy="2019048"/>
+          </a:xfrm>
+          <a:prstGeom prst="rect">
+            <a:avLst/>
+          </a:prstGeom>
+        </p:spPr>
+      </p:pic>
     </p:spTree>
     <p:extLst>
       <p:ext uri="{BB962C8B-B14F-4D97-AF65-F5344CB8AC3E}">
-        <p14:creationId xmlns:p14="http://schemas.microsoft.com/office/powerpoint/2010/main" val="116769603"/>
+        <p14:creationId xmlns:p14="http://schemas.microsoft.com/office/powerpoint/2010/main" val="159090288"/>
       </p:ext>
     </p:extLst>
   </p:cSld>
@@ -7450,7 +11243,7 @@
           <p:cNvPr id="2" name="Title 1">
             <a:extLst>
               <a:ext uri="{FF2B5EF4-FFF2-40B4-BE49-F238E27FC236}">
-                <a16:creationId xmlns:a16="http://schemas.microsoft.com/office/drawing/2014/main" id="{E53D6870-69D2-448B-A119-C728C6638624}"/>
+                <a16:creationId xmlns:a16="http://schemas.microsoft.com/office/drawing/2014/main" id="{2ED2BA0B-A1AF-4F89-AF0A-97614E6ABCA7}"/>
               </a:ext>
             </a:extLst>
           </p:cNvPr>
@@ -7461,24 +11254,29 @@
             <p:ph type="title"/>
           </p:nvPr>
         </p:nvSpPr>
-        <p:spPr/>
+        <p:spPr>
+          <a:xfrm>
+            <a:off x="646111" y="452718"/>
+            <a:ext cx="9964739" cy="1400530"/>
+          </a:xfrm>
+        </p:spPr>
         <p:txBody>
           <a:bodyPr/>
           <a:lstStyle/>
           <a:p>
             <a:r>
               <a:rPr lang="en-US" dirty="0"/>
-              <a:t>Question 2: Can we forecast the average loan amount issued?</a:t>
-            </a:r>
-          </a:p>
-        </p:txBody>
-      </p:sp>
-      <p:sp>
-        <p:nvSpPr>
-          <p:cNvPr id="3" name="Content Placeholder 2">
+              <a:t>Conclusion</a:t>
+            </a:r>
+          </a:p>
+        </p:txBody>
+      </p:sp>
+      <p:sp>
+        <p:nvSpPr>
+          <p:cNvPr id="5" name="Content Placeholder 4">
             <a:extLst>
               <a:ext uri="{FF2B5EF4-FFF2-40B4-BE49-F238E27FC236}">
-                <a16:creationId xmlns:a16="http://schemas.microsoft.com/office/drawing/2014/main" id="{0B3BE4CC-367C-4BAE-966F-9308C16AC3E6}"/>
+                <a16:creationId xmlns:a16="http://schemas.microsoft.com/office/drawing/2014/main" id="{0B7464C9-88D5-4DD0-A7E8-1C1F69C8547C}"/>
               </a:ext>
             </a:extLst>
           </p:cNvPr>
@@ -7491,64 +11289,55 @@
         </p:nvSpPr>
         <p:spPr/>
         <p:txBody>
-          <a:bodyPr/>
+          <a:bodyPr>
+            <a:normAutofit/>
+          </a:bodyPr>
           <a:lstStyle/>
           <a:p>
             <a:r>
               <a:rPr lang="en-US" dirty="0"/>
-              <a:t>We’ll be preparing the loan data  </a:t>
+              <a:t>Accuracy  is not high enough for a financial loan institutions</a:t>
             </a:r>
           </a:p>
           <a:p>
             <a:r>
               <a:rPr lang="en-US" dirty="0"/>
-              <a:t>Only two columns will be used (</a:t>
+              <a:t>Based on Precision, Recall and Specificity scores, the model can not sufficiently label enough bad loans correctly. </a:t>
+            </a:r>
+          </a:p>
+          <a:p>
+            <a:r>
+              <a:rPr lang="en-US" dirty="0"/>
+              <a:t>The dataset’s imbalanced ratio between good and bad loans had to be mitigated to avoid bias</a:t>
+            </a:r>
+          </a:p>
+          <a:p>
+            <a:pPr lvl="1"/>
+            <a:r>
+              <a:rPr lang="en-US" dirty="0"/>
+              <a:t>Was it successful?</a:t>
+            </a:r>
+          </a:p>
+          <a:p>
+            <a:r>
+              <a:rPr lang="en-US" dirty="0"/>
+              <a:t>The model’s results were moderately improved by cross-validation </a:t>
             </a:r>
             <a:r>
               <a:rPr lang="en-US" dirty="0" err="1"/>
-              <a:t>Issue_d</a:t>
+              <a:t>KFold</a:t>
             </a:r>
             <a:r>
               <a:rPr lang="en-US" dirty="0"/>
-              <a:t> and </a:t>
-            </a:r>
-            <a:r>
-              <a:rPr lang="en-US" dirty="0" err="1"/>
-              <a:t>funded_amount</a:t>
-            </a:r>
-            <a:r>
-              <a:rPr lang="en-US" dirty="0"/>
-              <a:t> (avg per month)</a:t>
-            </a:r>
-          </a:p>
-          <a:p>
-            <a:r>
-              <a:rPr lang="en-US" dirty="0"/>
-              <a:t>Plot the data and spot any trends</a:t>
-            </a:r>
-          </a:p>
-          <a:p>
-            <a:r>
-              <a:rPr lang="en-US" dirty="0"/>
-              <a:t>Use ARIMA to perform the analysis</a:t>
-            </a:r>
-          </a:p>
-          <a:p>
-            <a:pPr lvl="1"/>
-            <a:r>
-              <a:rPr lang="en-US" dirty="0"/>
-              <a:t>The model will be predicting differences of the time series from a timestamp to the previous timestamp</a:t>
-            </a:r>
-          </a:p>
-          <a:p>
-            <a:endParaRPr lang="en-US" dirty="0"/>
+              <a:t> Stratified.</a:t>
+            </a:r>
           </a:p>
         </p:txBody>
       </p:sp>
     </p:spTree>
     <p:extLst>
       <p:ext uri="{BB962C8B-B14F-4D97-AF65-F5344CB8AC3E}">
-        <p14:creationId xmlns:p14="http://schemas.microsoft.com/office/powerpoint/2010/main" val="1622005862"/>
+        <p14:creationId xmlns:p14="http://schemas.microsoft.com/office/powerpoint/2010/main" val="116769603"/>
       </p:ext>
     </p:extLst>
   </p:cSld>
@@ -7680,6 +11469,136 @@
           <p:cNvPr id="2" name="Title 1">
             <a:extLst>
               <a:ext uri="{FF2B5EF4-FFF2-40B4-BE49-F238E27FC236}">
+                <a16:creationId xmlns:a16="http://schemas.microsoft.com/office/drawing/2014/main" id="{E53D6870-69D2-448B-A119-C728C6638624}"/>
+              </a:ext>
+            </a:extLst>
+          </p:cNvPr>
+          <p:cNvSpPr>
+            <a:spLocks noGrp="1"/>
+          </p:cNvSpPr>
+          <p:nvPr>
+            <p:ph type="title"/>
+          </p:nvPr>
+        </p:nvSpPr>
+        <p:spPr/>
+        <p:txBody>
+          <a:bodyPr/>
+          <a:lstStyle/>
+          <a:p>
+            <a:r>
+              <a:rPr lang="en-US" dirty="0"/>
+              <a:t>Question 2: Can we forecast the average loan amount issued?</a:t>
+            </a:r>
+          </a:p>
+        </p:txBody>
+      </p:sp>
+      <p:sp>
+        <p:nvSpPr>
+          <p:cNvPr id="3" name="Content Placeholder 2">
+            <a:extLst>
+              <a:ext uri="{FF2B5EF4-FFF2-40B4-BE49-F238E27FC236}">
+                <a16:creationId xmlns:a16="http://schemas.microsoft.com/office/drawing/2014/main" id="{0B3BE4CC-367C-4BAE-966F-9308C16AC3E6}"/>
+              </a:ext>
+            </a:extLst>
+          </p:cNvPr>
+          <p:cNvSpPr>
+            <a:spLocks noGrp="1"/>
+          </p:cNvSpPr>
+          <p:nvPr>
+            <p:ph idx="1"/>
+          </p:nvPr>
+        </p:nvSpPr>
+        <p:spPr/>
+        <p:txBody>
+          <a:bodyPr/>
+          <a:lstStyle/>
+          <a:p>
+            <a:r>
+              <a:rPr lang="en-US" dirty="0"/>
+              <a:t>We’ll be preparing the loan data  </a:t>
+            </a:r>
+          </a:p>
+          <a:p>
+            <a:r>
+              <a:rPr lang="en-US" dirty="0"/>
+              <a:t>Only two columns will be used (</a:t>
+            </a:r>
+            <a:r>
+              <a:rPr lang="en-US" dirty="0" err="1"/>
+              <a:t>Issue_d</a:t>
+            </a:r>
+            <a:r>
+              <a:rPr lang="en-US" dirty="0"/>
+              <a:t> and </a:t>
+            </a:r>
+            <a:r>
+              <a:rPr lang="en-US" dirty="0" err="1"/>
+              <a:t>funded_amount</a:t>
+            </a:r>
+            <a:r>
+              <a:rPr lang="en-US" dirty="0"/>
+              <a:t> (avg per month)</a:t>
+            </a:r>
+          </a:p>
+          <a:p>
+            <a:r>
+              <a:rPr lang="en-US" dirty="0"/>
+              <a:t>Plot the data and spot any trends</a:t>
+            </a:r>
+          </a:p>
+          <a:p>
+            <a:r>
+              <a:rPr lang="en-US" dirty="0"/>
+              <a:t>Use ARIMA to perform the analysis</a:t>
+            </a:r>
+          </a:p>
+          <a:p>
+            <a:pPr lvl="1"/>
+            <a:r>
+              <a:rPr lang="en-US" dirty="0"/>
+              <a:t>The model will be predicting differences of the time series from a timestamp to the previous timestamp</a:t>
+            </a:r>
+          </a:p>
+          <a:p>
+            <a:endParaRPr lang="en-US" dirty="0"/>
+          </a:p>
+        </p:txBody>
+      </p:sp>
+    </p:spTree>
+    <p:extLst>
+      <p:ext uri="{BB962C8B-B14F-4D97-AF65-F5344CB8AC3E}">
+        <p14:creationId xmlns:p14="http://schemas.microsoft.com/office/powerpoint/2010/main" val="1622005862"/>
+      </p:ext>
+    </p:extLst>
+  </p:cSld>
+  <p:clrMapOvr>
+    <a:masterClrMapping/>
+  </p:clrMapOvr>
+</p:sld>
+</file>
+
+<file path=ppt/slides/slide21.xml><?xml version="1.0" encoding="utf-8"?>
+<p:sld xmlns:a="http://schemas.openxmlformats.org/drawingml/2006/main" xmlns:r="http://schemas.openxmlformats.org/officeDocument/2006/relationships" xmlns:p="http://schemas.openxmlformats.org/presentationml/2006/main">
+  <p:cSld>
+    <p:spTree>
+      <p:nvGrpSpPr>
+        <p:cNvPr id="1" name=""/>
+        <p:cNvGrpSpPr/>
+        <p:nvPr/>
+      </p:nvGrpSpPr>
+      <p:grpSpPr>
+        <a:xfrm>
+          <a:off x="0" y="0"/>
+          <a:ext cx="0" cy="0"/>
+          <a:chOff x="0" y="0"/>
+          <a:chExt cx="0" cy="0"/>
+        </a:xfrm>
+      </p:grpSpPr>
+      <p:sp>
+        <p:nvSpPr>
+          <p:cNvPr id="2" name="Title 1">
+            <a:extLst>
+              <a:ext uri="{FF2B5EF4-FFF2-40B4-BE49-F238E27FC236}">
                 <a16:creationId xmlns:a16="http://schemas.microsoft.com/office/drawing/2014/main" id="{983F6EB2-C94A-4F83-8014-A15AE1148178}"/>
               </a:ext>
             </a:extLst>
@@ -7743,7 +11662,7 @@
           <p:nvPr/>
         </p:nvPicPr>
         <p:blipFill>
-          <a:blip r:embed="rId2"/>
+          <a:blip r:embed="rId3"/>
           <a:stretch>
             <a:fillRect/>
           </a:stretch>
@@ -7773,7 +11692,7 @@
           <p:nvPr/>
         </p:nvPicPr>
         <p:blipFill>
-          <a:blip r:embed="rId2"/>
+          <a:blip r:embed="rId3"/>
           <a:stretch>
             <a:fillRect/>
           </a:stretch>
@@ -7801,8 +11720,8 @@
 </p:sld>
 </file>
 
-<file path=ppt/slides/slide21.xml><?xml version="1.0" encoding="utf-8"?>
-<p:sld xmlns:a="http://schemas.openxmlformats.org/drawingml/2006/main" xmlns:r="http://schemas.openxmlformats.org/officeDocument/2006/relationships" xmlns:p="http://schemas.openxmlformats.org/presentationml/2006/main" show="0">
+<file path=ppt/slides/slide22.xml><?xml version="1.0" encoding="utf-8"?>
+<p:sld xmlns:a="http://schemas.openxmlformats.org/drawingml/2006/main" xmlns:r="http://schemas.openxmlformats.org/officeDocument/2006/relationships" xmlns:p="http://schemas.openxmlformats.org/presentationml/2006/main">
   <p:cSld>
     <p:spTree>
       <p:nvGrpSpPr>
@@ -7909,7 +11828,7 @@
           <p:nvPr/>
         </p:nvPicPr>
         <p:blipFill>
-          <a:blip r:embed="rId2"/>
+          <a:blip r:embed="rId3"/>
           <a:stretch>
             <a:fillRect/>
           </a:stretch>
@@ -7939,7 +11858,7 @@
           <p:nvPr/>
         </p:nvPicPr>
         <p:blipFill>
-          <a:blip r:embed="rId3"/>
+          <a:blip r:embed="rId4"/>
           <a:stretch>
             <a:fillRect/>
           </a:stretch>
@@ -7967,8 +11886,8 @@
 </p:sld>
 </file>
 
-<file path=ppt/slides/slide22.xml><?xml version="1.0" encoding="utf-8"?>
-<p:sld xmlns:a="http://schemas.openxmlformats.org/drawingml/2006/main" xmlns:r="http://schemas.openxmlformats.org/officeDocument/2006/relationships" xmlns:p="http://schemas.openxmlformats.org/presentationml/2006/main" show="0">
+<file path=ppt/slides/slide23.xml><?xml version="1.0" encoding="utf-8"?>
+<p:sld xmlns:a="http://schemas.openxmlformats.org/drawingml/2006/main" xmlns:r="http://schemas.openxmlformats.org/officeDocument/2006/relationships" xmlns:p="http://schemas.openxmlformats.org/presentationml/2006/main">
   <p:cSld>
     <p:spTree>
       <p:nvGrpSpPr>
@@ -8029,7 +11948,7 @@
           </p:nvPr>
         </p:nvPicPr>
         <p:blipFill>
-          <a:blip r:embed="rId2">
+          <a:blip r:embed="rId3">
             <a:extLst>
               <a:ext uri="{28A0092B-C50C-407E-A947-70E740481C1C}">
                 <a14:useLocalDpi xmlns:a14="http://schemas.microsoft.com/office/drawing/2010/main" val="0"/>
@@ -8146,7 +12065,7 @@
           <p:nvPr/>
         </p:nvPicPr>
         <p:blipFill>
-          <a:blip r:embed="rId3">
+          <a:blip r:embed="rId4">
             <a:extLst>
               <a:ext uri="{28A0092B-C50C-407E-A947-70E740481C1C}">
                 <a14:useLocalDpi xmlns:a14="http://schemas.microsoft.com/office/drawing/2010/main" val="0"/>
@@ -8191,7 +12110,7 @@
 </p:sld>
 </file>
 
-<file path=ppt/slides/slide23.xml><?xml version="1.0" encoding="utf-8"?>
+<file path=ppt/slides/slide24.xml><?xml version="1.0" encoding="utf-8"?>
 <p:sld xmlns:a="http://schemas.openxmlformats.org/drawingml/2006/main" xmlns:r="http://schemas.openxmlformats.org/officeDocument/2006/relationships" xmlns:p="http://schemas.openxmlformats.org/presentationml/2006/main">
   <p:cSld>
     <p:spTree>
@@ -8253,7 +12172,7 @@
           </p:nvPr>
         </p:nvPicPr>
         <p:blipFill>
-          <a:blip r:embed="rId2">
+          <a:blip r:embed="rId3">
             <a:extLst>
               <a:ext uri="{28A0092B-C50C-407E-A947-70E740481C1C}">
                 <a14:useLocalDpi xmlns:a14="http://schemas.microsoft.com/office/drawing/2010/main" val="0"/>
@@ -8298,7 +12217,7 @@
 </p:sld>
 </file>
 
-<file path=ppt/slides/slide24.xml><?xml version="1.0" encoding="utf-8"?>
+<file path=ppt/slides/slide25.xml><?xml version="1.0" encoding="utf-8"?>
 <p:sld xmlns:a="http://schemas.openxmlformats.org/drawingml/2006/main" xmlns:r="http://schemas.openxmlformats.org/officeDocument/2006/relationships" xmlns:p="http://schemas.openxmlformats.org/presentationml/2006/main">
   <p:cSld>
     <p:spTree>
@@ -8556,7 +12475,7 @@
           <p:nvPr/>
         </p:nvPicPr>
         <p:blipFill>
-          <a:blip r:embed="rId2"/>
+          <a:blip r:embed="rId3"/>
           <a:stretch>
             <a:fillRect/>
           </a:stretch>
@@ -8586,7 +12505,7 @@
           <p:nvPr/>
         </p:nvPicPr>
         <p:blipFill>
-          <a:blip r:embed="rId3"/>
+          <a:blip r:embed="rId4"/>
           <a:stretch>
             <a:fillRect/>
           </a:stretch>
@@ -8616,7 +12535,7 @@
           <p:nvPr/>
         </p:nvPicPr>
         <p:blipFill>
-          <a:blip r:embed="rId4"/>
+          <a:blip r:embed="rId5"/>
           <a:stretch>
             <a:fillRect/>
           </a:stretch>
@@ -8738,7 +12657,7 @@
           </p:nvPr>
         </p:nvPicPr>
         <p:blipFill>
-          <a:blip r:embed="rId2">
+          <a:blip r:embed="rId3">
             <a:extLst>
               <a:ext uri="{28A0092B-C50C-407E-A947-70E740481C1C}">
                 <a14:useLocalDpi xmlns:a14="http://schemas.microsoft.com/office/drawing/2010/main" val="0"/>
@@ -8955,7 +12874,7 @@
           <p:nvPr/>
         </p:nvPicPr>
         <p:blipFill>
-          <a:blip r:embed="rId2"/>
+          <a:blip r:embed="rId3"/>
           <a:stretch>
             <a:fillRect/>
           </a:stretch>
@@ -8985,7 +12904,7 @@
           <p:nvPr/>
         </p:nvPicPr>
         <p:blipFill>
-          <a:blip r:embed="rId3"/>
+          <a:blip r:embed="rId4"/>
           <a:stretch>
             <a:fillRect/>
           </a:stretch>
@@ -9204,7 +13123,7 @@
           </p:nvPr>
         </p:nvPicPr>
         <p:blipFill>
-          <a:blip r:embed="rId2">
+          <a:blip r:embed="rId3">
             <a:extLst>
               <a:ext uri="{28A0092B-C50C-407E-A947-70E740481C1C}">
                 <a14:useLocalDpi xmlns:a14="http://schemas.microsoft.com/office/drawing/2010/main" val="0"/>
@@ -9541,7 +13460,7 @@
           <p:nvPr/>
         </p:nvPicPr>
         <p:blipFill>
-          <a:blip r:embed="rId3">
+          <a:blip r:embed="rId4">
             <a:extLst>
               <a:ext uri="{28A0092B-C50C-407E-A947-70E740481C1C}">
                 <a14:useLocalDpi xmlns:a14="http://schemas.microsoft.com/office/drawing/2010/main" val="0"/>
@@ -9759,7 +13678,7 @@
           <p:nvPr/>
         </p:nvPicPr>
         <p:blipFill>
-          <a:blip r:embed="rId2"/>
+          <a:blip r:embed="rId3"/>
           <a:stretch>
             <a:fillRect/>
           </a:stretch>
@@ -10051,4 +13970,299 @@
     </a:ext>
   </a:extLst>
 </a:theme>
+</file>
+
+<file path=ppt/theme/theme2.xml><?xml version="1.0" encoding="utf-8"?>
+<a:theme xmlns:a="http://schemas.openxmlformats.org/drawingml/2006/main" name="Office Theme">
+  <a:themeElements>
+    <a:clrScheme name="Office">
+      <a:dk1>
+        <a:sysClr val="windowText" lastClr="000000"/>
+      </a:dk1>
+      <a:lt1>
+        <a:sysClr val="window" lastClr="FFFFFF"/>
+      </a:lt1>
+      <a:dk2>
+        <a:srgbClr val="44546A"/>
+      </a:dk2>
+      <a:lt2>
+        <a:srgbClr val="E7E6E6"/>
+      </a:lt2>
+      <a:accent1>
+        <a:srgbClr val="4472C4"/>
+      </a:accent1>
+      <a:accent2>
+        <a:srgbClr val="ED7D31"/>
+      </a:accent2>
+      <a:accent3>
+        <a:srgbClr val="A5A5A5"/>
+      </a:accent3>
+      <a:accent4>
+        <a:srgbClr val="FFC000"/>
+      </a:accent4>
+      <a:accent5>
+        <a:srgbClr val="5B9BD5"/>
+      </a:accent5>
+      <a:accent6>
+        <a:srgbClr val="70AD47"/>
+      </a:accent6>
+      <a:hlink>
+        <a:srgbClr val="0563C1"/>
+      </a:hlink>
+      <a:folHlink>
+        <a:srgbClr val="954F72"/>
+      </a:folHlink>
+    </a:clrScheme>
+    <a:fontScheme name="Office">
+      <a:majorFont>
+        <a:latin typeface="Calibri Light" panose="020F0302020204030204"/>
+        <a:ea typeface=""/>
+        <a:cs typeface=""/>
+        <a:font script="Jpan" typeface="游ゴシック Light"/>
+        <a:font script="Hang" typeface="맑은 고딕"/>
+        <a:font script="Hans" typeface="等线 Light"/>
+        <a:font script="Hant" typeface="新細明體"/>
+        <a:font script="Arab" typeface="Times New Roman"/>
+        <a:font script="Hebr" typeface="Times New Roman"/>
+        <a:font script="Thai" typeface="Angsana New"/>
+        <a:font script="Ethi" typeface="Nyala"/>
+        <a:font script="Beng" typeface="Vrinda"/>
+        <a:font script="Gujr" typeface="Shruti"/>
+        <a:font script="Khmr" typeface="MoolBoran"/>
+        <a:font script="Knda" typeface="Tunga"/>
+        <a:font script="Guru" typeface="Raavi"/>
+        <a:font script="Cans" typeface="Euphemia"/>
+        <a:font script="Cher" typeface="Plantagenet Cherokee"/>
+        <a:font script="Yiii" typeface="Microsoft Yi Baiti"/>
+        <a:font script="Tibt" typeface="Microsoft Himalaya"/>
+        <a:font script="Thaa" typeface="MV Boli"/>
+        <a:font script="Deva" typeface="Mangal"/>
+        <a:font script="Telu" typeface="Gautami"/>
+        <a:font script="Taml" typeface="Latha"/>
+        <a:font script="Syrc" typeface="Estrangelo Edessa"/>
+        <a:font script="Orya" typeface="Kalinga"/>
+        <a:font script="Mlym" typeface="Kartika"/>
+        <a:font script="Laoo" typeface="DokChampa"/>
+        <a:font script="Sinh" typeface="Iskoola Pota"/>
+        <a:font script="Mong" typeface="Mongolian Baiti"/>
+        <a:font script="Viet" typeface="Times New Roman"/>
+        <a:font script="Uigh" typeface="Microsoft Uighur"/>
+        <a:font script="Geor" typeface="Sylfaen"/>
+        <a:font script="Armn" typeface="Arial"/>
+        <a:font script="Bugi" typeface="Leelawadee UI"/>
+        <a:font script="Bopo" typeface="Microsoft JhengHei"/>
+        <a:font script="Java" typeface="Javanese Text"/>
+        <a:font script="Lisu" typeface="Segoe UI"/>
+        <a:font script="Mymr" typeface="Myanmar Text"/>
+        <a:font script="Nkoo" typeface="Ebrima"/>
+        <a:font script="Olck" typeface="Nirmala UI"/>
+        <a:font script="Osma" typeface="Ebrima"/>
+        <a:font script="Phag" typeface="Phagspa"/>
+        <a:font script="Syrn" typeface="Estrangelo Edessa"/>
+        <a:font script="Syrj" typeface="Estrangelo Edessa"/>
+        <a:font script="Syre" typeface="Estrangelo Edessa"/>
+        <a:font script="Sora" typeface="Nirmala UI"/>
+        <a:font script="Tale" typeface="Microsoft Tai Le"/>
+        <a:font script="Talu" typeface="Microsoft New Tai Lue"/>
+        <a:font script="Tfng" typeface="Ebrima"/>
+      </a:majorFont>
+      <a:minorFont>
+        <a:latin typeface="Calibri" panose="020F0502020204030204"/>
+        <a:ea typeface=""/>
+        <a:cs typeface=""/>
+        <a:font script="Jpan" typeface="游ゴシック"/>
+        <a:font script="Hang" typeface="맑은 고딕"/>
+        <a:font script="Hans" typeface="等线"/>
+        <a:font script="Hant" typeface="新細明體"/>
+        <a:font script="Arab" typeface="Arial"/>
+        <a:font script="Hebr" typeface="Arial"/>
+        <a:font script="Thai" typeface="Cordia New"/>
+        <a:font script="Ethi" typeface="Nyala"/>
+        <a:font script="Beng" typeface="Vrinda"/>
+        <a:font script="Gujr" typeface="Shruti"/>
+        <a:font script="Khmr" typeface="DaunPenh"/>
+        <a:font script="Knda" typeface="Tunga"/>
+        <a:font script="Guru" typeface="Raavi"/>
+        <a:font script="Cans" typeface="Euphemia"/>
+        <a:font script="Cher" typeface="Plantagenet Cherokee"/>
+        <a:font script="Yiii" typeface="Microsoft Yi Baiti"/>
+        <a:font script="Tibt" typeface="Microsoft Himalaya"/>
+        <a:font script="Thaa" typeface="MV Boli"/>
+        <a:font script="Deva" typeface="Mangal"/>
+        <a:font script="Telu" typeface="Gautami"/>
+        <a:font script="Taml" typeface="Latha"/>
+        <a:font script="Syrc" typeface="Estrangelo Edessa"/>
+        <a:font script="Orya" typeface="Kalinga"/>
+        <a:font script="Mlym" typeface="Kartika"/>
+        <a:font script="Laoo" typeface="DokChampa"/>
+        <a:font script="Sinh" typeface="Iskoola Pota"/>
+        <a:font script="Mong" typeface="Mongolian Baiti"/>
+        <a:font script="Viet" typeface="Arial"/>
+        <a:font script="Uigh" typeface="Microsoft Uighur"/>
+        <a:font script="Geor" typeface="Sylfaen"/>
+        <a:font script="Armn" typeface="Arial"/>
+        <a:font script="Bugi" typeface="Leelawadee UI"/>
+        <a:font script="Bopo" typeface="Microsoft JhengHei"/>
+        <a:font script="Java" typeface="Javanese Text"/>
+        <a:font script="Lisu" typeface="Segoe UI"/>
+        <a:font script="Mymr" typeface="Myanmar Text"/>
+        <a:font script="Nkoo" typeface="Ebrima"/>
+        <a:font script="Olck" typeface="Nirmala UI"/>
+        <a:font script="Osma" typeface="Ebrima"/>
+        <a:font script="Phag" typeface="Phagspa"/>
+        <a:font script="Syrn" typeface="Estrangelo Edessa"/>
+        <a:font script="Syrj" typeface="Estrangelo Edessa"/>
+        <a:font script="Syre" typeface="Estrangelo Edessa"/>
+        <a:font script="Sora" typeface="Nirmala UI"/>
+        <a:font script="Tale" typeface="Microsoft Tai Le"/>
+        <a:font script="Talu" typeface="Microsoft New Tai Lue"/>
+        <a:font script="Tfng" typeface="Ebrima"/>
+      </a:minorFont>
+    </a:fontScheme>
+    <a:fmtScheme name="Office">
+      <a:fillStyleLst>
+        <a:solidFill>
+          <a:schemeClr val="phClr"/>
+        </a:solidFill>
+        <a:gradFill rotWithShape="1">
+          <a:gsLst>
+            <a:gs pos="0">
+              <a:schemeClr val="phClr">
+                <a:lumMod val="110000"/>
+                <a:satMod val="105000"/>
+                <a:tint val="67000"/>
+              </a:schemeClr>
+            </a:gs>
+            <a:gs pos="50000">
+              <a:schemeClr val="phClr">
+                <a:lumMod val="105000"/>
+                <a:satMod val="103000"/>
+                <a:tint val="73000"/>
+              </a:schemeClr>
+            </a:gs>
+            <a:gs pos="100000">
+              <a:schemeClr val="phClr">
+                <a:lumMod val="105000"/>
+                <a:satMod val="109000"/>
+                <a:tint val="81000"/>
+              </a:schemeClr>
+            </a:gs>
+          </a:gsLst>
+          <a:lin ang="5400000" scaled="0"/>
+        </a:gradFill>
+        <a:gradFill rotWithShape="1">
+          <a:gsLst>
+            <a:gs pos="0">
+              <a:schemeClr val="phClr">
+                <a:satMod val="103000"/>
+                <a:lumMod val="102000"/>
+                <a:tint val="94000"/>
+              </a:schemeClr>
+            </a:gs>
+            <a:gs pos="50000">
+              <a:schemeClr val="phClr">
+                <a:satMod val="110000"/>
+                <a:lumMod val="100000"/>
+                <a:shade val="100000"/>
+              </a:schemeClr>
+            </a:gs>
+            <a:gs pos="100000">
+              <a:schemeClr val="phClr">
+                <a:lumMod val="99000"/>
+                <a:satMod val="120000"/>
+                <a:shade val="78000"/>
+              </a:schemeClr>
+            </a:gs>
+          </a:gsLst>
+          <a:lin ang="5400000" scaled="0"/>
+        </a:gradFill>
+      </a:fillStyleLst>
+      <a:lnStyleLst>
+        <a:ln w="6350" cap="flat" cmpd="sng" algn="ctr">
+          <a:solidFill>
+            <a:schemeClr val="phClr"/>
+          </a:solidFill>
+          <a:prstDash val="solid"/>
+          <a:miter lim="800000"/>
+        </a:ln>
+        <a:ln w="12700" cap="flat" cmpd="sng" algn="ctr">
+          <a:solidFill>
+            <a:schemeClr val="phClr"/>
+          </a:solidFill>
+          <a:prstDash val="solid"/>
+          <a:miter lim="800000"/>
+        </a:ln>
+        <a:ln w="19050" cap="flat" cmpd="sng" algn="ctr">
+          <a:solidFill>
+            <a:schemeClr val="phClr"/>
+          </a:solidFill>
+          <a:prstDash val="solid"/>
+          <a:miter lim="800000"/>
+        </a:ln>
+      </a:lnStyleLst>
+      <a:effectStyleLst>
+        <a:effectStyle>
+          <a:effectLst/>
+        </a:effectStyle>
+        <a:effectStyle>
+          <a:effectLst/>
+        </a:effectStyle>
+        <a:effectStyle>
+          <a:effectLst>
+            <a:outerShdw blurRad="57150" dist="19050" dir="5400000" algn="ctr" rotWithShape="0">
+              <a:srgbClr val="000000">
+                <a:alpha val="63000"/>
+              </a:srgbClr>
+            </a:outerShdw>
+          </a:effectLst>
+        </a:effectStyle>
+      </a:effectStyleLst>
+      <a:bgFillStyleLst>
+        <a:solidFill>
+          <a:schemeClr val="phClr"/>
+        </a:solidFill>
+        <a:solidFill>
+          <a:schemeClr val="phClr">
+            <a:tint val="95000"/>
+            <a:satMod val="170000"/>
+          </a:schemeClr>
+        </a:solidFill>
+        <a:gradFill rotWithShape="1">
+          <a:gsLst>
+            <a:gs pos="0">
+              <a:schemeClr val="phClr">
+                <a:tint val="93000"/>
+                <a:satMod val="150000"/>
+                <a:shade val="98000"/>
+                <a:lumMod val="102000"/>
+              </a:schemeClr>
+            </a:gs>
+            <a:gs pos="50000">
+              <a:schemeClr val="phClr">
+                <a:tint val="98000"/>
+                <a:satMod val="130000"/>
+                <a:shade val="90000"/>
+                <a:lumMod val="103000"/>
+              </a:schemeClr>
+            </a:gs>
+            <a:gs pos="100000">
+              <a:schemeClr val="phClr">
+                <a:shade val="63000"/>
+                <a:satMod val="120000"/>
+              </a:schemeClr>
+            </a:gs>
+          </a:gsLst>
+          <a:lin ang="5400000" scaled="0"/>
+        </a:gradFill>
+      </a:bgFillStyleLst>
+    </a:fmtScheme>
+  </a:themeElements>
+  <a:objectDefaults/>
+  <a:extraClrSchemeLst/>
+  <a:extLst>
+    <a:ext uri="{05A4C25C-085E-4340-85A3-A5531E510DB2}">
+      <thm15:themeFamily xmlns:thm15="http://schemas.microsoft.com/office/thememl/2012/main" name="Office Theme" id="{62F939B6-93AF-4DB8-9C6B-D6C7DFDC589F}" vid="{4A3C46E8-61CC-4603-A589-7422A47A8E4A}"/>
+    </a:ext>
+  </a:extLst>
+</a:theme>
 </file>